--- a/CO2emissionsVsTempPP.pptx
+++ b/CO2emissionsVsTempPP.pptx
@@ -11,9 +11,14 @@
     <p:sldId id="259" r:id="rId5"/>
     <p:sldId id="260" r:id="rId6"/>
     <p:sldId id="261" r:id="rId7"/>
-    <p:sldId id="262" r:id="rId8"/>
-    <p:sldId id="263" r:id="rId9"/>
-    <p:sldId id="264" r:id="rId10"/>
+    <p:sldId id="265" r:id="rId8"/>
+    <p:sldId id="266" r:id="rId9"/>
+    <p:sldId id="267" r:id="rId10"/>
+    <p:sldId id="268" r:id="rId11"/>
+    <p:sldId id="269" r:id="rId12"/>
+    <p:sldId id="262" r:id="rId13"/>
+    <p:sldId id="263" r:id="rId14"/>
+    <p:sldId id="264" r:id="rId15"/>
   </p:sldIdLst>
   <p:sldSz cx="12192000" cy="6858000"/>
   <p:notesSz cx="6858000" cy="9144000"/>
@@ -112,6 +117,11 @@
       </a:defRPr>
     </a:lvl9pPr>
   </p:defaultTextStyle>
+  <p:extLst>
+    <p:ext uri="{EFAFB233-063F-42B5-8137-9DF3F51BA10A}">
+      <p15:sldGuideLst xmlns:p15="http://schemas.microsoft.com/office/powerpoint/2012/main"/>
+    </p:ext>
+  </p:extLst>
 </p:presentation>
 </file>
 
@@ -389,7 +399,7 @@
           <a:p>
             <a:fld id="{9952718B-077F-4DEB-9E97-D229CF2BAA78}" type="datetimeFigureOut">
               <a:rPr lang="en-US" smtClean="0"/>
-              <a:t>4/4/2020</a:t>
+              <a:t>4/5/2020</a:t>
             </a:fld>
             <a:endParaRPr lang="en-US"/>
           </a:p>
@@ -803,7 +813,7 @@
           <a:p>
             <a:fld id="{9952718B-077F-4DEB-9E97-D229CF2BAA78}" type="datetimeFigureOut">
               <a:rPr lang="en-US" smtClean="0"/>
-              <a:t>4/4/2020</a:t>
+              <a:t>4/5/2020</a:t>
             </a:fld>
             <a:endParaRPr lang="en-US"/>
           </a:p>
@@ -1139,7 +1149,7 @@
           <a:p>
             <a:fld id="{9952718B-077F-4DEB-9E97-D229CF2BAA78}" type="datetimeFigureOut">
               <a:rPr lang="en-US" smtClean="0"/>
-              <a:t>4/4/2020</a:t>
+              <a:t>4/5/2020</a:t>
             </a:fld>
             <a:endParaRPr lang="en-US"/>
           </a:p>
@@ -1544,7 +1554,7 @@
           <a:p>
             <a:fld id="{9952718B-077F-4DEB-9E97-D229CF2BAA78}" type="datetimeFigureOut">
               <a:rPr lang="en-US" smtClean="0"/>
-              <a:t>4/4/2020</a:t>
+              <a:t>4/5/2020</a:t>
             </a:fld>
             <a:endParaRPr lang="en-US"/>
           </a:p>
@@ -2112,7 +2122,7 @@
           <a:p>
             <a:fld id="{9952718B-077F-4DEB-9E97-D229CF2BAA78}" type="datetimeFigureOut">
               <a:rPr lang="en-US" smtClean="0"/>
-              <a:t>4/4/2020</a:t>
+              <a:t>4/5/2020</a:t>
             </a:fld>
             <a:endParaRPr lang="en-US"/>
           </a:p>
@@ -2793,7 +2803,7 @@
           <a:p>
             <a:fld id="{9952718B-077F-4DEB-9E97-D229CF2BAA78}" type="datetimeFigureOut">
               <a:rPr lang="en-US" smtClean="0"/>
-              <a:t>4/4/2020</a:t>
+              <a:t>4/5/2020</a:t>
             </a:fld>
             <a:endParaRPr lang="en-US"/>
           </a:p>
@@ -3706,7 +3716,7 @@
           <a:p>
             <a:fld id="{9952718B-077F-4DEB-9E97-D229CF2BAA78}" type="datetimeFigureOut">
               <a:rPr lang="en-US" smtClean="0"/>
-              <a:t>4/4/2020</a:t>
+              <a:t>4/5/2020</a:t>
             </a:fld>
             <a:endParaRPr lang="en-US"/>
           </a:p>
@@ -4019,7 +4029,7 @@
           <a:p>
             <a:fld id="{9952718B-077F-4DEB-9E97-D229CF2BAA78}" type="datetimeFigureOut">
               <a:rPr lang="en-US" smtClean="0"/>
-              <a:t>4/4/2020</a:t>
+              <a:t>4/5/2020</a:t>
             </a:fld>
             <a:endParaRPr lang="en-US"/>
           </a:p>
@@ -4283,7 +4293,7 @@
           <a:p>
             <a:fld id="{9952718B-077F-4DEB-9E97-D229CF2BAA78}" type="datetimeFigureOut">
               <a:rPr lang="en-US" smtClean="0"/>
-              <a:t>4/4/2020</a:t>
+              <a:t>4/5/2020</a:t>
             </a:fld>
             <a:endParaRPr lang="en-US"/>
           </a:p>
@@ -4606,7 +4616,7 @@
           <a:p>
             <a:fld id="{9952718B-077F-4DEB-9E97-D229CF2BAA78}" type="datetimeFigureOut">
               <a:rPr lang="en-US" smtClean="0"/>
-              <a:t>4/4/2020</a:t>
+              <a:t>4/5/2020</a:t>
             </a:fld>
             <a:endParaRPr lang="en-US"/>
           </a:p>
@@ -4995,7 +5005,7 @@
           <a:p>
             <a:fld id="{9952718B-077F-4DEB-9E97-D229CF2BAA78}" type="datetimeFigureOut">
               <a:rPr lang="en-US" smtClean="0"/>
-              <a:t>4/4/2020</a:t>
+              <a:t>4/5/2020</a:t>
             </a:fld>
             <a:endParaRPr lang="en-US"/>
           </a:p>
@@ -5371,7 +5381,7 @@
           <a:p>
             <a:fld id="{9952718B-077F-4DEB-9E97-D229CF2BAA78}" type="datetimeFigureOut">
               <a:rPr lang="en-US" smtClean="0"/>
-              <a:t>4/4/2020</a:t>
+              <a:t>4/5/2020</a:t>
             </a:fld>
             <a:endParaRPr lang="en-US"/>
           </a:p>
@@ -5877,7 +5887,7 @@
           <a:p>
             <a:fld id="{9952718B-077F-4DEB-9E97-D229CF2BAA78}" type="datetimeFigureOut">
               <a:rPr lang="en-US" smtClean="0"/>
-              <a:t>4/4/2020</a:t>
+              <a:t>4/5/2020</a:t>
             </a:fld>
             <a:endParaRPr lang="en-US"/>
           </a:p>
@@ -6134,7 +6144,7 @@
           <a:p>
             <a:fld id="{9952718B-077F-4DEB-9E97-D229CF2BAA78}" type="datetimeFigureOut">
               <a:rPr lang="en-US" smtClean="0"/>
-              <a:t>4/4/2020</a:t>
+              <a:t>4/5/2020</a:t>
             </a:fld>
             <a:endParaRPr lang="en-US"/>
           </a:p>
@@ -6297,7 +6307,7 @@
           <a:p>
             <a:fld id="{9952718B-077F-4DEB-9E97-D229CF2BAA78}" type="datetimeFigureOut">
               <a:rPr lang="en-US" smtClean="0"/>
-              <a:t>4/4/2020</a:t>
+              <a:t>4/5/2020</a:t>
             </a:fld>
             <a:endParaRPr lang="en-US"/>
           </a:p>
@@ -6687,7 +6697,7 @@
           <a:p>
             <a:fld id="{9952718B-077F-4DEB-9E97-D229CF2BAA78}" type="datetimeFigureOut">
               <a:rPr lang="en-US" smtClean="0"/>
-              <a:t>4/4/2020</a:t>
+              <a:t>4/5/2020</a:t>
             </a:fld>
             <a:endParaRPr lang="en-US"/>
           </a:p>
@@ -7096,7 +7106,7 @@
           <a:p>
             <a:fld id="{9952718B-077F-4DEB-9E97-D229CF2BAA78}" type="datetimeFigureOut">
               <a:rPr lang="en-US" smtClean="0"/>
-              <a:t>4/4/2020</a:t>
+              <a:t>4/5/2020</a:t>
             </a:fld>
             <a:endParaRPr lang="en-US"/>
           </a:p>
@@ -7340,7 +7350,7 @@
           <a:p>
             <a:fld id="{9952718B-077F-4DEB-9E97-D229CF2BAA78}" type="datetimeFigureOut">
               <a:rPr lang="en-US" smtClean="0"/>
-              <a:t>4/4/2020</a:t>
+              <a:t>4/5/2020</a:t>
             </a:fld>
             <a:endParaRPr lang="en-US"/>
           </a:p>
@@ -7831,6 +7841,619 @@
 </p:sld>
 </file>
 
+<file path=ppt/slides/slide10.xml><?xml version="1.0" encoding="utf-8"?>
+<p:sld xmlns:a="http://schemas.openxmlformats.org/drawingml/2006/main" xmlns:r="http://schemas.openxmlformats.org/officeDocument/2006/relationships" xmlns:p="http://schemas.openxmlformats.org/presentationml/2006/main">
+  <p:cSld>
+    <p:spTree>
+      <p:nvGrpSpPr>
+        <p:cNvPr id="1" name=""/>
+        <p:cNvGrpSpPr/>
+        <p:nvPr/>
+      </p:nvGrpSpPr>
+      <p:grpSpPr>
+        <a:xfrm>
+          <a:off x="0" y="0"/>
+          <a:ext cx="0" cy="0"/>
+          <a:chOff x="0" y="0"/>
+          <a:chExt cx="0" cy="0"/>
+        </a:xfrm>
+      </p:grpSpPr>
+      <p:sp>
+        <p:nvSpPr>
+          <p:cNvPr id="2" name="Title 1">
+            <a:extLst>
+              <a:ext uri="{FF2B5EF4-FFF2-40B4-BE49-F238E27FC236}">
+                <a16:creationId xmlns:a16="http://schemas.microsoft.com/office/drawing/2014/main" id="{3BD721D7-1024-40DB-BA42-C658BAC2B002}"/>
+              </a:ext>
+            </a:extLst>
+          </p:cNvPr>
+          <p:cNvSpPr>
+            <a:spLocks noGrp="1"/>
+          </p:cNvSpPr>
+          <p:nvPr>
+            <p:ph type="title"/>
+          </p:nvPr>
+        </p:nvSpPr>
+        <p:spPr/>
+        <p:txBody>
+          <a:bodyPr/>
+          <a:lstStyle/>
+          <a:p>
+            <a:r>
+              <a:rPr lang="en-US" dirty="0"/>
+              <a:t>U.S. Overall</a:t>
+            </a:r>
+          </a:p>
+        </p:txBody>
+      </p:sp>
+      <p:pic>
+        <p:nvPicPr>
+          <p:cNvPr id="5" name="Content Placeholder 4">
+            <a:extLst>
+              <a:ext uri="{FF2B5EF4-FFF2-40B4-BE49-F238E27FC236}">
+                <a16:creationId xmlns:a16="http://schemas.microsoft.com/office/drawing/2014/main" id="{C49FD627-9BFA-41F6-B200-F5FE44C16109}"/>
+              </a:ext>
+            </a:extLst>
+          </p:cNvPr>
+          <p:cNvPicPr>
+            <a:picLocks noGrp="1" noChangeAspect="1"/>
+          </p:cNvPicPr>
+          <p:nvPr>
+            <p:ph idx="1"/>
+          </p:nvPr>
+        </p:nvPicPr>
+        <p:blipFill>
+          <a:blip r:embed="rId2">
+            <a:extLst>
+              <a:ext uri="{28A0092B-C50C-407E-A947-70E740481C1C}">
+                <a14:useLocalDpi xmlns:a14="http://schemas.microsoft.com/office/drawing/2010/main" val="0"/>
+              </a:ext>
+            </a:extLst>
+          </a:blip>
+          <a:stretch>
+            <a:fillRect/>
+          </a:stretch>
+        </p:blipFill>
+        <p:spPr>
+          <a:xfrm>
+            <a:off x="281430" y="2394309"/>
+            <a:ext cx="5398294" cy="3598863"/>
+          </a:xfrm>
+        </p:spPr>
+      </p:pic>
+      <p:pic>
+        <p:nvPicPr>
+          <p:cNvPr id="7" name="Picture 6">
+            <a:extLst>
+              <a:ext uri="{FF2B5EF4-FFF2-40B4-BE49-F238E27FC236}">
+                <a16:creationId xmlns:a16="http://schemas.microsoft.com/office/drawing/2014/main" id="{ADA8976B-D092-41D9-BEC0-CA319DD6F65C}"/>
+              </a:ext>
+            </a:extLst>
+          </p:cNvPr>
+          <p:cNvPicPr>
+            <a:picLocks noChangeAspect="1"/>
+          </p:cNvPicPr>
+          <p:nvPr/>
+        </p:nvPicPr>
+        <p:blipFill>
+          <a:blip r:embed="rId3">
+            <a:extLst>
+              <a:ext uri="{28A0092B-C50C-407E-A947-70E740481C1C}">
+                <a14:useLocalDpi xmlns:a14="http://schemas.microsoft.com/office/drawing/2010/main" val="0"/>
+              </a:ext>
+            </a:extLst>
+          </a:blip>
+          <a:stretch>
+            <a:fillRect/>
+          </a:stretch>
+        </p:blipFill>
+        <p:spPr>
+          <a:xfrm>
+            <a:off x="6234023" y="2394308"/>
+            <a:ext cx="5250611" cy="3598863"/>
+          </a:xfrm>
+          <a:prstGeom prst="rect">
+            <a:avLst/>
+          </a:prstGeom>
+        </p:spPr>
+      </p:pic>
+    </p:spTree>
+    <p:extLst>
+      <p:ext uri="{BB962C8B-B14F-4D97-AF65-F5344CB8AC3E}">
+        <p14:creationId xmlns:p14="http://schemas.microsoft.com/office/powerpoint/2010/main" val="3968540225"/>
+      </p:ext>
+    </p:extLst>
+  </p:cSld>
+  <p:clrMapOvr>
+    <a:masterClrMapping/>
+  </p:clrMapOvr>
+</p:sld>
+</file>
+
+<file path=ppt/slides/slide11.xml><?xml version="1.0" encoding="utf-8"?>
+<p:sld xmlns:a="http://schemas.openxmlformats.org/drawingml/2006/main" xmlns:r="http://schemas.openxmlformats.org/officeDocument/2006/relationships" xmlns:p="http://schemas.openxmlformats.org/presentationml/2006/main">
+  <p:cSld>
+    <p:spTree>
+      <p:nvGrpSpPr>
+        <p:cNvPr id="1" name=""/>
+        <p:cNvGrpSpPr/>
+        <p:nvPr/>
+      </p:nvGrpSpPr>
+      <p:grpSpPr>
+        <a:xfrm>
+          <a:off x="0" y="0"/>
+          <a:ext cx="0" cy="0"/>
+          <a:chOff x="0" y="0"/>
+          <a:chExt cx="0" cy="0"/>
+        </a:xfrm>
+      </p:grpSpPr>
+      <p:sp>
+        <p:nvSpPr>
+          <p:cNvPr id="2" name="Title 1">
+            <a:extLst>
+              <a:ext uri="{FF2B5EF4-FFF2-40B4-BE49-F238E27FC236}">
+                <a16:creationId xmlns:a16="http://schemas.microsoft.com/office/drawing/2014/main" id="{9CE7BC33-3637-4EED-B178-55936859EEA8}"/>
+              </a:ext>
+            </a:extLst>
+          </p:cNvPr>
+          <p:cNvSpPr>
+            <a:spLocks noGrp="1"/>
+          </p:cNvSpPr>
+          <p:nvPr>
+            <p:ph type="title"/>
+          </p:nvPr>
+        </p:nvSpPr>
+        <p:spPr/>
+        <p:txBody>
+          <a:bodyPr/>
+          <a:lstStyle/>
+          <a:p>
+            <a:r>
+              <a:rPr lang="en-US" dirty="0"/>
+              <a:t>U.S. Overall Continued…</a:t>
+            </a:r>
+          </a:p>
+        </p:txBody>
+      </p:sp>
+      <p:pic>
+        <p:nvPicPr>
+          <p:cNvPr id="4" name="Content Placeholder 3">
+            <a:extLst>
+              <a:ext uri="{FF2B5EF4-FFF2-40B4-BE49-F238E27FC236}">
+                <a16:creationId xmlns:a16="http://schemas.microsoft.com/office/drawing/2014/main" id="{3506AA83-CFD2-4032-B65E-577DE324A8EF}"/>
+              </a:ext>
+            </a:extLst>
+          </p:cNvPr>
+          <p:cNvPicPr>
+            <a:picLocks noGrp="1" noChangeAspect="1"/>
+          </p:cNvPicPr>
+          <p:nvPr>
+            <p:ph idx="1"/>
+          </p:nvPr>
+        </p:nvPicPr>
+        <p:blipFill>
+          <a:blip r:embed="rId2">
+            <a:extLst>
+              <a:ext uri="{28A0092B-C50C-407E-A947-70E740481C1C}">
+                <a14:useLocalDpi xmlns:a14="http://schemas.microsoft.com/office/drawing/2010/main" val="0"/>
+              </a:ext>
+            </a:extLst>
+          </a:blip>
+          <a:stretch>
+            <a:fillRect/>
+          </a:stretch>
+        </p:blipFill>
+        <p:spPr>
+          <a:xfrm>
+            <a:off x="2733073" y="2336800"/>
+            <a:ext cx="5509829" cy="3598863"/>
+          </a:xfrm>
+          <a:prstGeom prst="rect">
+            <a:avLst/>
+          </a:prstGeom>
+        </p:spPr>
+      </p:pic>
+    </p:spTree>
+    <p:extLst>
+      <p:ext uri="{BB962C8B-B14F-4D97-AF65-F5344CB8AC3E}">
+        <p14:creationId xmlns:p14="http://schemas.microsoft.com/office/powerpoint/2010/main" val="748454066"/>
+      </p:ext>
+    </p:extLst>
+  </p:cSld>
+  <p:clrMapOvr>
+    <a:masterClrMapping/>
+  </p:clrMapOvr>
+</p:sld>
+</file>
+
+<file path=ppt/slides/slide12.xml><?xml version="1.0" encoding="utf-8"?>
+<p:sld xmlns:a="http://schemas.openxmlformats.org/drawingml/2006/main" xmlns:r="http://schemas.openxmlformats.org/officeDocument/2006/relationships" xmlns:p="http://schemas.openxmlformats.org/presentationml/2006/main">
+  <p:cSld>
+    <p:spTree>
+      <p:nvGrpSpPr>
+        <p:cNvPr id="1" name=""/>
+        <p:cNvGrpSpPr/>
+        <p:nvPr/>
+      </p:nvGrpSpPr>
+      <p:grpSpPr>
+        <a:xfrm>
+          <a:off x="0" y="0"/>
+          <a:ext cx="0" cy="0"/>
+          <a:chOff x="0" y="0"/>
+          <a:chExt cx="0" cy="0"/>
+        </a:xfrm>
+      </p:grpSpPr>
+      <p:sp>
+        <p:nvSpPr>
+          <p:cNvPr id="2" name="Title 1">
+            <a:extLst>
+              <a:ext uri="{FF2B5EF4-FFF2-40B4-BE49-F238E27FC236}">
+                <a16:creationId xmlns:a16="http://schemas.microsoft.com/office/drawing/2014/main" id="{97248CF5-1831-462A-B3D7-EBA6E960664B}"/>
+              </a:ext>
+            </a:extLst>
+          </p:cNvPr>
+          <p:cNvSpPr>
+            <a:spLocks noGrp="1"/>
+          </p:cNvSpPr>
+          <p:nvPr>
+            <p:ph type="title"/>
+          </p:nvPr>
+        </p:nvSpPr>
+        <p:spPr/>
+        <p:txBody>
+          <a:bodyPr/>
+          <a:lstStyle/>
+          <a:p>
+            <a:r>
+              <a:rPr lang="en-US" dirty="0"/>
+              <a:t>Discussion</a:t>
+            </a:r>
+          </a:p>
+        </p:txBody>
+      </p:sp>
+      <p:sp>
+        <p:nvSpPr>
+          <p:cNvPr id="3" name="Content Placeholder 2">
+            <a:extLst>
+              <a:ext uri="{FF2B5EF4-FFF2-40B4-BE49-F238E27FC236}">
+                <a16:creationId xmlns:a16="http://schemas.microsoft.com/office/drawing/2014/main" id="{EED7B50D-6AA5-441C-9DD3-A2F37BCDA790}"/>
+              </a:ext>
+            </a:extLst>
+          </p:cNvPr>
+          <p:cNvSpPr>
+            <a:spLocks noGrp="1"/>
+          </p:cNvSpPr>
+          <p:nvPr>
+            <p:ph idx="1"/>
+          </p:nvPr>
+        </p:nvSpPr>
+        <p:spPr/>
+        <p:txBody>
+          <a:bodyPr/>
+          <a:lstStyle/>
+          <a:p>
+            <a:r>
+              <a:rPr lang="en-US" dirty="0"/>
+              <a:t>* Discuss your findings. Did you find what you expected to find? If not, why not? What inferences or general conclusions can you draw from your analysis?</a:t>
+            </a:r>
+          </a:p>
+          <a:p>
+            <a:endParaRPr lang="en-US" dirty="0"/>
+          </a:p>
+          <a:p>
+            <a:endParaRPr lang="en-US" dirty="0"/>
+          </a:p>
+        </p:txBody>
+      </p:sp>
+    </p:spTree>
+    <p:extLst>
+      <p:ext uri="{BB962C8B-B14F-4D97-AF65-F5344CB8AC3E}">
+        <p14:creationId xmlns:p14="http://schemas.microsoft.com/office/powerpoint/2010/main" val="2073487855"/>
+      </p:ext>
+    </p:extLst>
+  </p:cSld>
+  <p:clrMapOvr>
+    <a:masterClrMapping/>
+  </p:clrMapOvr>
+</p:sld>
+</file>
+
+<file path=ppt/slides/slide13.xml><?xml version="1.0" encoding="utf-8"?>
+<p:sld xmlns:a="http://schemas.openxmlformats.org/drawingml/2006/main" xmlns:r="http://schemas.openxmlformats.org/officeDocument/2006/relationships" xmlns:p="http://schemas.openxmlformats.org/presentationml/2006/main">
+  <p:cSld>
+    <p:spTree>
+      <p:nvGrpSpPr>
+        <p:cNvPr id="1" name=""/>
+        <p:cNvGrpSpPr/>
+        <p:nvPr/>
+      </p:nvGrpSpPr>
+      <p:grpSpPr>
+        <a:xfrm>
+          <a:off x="0" y="0"/>
+          <a:ext cx="0" cy="0"/>
+          <a:chOff x="0" y="0"/>
+          <a:chExt cx="0" cy="0"/>
+        </a:xfrm>
+      </p:grpSpPr>
+      <p:sp>
+        <p:nvSpPr>
+          <p:cNvPr id="2" name="Title 1">
+            <a:extLst>
+              <a:ext uri="{FF2B5EF4-FFF2-40B4-BE49-F238E27FC236}">
+                <a16:creationId xmlns:a16="http://schemas.microsoft.com/office/drawing/2014/main" id="{C83672AA-12CB-4A35-B30E-294360B02FDA}"/>
+              </a:ext>
+            </a:extLst>
+          </p:cNvPr>
+          <p:cNvSpPr>
+            <a:spLocks noGrp="1"/>
+          </p:cNvSpPr>
+          <p:nvPr>
+            <p:ph type="title"/>
+          </p:nvPr>
+        </p:nvSpPr>
+        <p:spPr/>
+        <p:txBody>
+          <a:bodyPr/>
+          <a:lstStyle/>
+          <a:p>
+            <a:r>
+              <a:rPr lang="en-US" dirty="0"/>
+              <a:t>Post Mortem	</a:t>
+            </a:r>
+          </a:p>
+        </p:txBody>
+      </p:sp>
+      <p:sp>
+        <p:nvSpPr>
+          <p:cNvPr id="3" name="Content Placeholder 2">
+            <a:extLst>
+              <a:ext uri="{FF2B5EF4-FFF2-40B4-BE49-F238E27FC236}">
+                <a16:creationId xmlns:a16="http://schemas.microsoft.com/office/drawing/2014/main" id="{B588E67A-F69E-4E01-B2A5-CEB672C91740}"/>
+              </a:ext>
+            </a:extLst>
+          </p:cNvPr>
+          <p:cNvSpPr>
+            <a:spLocks noGrp="1"/>
+          </p:cNvSpPr>
+          <p:nvPr>
+            <p:ph idx="1"/>
+          </p:nvPr>
+        </p:nvSpPr>
+        <p:spPr/>
+        <p:txBody>
+          <a:bodyPr>
+            <a:normAutofit fontScale="70000" lnSpcReduction="20000"/>
+          </a:bodyPr>
+          <a:lstStyle/>
+          <a:p>
+            <a:r>
+              <a:rPr lang="en-US" dirty="0"/>
+              <a:t>  * Discuss any difficulties that arose, and how you dealt with them</a:t>
+            </a:r>
+          </a:p>
+          <a:p>
+            <a:pPr lvl="1"/>
+            <a:r>
+              <a:rPr lang="en-US" dirty="0"/>
+              <a:t>Large datasets required a lot more time to sort through and clean.</a:t>
+            </a:r>
+          </a:p>
+          <a:p>
+            <a:pPr lvl="1"/>
+            <a:r>
+              <a:rPr lang="en-US" dirty="0"/>
+              <a:t>Some datasets were not large enough to create an accurate representation.</a:t>
+            </a:r>
+          </a:p>
+          <a:p>
+            <a:pPr lvl="1"/>
+            <a:r>
+              <a:rPr lang="en-US" dirty="0"/>
+              <a:t>Collaborating with groupmates using a new unfamiliar system. (e.g. </a:t>
+            </a:r>
+            <a:r>
+              <a:rPr lang="en-US" dirty="0" err="1"/>
+              <a:t>github</a:t>
+            </a:r>
+            <a:r>
+              <a:rPr lang="en-US" dirty="0"/>
+              <a:t>)</a:t>
+            </a:r>
+          </a:p>
+          <a:p>
+            <a:pPr lvl="1"/>
+            <a:r>
+              <a:rPr lang="en-US" dirty="0"/>
+              <a:t>Due to current pandemic, all meetings had to be virtual. Harder to coordinate with teacher and groupmates. </a:t>
+            </a:r>
+          </a:p>
+          <a:p>
+            <a:r>
+              <a:rPr lang="en-US" dirty="0"/>
+              <a:t>  * Discuss any additional questions that came up, but which you didn't have time to answer: What would you research next, if you had two more weeks?</a:t>
+            </a:r>
+          </a:p>
+          <a:p>
+            <a:pPr lvl="1"/>
+            <a:r>
+              <a:rPr lang="en-US" dirty="0"/>
+              <a:t>If we had two more weeks, probably include more datasets. Maybe incorporate an </a:t>
+            </a:r>
+            <a:r>
+              <a:rPr lang="en-US" dirty="0" err="1"/>
+              <a:t>api</a:t>
+            </a:r>
+            <a:r>
+              <a:rPr lang="en-US" dirty="0"/>
+              <a:t> like a weather </a:t>
+            </a:r>
+            <a:r>
+              <a:rPr lang="en-US" dirty="0" err="1"/>
+              <a:t>api</a:t>
+            </a:r>
+            <a:r>
+              <a:rPr lang="en-US" dirty="0"/>
+              <a:t>. </a:t>
+            </a:r>
+          </a:p>
+          <a:p>
+            <a:pPr lvl="1"/>
+            <a:r>
+              <a:rPr lang="en-US" dirty="0"/>
+              <a:t>Additional questions:</a:t>
+            </a:r>
+          </a:p>
+          <a:p>
+            <a:pPr lvl="2"/>
+            <a:r>
+              <a:rPr lang="en-US" dirty="0"/>
+              <a:t>“Does geography play a large factor in temperature changes?”</a:t>
+            </a:r>
+          </a:p>
+          <a:p>
+            <a:pPr lvl="2"/>
+            <a:r>
+              <a:rPr lang="en-US" dirty="0"/>
+              <a:t>“Does population size have an effect on temperature in a region?”</a:t>
+            </a:r>
+          </a:p>
+          <a:p>
+            <a:pPr lvl="2"/>
+            <a:r>
+              <a:rPr lang="en-US" dirty="0"/>
+              <a:t>“Avg CO</a:t>
+            </a:r>
+            <a:r>
+              <a:rPr lang="en-US" baseline="-25000" dirty="0"/>
+              <a:t>2 </a:t>
+            </a:r>
+            <a:r>
+              <a:rPr lang="en-US" dirty="0"/>
+              <a:t>emissions per capita per state (Carbon Footprint)” </a:t>
+            </a:r>
+          </a:p>
+          <a:p>
+            <a:pPr marL="0" indent="0">
+              <a:buNone/>
+            </a:pPr>
+            <a:br>
+              <a:rPr lang="en-US" dirty="0"/>
+            </a:br>
+            <a:endParaRPr lang="en-US" dirty="0"/>
+          </a:p>
+          <a:p>
+            <a:endParaRPr lang="en-US" dirty="0"/>
+          </a:p>
+        </p:txBody>
+      </p:sp>
+    </p:spTree>
+    <p:extLst>
+      <p:ext uri="{BB962C8B-B14F-4D97-AF65-F5344CB8AC3E}">
+        <p14:creationId xmlns:p14="http://schemas.microsoft.com/office/powerpoint/2010/main" val="3388197764"/>
+      </p:ext>
+    </p:extLst>
+  </p:cSld>
+  <p:clrMapOvr>
+    <a:masterClrMapping/>
+  </p:clrMapOvr>
+</p:sld>
+</file>
+
+<file path=ppt/slides/slide14.xml><?xml version="1.0" encoding="utf-8"?>
+<p:sld xmlns:a="http://schemas.openxmlformats.org/drawingml/2006/main" xmlns:r="http://schemas.openxmlformats.org/officeDocument/2006/relationships" xmlns:p="http://schemas.openxmlformats.org/presentationml/2006/main">
+  <p:cSld>
+    <p:spTree>
+      <p:nvGrpSpPr>
+        <p:cNvPr id="1" name=""/>
+        <p:cNvGrpSpPr/>
+        <p:nvPr/>
+      </p:nvGrpSpPr>
+      <p:grpSpPr>
+        <a:xfrm>
+          <a:off x="0" y="0"/>
+          <a:ext cx="0" cy="0"/>
+          <a:chOff x="0" y="0"/>
+          <a:chExt cx="0" cy="0"/>
+        </a:xfrm>
+      </p:grpSpPr>
+      <p:sp>
+        <p:nvSpPr>
+          <p:cNvPr id="2" name="Title 1">
+            <a:extLst>
+              <a:ext uri="{FF2B5EF4-FFF2-40B4-BE49-F238E27FC236}">
+                <a16:creationId xmlns:a16="http://schemas.microsoft.com/office/drawing/2014/main" id="{A9135A3E-7DD3-4B69-B61F-82AAA5DD4DDE}"/>
+              </a:ext>
+            </a:extLst>
+          </p:cNvPr>
+          <p:cNvSpPr>
+            <a:spLocks noGrp="1"/>
+          </p:cNvSpPr>
+          <p:nvPr>
+            <p:ph type="title"/>
+          </p:nvPr>
+        </p:nvSpPr>
+        <p:spPr/>
+        <p:txBody>
+          <a:bodyPr>
+            <a:normAutofit/>
+          </a:bodyPr>
+          <a:lstStyle/>
+          <a:p>
+            <a:r>
+              <a:rPr lang="en-US" sz="7000" dirty="0"/>
+              <a:t>Questions?</a:t>
+            </a:r>
+          </a:p>
+        </p:txBody>
+      </p:sp>
+      <p:pic>
+        <p:nvPicPr>
+          <p:cNvPr id="5" name="Content Placeholder 4">
+            <a:extLst>
+              <a:ext uri="{FF2B5EF4-FFF2-40B4-BE49-F238E27FC236}">
+                <a16:creationId xmlns:a16="http://schemas.microsoft.com/office/drawing/2014/main" id="{4888FE66-0AC7-4880-818B-38BBFE28A208}"/>
+              </a:ext>
+            </a:extLst>
+          </p:cNvPr>
+          <p:cNvPicPr>
+            <a:picLocks noGrp="1" noChangeAspect="1"/>
+          </p:cNvPicPr>
+          <p:nvPr>
+            <p:ph idx="1"/>
+          </p:nvPr>
+        </p:nvPicPr>
+        <p:blipFill>
+          <a:blip r:embed="rId2">
+            <a:extLst>
+              <a:ext uri="{28A0092B-C50C-407E-A947-70E740481C1C}">
+                <a14:useLocalDpi xmlns:a14="http://schemas.microsoft.com/office/drawing/2010/main" val="0"/>
+              </a:ext>
+            </a:extLst>
+          </a:blip>
+          <a:stretch>
+            <a:fillRect/>
+          </a:stretch>
+        </p:blipFill>
+        <p:spPr>
+          <a:xfrm>
+            <a:off x="3002693" y="2505909"/>
+            <a:ext cx="5398294" cy="3598863"/>
+          </a:xfrm>
+        </p:spPr>
+      </p:pic>
+    </p:spTree>
+    <p:extLst>
+      <p:ext uri="{BB962C8B-B14F-4D97-AF65-F5344CB8AC3E}">
+        <p14:creationId xmlns:p14="http://schemas.microsoft.com/office/powerpoint/2010/main" val="4011974717"/>
+      </p:ext>
+    </p:extLst>
+  </p:cSld>
+  <p:clrMapOvr>
+    <a:masterClrMapping/>
+  </p:clrMapOvr>
+</p:sld>
+</file>
+
 <file path=ppt/slides/slide2.xml><?xml version="1.0" encoding="utf-8"?>
 <p:sld xmlns:a="http://schemas.openxmlformats.org/drawingml/2006/main" xmlns:r="http://schemas.openxmlformats.org/officeDocument/2006/relationships" xmlns:p="http://schemas.openxmlformats.org/presentationml/2006/main">
   <p:cSld>
@@ -7903,7 +8526,7 @@
         <p:spPr/>
         <p:txBody>
           <a:bodyPr>
-            <a:normAutofit fontScale="92500" lnSpcReduction="20000"/>
+            <a:normAutofit fontScale="77500" lnSpcReduction="20000"/>
           </a:bodyPr>
           <a:lstStyle/>
           <a:p>
@@ -7943,38 +8566,14 @@
           <a:p>
             <a:r>
               <a:rPr lang="en-US" dirty="0"/>
-              <a:t>Is there a correlation between CO</a:t>
-            </a:r>
-            <a:r>
-              <a:rPr lang="en-US" baseline="-25000" dirty="0"/>
-              <a:t>2 </a:t>
-            </a:r>
+              <a:t>Certain states have higher emissions than others. Is there a larger increase in temperature in certain areas?</a:t>
+            </a:r>
+          </a:p>
+          <a:p>
+            <a:pPr lvl="1"/>
             <a:r>
               <a:rPr lang="en-US" dirty="0"/>
-              <a:t>emissions</a:t>
-            </a:r>
-            <a:r>
-              <a:rPr lang="en-US" baseline="-25000" dirty="0"/>
-              <a:t> </a:t>
-            </a:r>
-            <a:r>
-              <a:rPr lang="en-US" baseline="30000" dirty="0"/>
-              <a:t> </a:t>
-            </a:r>
-            <a:r>
-              <a:rPr lang="en-US" dirty="0"/>
-              <a:t>and the increase in temperature of the U.S.?</a:t>
-            </a:r>
-            <a:r>
-              <a:rPr lang="en-US" baseline="30000" dirty="0"/>
-              <a:t> </a:t>
-            </a:r>
-          </a:p>
-          <a:p>
-            <a:pPr lvl="1"/>
-            <a:r>
-              <a:rPr lang="en-US" dirty="0"/>
-              <a:t>The U.S. has shown a steady increase in temperature as CO</a:t>
+              <a:t>Data is inconclusive because other factors may have came into play. Change was too small to attribute it to be mainly Co</a:t>
             </a:r>
             <a:r>
               <a:rPr lang="en-US" baseline="-25000" dirty="0"/>
@@ -7982,7 +8581,14 @@
             </a:r>
             <a:r>
               <a:rPr lang="en-US" dirty="0"/>
-              <a:t> emissions increase.</a:t>
+              <a:t> emissions.</a:t>
+            </a:r>
+          </a:p>
+          <a:p>
+            <a:pPr lvl="1"/>
+            <a:r>
+              <a:rPr lang="en-US" dirty="0"/>
+              <a:t>(e.g. geographic location, weather patterns, population size) </a:t>
             </a:r>
           </a:p>
           <a:p>
@@ -8189,7 +8795,7 @@
           <a:p>
             <a:r>
               <a:rPr lang="en-US" dirty="0"/>
-              <a:t>Questions/Data</a:t>
+              <a:t>Data: Where and why</a:t>
             </a:r>
           </a:p>
         </p:txBody>
@@ -8219,6 +8825,9 @@
               <a:rPr lang="en-US" dirty="0"/>
               <a:t>We required data from emissions each year, the change in temperature over time for the U.S. as a whole and per state. </a:t>
             </a:r>
+          </a:p>
+          <a:p>
+            <a:endParaRPr lang="en-US" dirty="0"/>
           </a:p>
           <a:p>
             <a:r>
@@ -8312,10 +8921,19 @@
         <p:spPr/>
         <p:txBody>
           <a:bodyPr>
-            <a:normAutofit lnSpcReduction="10000"/>
+            <a:normAutofit fontScale="92500" lnSpcReduction="20000"/>
           </a:bodyPr>
           <a:lstStyle/>
           <a:p>
+            <a:pPr marL="0" indent="0">
+              <a:buNone/>
+            </a:pPr>
+            <a:r>
+              <a:rPr lang="en-US" b="1" u="sng" dirty="0"/>
+              <a:t>Cleanup Process</a:t>
+            </a:r>
+          </a:p>
+          <a:p>
             <a:r>
               <a:rPr lang="en-US" dirty="0"/>
               <a:t>Downloaded .csv files and imported into the </a:t>
@@ -8338,6 +8956,21 @@
           <a:p>
             <a:r>
               <a:rPr lang="en-US" dirty="0"/>
+              <a:t>We sorted each dataset and used what was useful to us</a:t>
+            </a:r>
+          </a:p>
+          <a:p>
+            <a:pPr marL="0" indent="0">
+              <a:buNone/>
+            </a:pPr>
+            <a:r>
+              <a:rPr lang="en-US" b="1" u="sng" dirty="0"/>
+              <a:t>Insight</a:t>
+            </a:r>
+          </a:p>
+          <a:p>
+            <a:r>
+              <a:rPr lang="en-US" dirty="0"/>
               <a:t>The U.S. has made a large effort to decrease emissions.</a:t>
             </a:r>
           </a:p>
@@ -8350,14 +8983,23 @@
           <a:p>
             <a:r>
               <a:rPr lang="en-US" dirty="0"/>
-              <a:t>Some datasets were incomplete and required more detailed cleaning. </a:t>
-            </a:r>
-          </a:p>
-          <a:p>
-            <a:r>
-              <a:rPr lang="en-US" dirty="0"/>
-              <a:t>We sorted each dataset and used what was useful to us</a:t>
-            </a:r>
+              <a:t>Some datasets were incomplete and we had to reformulate our question to include the important data in these datasets.</a:t>
+            </a:r>
+          </a:p>
+          <a:p>
+            <a:pPr marL="0" indent="0">
+              <a:buNone/>
+            </a:pPr>
+            <a:endParaRPr lang="en-US" dirty="0"/>
+          </a:p>
+          <a:p>
+            <a:endParaRPr lang="en-US" dirty="0"/>
+          </a:p>
+          <a:p>
+            <a:endParaRPr lang="en-US" dirty="0"/>
+          </a:p>
+          <a:p>
+            <a:endParaRPr lang="en-US" dirty="0"/>
           </a:p>
           <a:p>
             <a:pPr marL="0" indent="0">
@@ -8505,7 +9147,7 @@
           <p:cNvPr id="2" name="Title 1">
             <a:extLst>
               <a:ext uri="{FF2B5EF4-FFF2-40B4-BE49-F238E27FC236}">
-                <a16:creationId xmlns:a16="http://schemas.microsoft.com/office/drawing/2014/main" id="{97248CF5-1831-462A-B3D7-EBA6E960664B}"/>
+                <a16:creationId xmlns:a16="http://schemas.microsoft.com/office/drawing/2014/main" id="{9531459F-1C71-4998-B8C2-22EDABF9B1E8}"/>
               </a:ext>
             </a:extLst>
           </p:cNvPr>
@@ -8523,46 +9165,89 @@
           <a:p>
             <a:r>
               <a:rPr lang="en-US" dirty="0"/>
-              <a:t>Discussion</a:t>
-            </a:r>
-          </a:p>
-        </p:txBody>
-      </p:sp>
-      <p:sp>
-        <p:nvSpPr>
-          <p:cNvPr id="3" name="Content Placeholder 2">
+              <a:t>California – Summer Data </a:t>
+            </a:r>
+          </a:p>
+        </p:txBody>
+      </p:sp>
+      <p:pic>
+        <p:nvPicPr>
+          <p:cNvPr id="4" name="Content Placeholder 3">
             <a:extLst>
               <a:ext uri="{FF2B5EF4-FFF2-40B4-BE49-F238E27FC236}">
-                <a16:creationId xmlns:a16="http://schemas.microsoft.com/office/drawing/2014/main" id="{EED7B50D-6AA5-441C-9DD3-A2F37BCDA790}"/>
+                <a16:creationId xmlns:a16="http://schemas.microsoft.com/office/drawing/2014/main" id="{4D4F2E59-B293-4411-B4A5-1FA947D6673A}"/>
               </a:ext>
             </a:extLst>
           </p:cNvPr>
-          <p:cNvSpPr>
-            <a:spLocks noGrp="1"/>
-          </p:cNvSpPr>
+          <p:cNvPicPr>
+            <a:picLocks noGrp="1" noChangeAspect="1"/>
+          </p:cNvPicPr>
           <p:nvPr>
             <p:ph idx="1"/>
           </p:nvPr>
-        </p:nvSpPr>
-        <p:spPr/>
-        <p:txBody>
-          <a:bodyPr/>
-          <a:lstStyle/>
-          <a:p>
-            <a:r>
-              <a:rPr lang="en-US" dirty="0"/>
-              <a:t> * Discuss your findings. Did you find what you expected to find? If not, why not? What inferences or general conclusions can you draw from your analysis?</a:t>
-            </a:r>
-          </a:p>
-          <a:p>
-            <a:endParaRPr lang="en-US" dirty="0"/>
-          </a:p>
-        </p:txBody>
-      </p:sp>
+        </p:nvPicPr>
+        <p:blipFill>
+          <a:blip r:embed="rId2">
+            <a:extLst>
+              <a:ext uri="{28A0092B-C50C-407E-A947-70E740481C1C}">
+                <a14:useLocalDpi xmlns:a14="http://schemas.microsoft.com/office/drawing/2010/main" val="0"/>
+              </a:ext>
+            </a:extLst>
+          </a:blip>
+          <a:stretch>
+            <a:fillRect/>
+          </a:stretch>
+        </p:blipFill>
+        <p:spPr>
+          <a:xfrm>
+            <a:off x="195167" y="2363638"/>
+            <a:ext cx="5398294" cy="3910641"/>
+          </a:xfrm>
+          <a:prstGeom prst="rect">
+            <a:avLst/>
+          </a:prstGeom>
+        </p:spPr>
+      </p:pic>
+      <p:pic>
+        <p:nvPicPr>
+          <p:cNvPr id="11" name="Picture 10">
+            <a:extLst>
+              <a:ext uri="{FF2B5EF4-FFF2-40B4-BE49-F238E27FC236}">
+                <a16:creationId xmlns:a16="http://schemas.microsoft.com/office/drawing/2014/main" id="{D1F36B5C-BC3B-4961-A99C-7C882D5B9881}"/>
+              </a:ext>
+            </a:extLst>
+          </p:cNvPr>
+          <p:cNvPicPr>
+            <a:picLocks noChangeAspect="1"/>
+          </p:cNvPicPr>
+          <p:nvPr/>
+        </p:nvPicPr>
+        <p:blipFill>
+          <a:blip r:embed="rId3">
+            <a:extLst>
+              <a:ext uri="{28A0092B-C50C-407E-A947-70E740481C1C}">
+                <a14:useLocalDpi xmlns:a14="http://schemas.microsoft.com/office/drawing/2010/main" val="0"/>
+              </a:ext>
+            </a:extLst>
+          </a:blip>
+          <a:stretch>
+            <a:fillRect/>
+          </a:stretch>
+        </p:blipFill>
+        <p:spPr>
+          <a:xfrm>
+            <a:off x="6096000" y="2363638"/>
+            <a:ext cx="5837208" cy="3870296"/>
+          </a:xfrm>
+          <a:prstGeom prst="rect">
+            <a:avLst/>
+          </a:prstGeom>
+        </p:spPr>
+      </p:pic>
     </p:spTree>
     <p:extLst>
       <p:ext uri="{BB962C8B-B14F-4D97-AF65-F5344CB8AC3E}">
-        <p14:creationId xmlns:p14="http://schemas.microsoft.com/office/powerpoint/2010/main" val="2073487855"/>
+        <p14:creationId xmlns:p14="http://schemas.microsoft.com/office/powerpoint/2010/main" val="435373875"/>
       </p:ext>
     </p:extLst>
   </p:cSld>
@@ -8594,7 +9279,7 @@
           <p:cNvPr id="2" name="Title 1">
             <a:extLst>
               <a:ext uri="{FF2B5EF4-FFF2-40B4-BE49-F238E27FC236}">
-                <a16:creationId xmlns:a16="http://schemas.microsoft.com/office/drawing/2014/main" id="{C83672AA-12CB-4A35-B30E-294360B02FDA}"/>
+                <a16:creationId xmlns:a16="http://schemas.microsoft.com/office/drawing/2014/main" id="{D57B4B0D-40EC-414A-A545-7533F6D7BEAE}"/>
               </a:ext>
             </a:extLst>
           </p:cNvPr>
@@ -8612,83 +9297,86 @@
           <a:p>
             <a:r>
               <a:rPr lang="en-US" dirty="0"/>
-              <a:t>Post Mortem	</a:t>
-            </a:r>
-          </a:p>
-        </p:txBody>
-      </p:sp>
-      <p:sp>
-        <p:nvSpPr>
-          <p:cNvPr id="3" name="Content Placeholder 2">
+              <a:t>Illinois – Summer Data</a:t>
+            </a:r>
+          </a:p>
+        </p:txBody>
+      </p:sp>
+      <p:pic>
+        <p:nvPicPr>
+          <p:cNvPr id="5" name="Content Placeholder 4">
             <a:extLst>
               <a:ext uri="{FF2B5EF4-FFF2-40B4-BE49-F238E27FC236}">
-                <a16:creationId xmlns:a16="http://schemas.microsoft.com/office/drawing/2014/main" id="{B588E67A-F69E-4E01-B2A5-CEB672C91740}"/>
+                <a16:creationId xmlns:a16="http://schemas.microsoft.com/office/drawing/2014/main" id="{3D318D68-34CF-463B-84CC-DEB0D37A1028}"/>
               </a:ext>
             </a:extLst>
           </p:cNvPr>
-          <p:cNvSpPr>
-            <a:spLocks noGrp="1"/>
-          </p:cNvSpPr>
+          <p:cNvPicPr>
+            <a:picLocks noGrp="1" noChangeAspect="1"/>
+          </p:cNvPicPr>
           <p:nvPr>
             <p:ph idx="1"/>
           </p:nvPr>
-        </p:nvSpPr>
-        <p:spPr/>
-        <p:txBody>
-          <a:bodyPr/>
-          <a:lstStyle/>
-          <a:p>
-            <a:r>
-              <a:rPr lang="en-US" dirty="0"/>
-              <a:t>  * Discuss any difficulties that arose, and how you dealt with them</a:t>
-            </a:r>
-          </a:p>
-          <a:p>
-            <a:r>
-              <a:rPr lang="en-US" dirty="0"/>
-              <a:t>  * Discuss any additional questions that came up, but which you didn't have time to answer: What would you research next, if you had two more weeks?</a:t>
-            </a:r>
-          </a:p>
-          <a:p>
-            <a:r>
-              <a:rPr lang="en-US" dirty="0"/>
-              <a:t>If we had two more weeks, probably include more datasets. Maybe incorporate an </a:t>
-            </a:r>
-            <a:r>
-              <a:rPr lang="en-US" dirty="0" err="1"/>
-              <a:t>api</a:t>
-            </a:r>
-            <a:r>
-              <a:rPr lang="en-US" dirty="0"/>
-              <a:t> like a weather </a:t>
-            </a:r>
-            <a:r>
-              <a:rPr lang="en-US" dirty="0" err="1"/>
-              <a:t>api</a:t>
-            </a:r>
-            <a:r>
-              <a:rPr lang="en-US" dirty="0"/>
-              <a:t>.  </a:t>
-            </a:r>
-          </a:p>
-          <a:p>
-            <a:pPr marL="0" indent="0">
-              <a:buNone/>
-            </a:pPr>
-            <a:br>
-              <a:rPr lang="en-US" dirty="0"/>
-            </a:br>
-            <a:endParaRPr lang="en-US" dirty="0"/>
-          </a:p>
-          <a:p>
-            <a:endParaRPr lang="en-US" dirty="0"/>
-          </a:p>
-        </p:txBody>
-      </p:sp>
+        </p:nvPicPr>
+        <p:blipFill>
+          <a:blip r:embed="rId2">
+            <a:extLst>
+              <a:ext uri="{28A0092B-C50C-407E-A947-70E740481C1C}">
+                <a14:useLocalDpi xmlns:a14="http://schemas.microsoft.com/office/drawing/2010/main" val="0"/>
+              </a:ext>
+            </a:extLst>
+          </a:blip>
+          <a:stretch>
+            <a:fillRect/>
+          </a:stretch>
+        </p:blipFill>
+        <p:spPr>
+          <a:xfrm>
+            <a:off x="212418" y="2391435"/>
+            <a:ext cx="5398294" cy="3598863"/>
+          </a:xfrm>
+        </p:spPr>
+      </p:pic>
+      <p:pic>
+        <p:nvPicPr>
+          <p:cNvPr id="12" name="Picture 11">
+            <a:extLst>
+              <a:ext uri="{FF2B5EF4-FFF2-40B4-BE49-F238E27FC236}">
+                <a16:creationId xmlns:a16="http://schemas.microsoft.com/office/drawing/2014/main" id="{1E54508D-DDE2-4541-82E1-78C0A7BFA291}"/>
+              </a:ext>
+            </a:extLst>
+          </p:cNvPr>
+          <p:cNvPicPr>
+            <a:picLocks noChangeAspect="1"/>
+          </p:cNvPicPr>
+          <p:nvPr/>
+        </p:nvPicPr>
+        <p:blipFill>
+          <a:blip r:embed="rId3">
+            <a:extLst>
+              <a:ext uri="{28A0092B-C50C-407E-A947-70E740481C1C}">
+                <a14:useLocalDpi xmlns:a14="http://schemas.microsoft.com/office/drawing/2010/main" val="0"/>
+              </a:ext>
+            </a:extLst>
+          </a:blip>
+          <a:stretch>
+            <a:fillRect/>
+          </a:stretch>
+        </p:blipFill>
+        <p:spPr>
+          <a:xfrm>
+            <a:off x="6044241" y="2391434"/>
+            <a:ext cx="5763765" cy="3598863"/>
+          </a:xfrm>
+          <a:prstGeom prst="rect">
+            <a:avLst/>
+          </a:prstGeom>
+        </p:spPr>
+      </p:pic>
     </p:spTree>
     <p:extLst>
       <p:ext uri="{BB962C8B-B14F-4D97-AF65-F5344CB8AC3E}">
-        <p14:creationId xmlns:p14="http://schemas.microsoft.com/office/powerpoint/2010/main" val="3388197764"/>
+        <p14:creationId xmlns:p14="http://schemas.microsoft.com/office/powerpoint/2010/main" val="2295470562"/>
       </p:ext>
     </p:extLst>
   </p:cSld>
@@ -8720,7 +9408,7 @@
           <p:cNvPr id="2" name="Title 1">
             <a:extLst>
               <a:ext uri="{FF2B5EF4-FFF2-40B4-BE49-F238E27FC236}">
-                <a16:creationId xmlns:a16="http://schemas.microsoft.com/office/drawing/2014/main" id="{A9135A3E-7DD3-4B69-B61F-82AAA5DD4DDE}"/>
+                <a16:creationId xmlns:a16="http://schemas.microsoft.com/office/drawing/2014/main" id="{3D60B782-3C82-4372-9920-AC67AB1D64FA}"/>
               </a:ext>
             </a:extLst>
           </p:cNvPr>
@@ -8733,14 +9421,12 @@
         </p:nvSpPr>
         <p:spPr/>
         <p:txBody>
-          <a:bodyPr>
-            <a:normAutofit/>
-          </a:bodyPr>
+          <a:bodyPr/>
           <a:lstStyle/>
           <a:p>
             <a:r>
-              <a:rPr lang="en-US" sz="7000" dirty="0"/>
-              <a:t>Questions?</a:t>
+              <a:rPr lang="en-US" dirty="0"/>
+              <a:t>New York – Summer Data</a:t>
             </a:r>
           </a:p>
         </p:txBody>
@@ -8750,7 +9436,7 @@
           <p:cNvPr id="5" name="Content Placeholder 4">
             <a:extLst>
               <a:ext uri="{FF2B5EF4-FFF2-40B4-BE49-F238E27FC236}">
-                <a16:creationId xmlns:a16="http://schemas.microsoft.com/office/drawing/2014/main" id="{4888FE66-0AC7-4880-818B-38BBFE28A208}"/>
+                <a16:creationId xmlns:a16="http://schemas.microsoft.com/office/drawing/2014/main" id="{A3770F47-B8EC-43A0-A845-9E61063058F6}"/>
               </a:ext>
             </a:extLst>
           </p:cNvPr>
@@ -8775,15 +9461,51 @@
         </p:blipFill>
         <p:spPr>
           <a:xfrm>
-            <a:off x="3002693" y="2505909"/>
+            <a:off x="298684" y="2505909"/>
             <a:ext cx="5398294" cy="3598863"/>
           </a:xfrm>
+        </p:spPr>
+      </p:pic>
+      <p:pic>
+        <p:nvPicPr>
+          <p:cNvPr id="6" name="Picture 5">
+            <a:extLst>
+              <a:ext uri="{FF2B5EF4-FFF2-40B4-BE49-F238E27FC236}">
+                <a16:creationId xmlns:a16="http://schemas.microsoft.com/office/drawing/2014/main" id="{96EF699F-AE3B-4167-B941-F9879E975497}"/>
+              </a:ext>
+            </a:extLst>
+          </p:cNvPr>
+          <p:cNvPicPr>
+            <a:picLocks noChangeAspect="1"/>
+          </p:cNvPicPr>
+          <p:nvPr/>
+        </p:nvPicPr>
+        <p:blipFill>
+          <a:blip r:embed="rId3">
+            <a:extLst>
+              <a:ext uri="{28A0092B-C50C-407E-A947-70E740481C1C}">
+                <a14:useLocalDpi xmlns:a14="http://schemas.microsoft.com/office/drawing/2010/main" val="0"/>
+              </a:ext>
+            </a:extLst>
+          </a:blip>
+          <a:stretch>
+            <a:fillRect/>
+          </a:stretch>
+        </p:blipFill>
+        <p:spPr>
+          <a:xfrm>
+            <a:off x="6211018" y="2505909"/>
+            <a:ext cx="5883215" cy="3639120"/>
+          </a:xfrm>
+          <a:prstGeom prst="rect">
+            <a:avLst/>
+          </a:prstGeom>
         </p:spPr>
       </p:pic>
     </p:spTree>
     <p:extLst>
       <p:ext uri="{BB962C8B-B14F-4D97-AF65-F5344CB8AC3E}">
-        <p14:creationId xmlns:p14="http://schemas.microsoft.com/office/powerpoint/2010/main" val="4011974717"/>
+        <p14:creationId xmlns:p14="http://schemas.microsoft.com/office/powerpoint/2010/main" val="3405111864"/>
       </p:ext>
     </p:extLst>
   </p:cSld>

--- a/CO2emissionsVsTempPP.pptx
+++ b/CO2emissionsVsTempPP.pptx
@@ -10,15 +10,14 @@
     <p:sldId id="258" r:id="rId4"/>
     <p:sldId id="259" r:id="rId5"/>
     <p:sldId id="260" r:id="rId6"/>
-    <p:sldId id="261" r:id="rId7"/>
-    <p:sldId id="265" r:id="rId8"/>
-    <p:sldId id="266" r:id="rId9"/>
-    <p:sldId id="267" r:id="rId10"/>
-    <p:sldId id="268" r:id="rId11"/>
-    <p:sldId id="269" r:id="rId12"/>
-    <p:sldId id="262" r:id="rId13"/>
-    <p:sldId id="263" r:id="rId14"/>
-    <p:sldId id="264" r:id="rId15"/>
+    <p:sldId id="265" r:id="rId7"/>
+    <p:sldId id="266" r:id="rId8"/>
+    <p:sldId id="267" r:id="rId9"/>
+    <p:sldId id="268" r:id="rId10"/>
+    <p:sldId id="269" r:id="rId11"/>
+    <p:sldId id="270" r:id="rId12"/>
+    <p:sldId id="263" r:id="rId13"/>
+    <p:sldId id="264" r:id="rId14"/>
   </p:sldIdLst>
   <p:sldSz cx="12192000" cy="6858000"/>
   <p:notesSz cx="6858000" cy="9144000"/>
@@ -7863,7 +7862,7 @@
           <p:cNvPr id="2" name="Title 1">
             <a:extLst>
               <a:ext uri="{FF2B5EF4-FFF2-40B4-BE49-F238E27FC236}">
-                <a16:creationId xmlns:a16="http://schemas.microsoft.com/office/drawing/2014/main" id="{3BD721D7-1024-40DB-BA42-C658BAC2B002}"/>
+                <a16:creationId xmlns:a16="http://schemas.microsoft.com/office/drawing/2014/main" id="{9CE7BC33-3637-4EED-B178-55936859EEA8}"/>
               </a:ext>
             </a:extLst>
           </p:cNvPr>
@@ -7881,17 +7880,17 @@
           <a:p>
             <a:r>
               <a:rPr lang="en-US" dirty="0"/>
-              <a:t>U.S. Overall</a:t>
+              <a:t>Data Analysis: U.S. Overall Continued…</a:t>
             </a:r>
           </a:p>
         </p:txBody>
       </p:sp>
       <p:pic>
         <p:nvPicPr>
-          <p:cNvPr id="5" name="Content Placeholder 4">
+          <p:cNvPr id="4" name="Content Placeholder 3">
             <a:extLst>
               <a:ext uri="{FF2B5EF4-FFF2-40B4-BE49-F238E27FC236}">
-                <a16:creationId xmlns:a16="http://schemas.microsoft.com/office/drawing/2014/main" id="{C49FD627-9BFA-41F6-B200-F5FE44C16109}"/>
+                <a16:creationId xmlns:a16="http://schemas.microsoft.com/office/drawing/2014/main" id="{3506AA83-CFD2-4032-B65E-577DE324A8EF}"/>
               </a:ext>
             </a:extLst>
           </p:cNvPr>
@@ -7916,41 +7915,8 @@
         </p:blipFill>
         <p:spPr>
           <a:xfrm>
-            <a:off x="281430" y="2394309"/>
-            <a:ext cx="5398294" cy="3598863"/>
-          </a:xfrm>
-        </p:spPr>
-      </p:pic>
-      <p:pic>
-        <p:nvPicPr>
-          <p:cNvPr id="7" name="Picture 6">
-            <a:extLst>
-              <a:ext uri="{FF2B5EF4-FFF2-40B4-BE49-F238E27FC236}">
-                <a16:creationId xmlns:a16="http://schemas.microsoft.com/office/drawing/2014/main" id="{ADA8976B-D092-41D9-BEC0-CA319DD6F65C}"/>
-              </a:ext>
-            </a:extLst>
-          </p:cNvPr>
-          <p:cNvPicPr>
-            <a:picLocks noChangeAspect="1"/>
-          </p:cNvPicPr>
-          <p:nvPr/>
-        </p:nvPicPr>
-        <p:blipFill>
-          <a:blip r:embed="rId3">
-            <a:extLst>
-              <a:ext uri="{28A0092B-C50C-407E-A947-70E740481C1C}">
-                <a14:useLocalDpi xmlns:a14="http://schemas.microsoft.com/office/drawing/2010/main" val="0"/>
-              </a:ext>
-            </a:extLst>
-          </a:blip>
-          <a:stretch>
-            <a:fillRect/>
-          </a:stretch>
-        </p:blipFill>
-        <p:spPr>
-          <a:xfrm>
-            <a:off x="6234023" y="2394308"/>
-            <a:ext cx="5250611" cy="3598863"/>
+            <a:off x="2733073" y="2336800"/>
+            <a:ext cx="5509829" cy="3598863"/>
           </a:xfrm>
           <a:prstGeom prst="rect">
             <a:avLst/>
@@ -7960,7 +7926,7 @@
     </p:spTree>
     <p:extLst>
       <p:ext uri="{BB962C8B-B14F-4D97-AF65-F5344CB8AC3E}">
-        <p14:creationId xmlns:p14="http://schemas.microsoft.com/office/powerpoint/2010/main" val="3968540225"/>
+        <p14:creationId xmlns:p14="http://schemas.microsoft.com/office/powerpoint/2010/main" val="748454066"/>
       </p:ext>
     </p:extLst>
   </p:cSld>
@@ -7992,7 +7958,7 @@
           <p:cNvPr id="2" name="Title 1">
             <a:extLst>
               <a:ext uri="{FF2B5EF4-FFF2-40B4-BE49-F238E27FC236}">
-                <a16:creationId xmlns:a16="http://schemas.microsoft.com/office/drawing/2014/main" id="{9CE7BC33-3637-4EED-B178-55936859EEA8}"/>
+                <a16:creationId xmlns:a16="http://schemas.microsoft.com/office/drawing/2014/main" id="{0C1698C3-E30F-45E8-9C40-B97AC2653027}"/>
               </a:ext>
             </a:extLst>
           </p:cNvPr>
@@ -8010,53 +7976,112 @@
           <a:p>
             <a:r>
               <a:rPr lang="en-US" dirty="0"/>
-              <a:t>U.S. Overall Continued…</a:t>
-            </a:r>
-          </a:p>
-        </p:txBody>
-      </p:sp>
-      <p:pic>
-        <p:nvPicPr>
-          <p:cNvPr id="4" name="Content Placeholder 3">
+              <a:t>Discussion</a:t>
+            </a:r>
+          </a:p>
+        </p:txBody>
+      </p:sp>
+      <p:sp>
+        <p:nvSpPr>
+          <p:cNvPr id="3" name="Content Placeholder 2">
             <a:extLst>
               <a:ext uri="{FF2B5EF4-FFF2-40B4-BE49-F238E27FC236}">
-                <a16:creationId xmlns:a16="http://schemas.microsoft.com/office/drawing/2014/main" id="{3506AA83-CFD2-4032-B65E-577DE324A8EF}"/>
+                <a16:creationId xmlns:a16="http://schemas.microsoft.com/office/drawing/2014/main" id="{787ED5F0-EC4D-4055-A0C5-11E1DB80EA07}"/>
               </a:ext>
             </a:extLst>
           </p:cNvPr>
-          <p:cNvPicPr>
-            <a:picLocks noGrp="1" noChangeAspect="1"/>
-          </p:cNvPicPr>
+          <p:cNvSpPr>
+            <a:spLocks noGrp="1"/>
+          </p:cNvSpPr>
           <p:nvPr>
             <p:ph idx="1"/>
           </p:nvPr>
-        </p:nvPicPr>
-        <p:blipFill>
-          <a:blip r:embed="rId2">
-            <a:extLst>
-              <a:ext uri="{28A0092B-C50C-407E-A947-70E740481C1C}">
-                <a14:useLocalDpi xmlns:a14="http://schemas.microsoft.com/office/drawing/2010/main" val="0"/>
-              </a:ext>
-            </a:extLst>
-          </a:blip>
-          <a:stretch>
-            <a:fillRect/>
-          </a:stretch>
-        </p:blipFill>
-        <p:spPr>
-          <a:xfrm>
-            <a:off x="2733073" y="2336800"/>
-            <a:ext cx="5509829" cy="3598863"/>
-          </a:xfrm>
-          <a:prstGeom prst="rect">
-            <a:avLst/>
-          </a:prstGeom>
-        </p:spPr>
-      </p:pic>
+        </p:nvSpPr>
+        <p:spPr/>
+        <p:txBody>
+          <a:bodyPr>
+            <a:normAutofit fontScale="92500" lnSpcReduction="20000"/>
+          </a:bodyPr>
+          <a:lstStyle/>
+          <a:p>
+            <a:r>
+              <a:rPr lang="en-US" dirty="0"/>
+              <a:t>Does CO</a:t>
+            </a:r>
+            <a:r>
+              <a:rPr lang="en-US" baseline="-25000" dirty="0"/>
+              <a:t>2</a:t>
+            </a:r>
+            <a:r>
+              <a:rPr lang="en-US" baseline="30000" dirty="0"/>
+              <a:t> </a:t>
+            </a:r>
+            <a:r>
+              <a:rPr lang="en-US" dirty="0"/>
+              <a:t>emissions have an immediate effect on temperature?</a:t>
+            </a:r>
+          </a:p>
+          <a:p>
+            <a:pPr lvl="1"/>
+            <a:r>
+              <a:rPr lang="en-US" dirty="0"/>
+              <a:t>The data doesn’t show a significant increase in temperature in a small time frame. Changes could be due to other external factors. More data is required.</a:t>
+            </a:r>
+          </a:p>
+          <a:p>
+            <a:r>
+              <a:rPr lang="en-US" dirty="0"/>
+              <a:t>Certain states have higher emissions than others. Is there a larger increase in temperature in certain areas?</a:t>
+            </a:r>
+          </a:p>
+          <a:p>
+            <a:pPr lvl="1"/>
+            <a:r>
+              <a:rPr lang="en-US" dirty="0"/>
+              <a:t>Data is inconclusive because other factors may have came into play. Change was too small to attribute it to be mainly Co</a:t>
+            </a:r>
+            <a:r>
+              <a:rPr lang="en-US" baseline="-25000" dirty="0"/>
+              <a:t>2</a:t>
+            </a:r>
+            <a:r>
+              <a:rPr lang="en-US" dirty="0"/>
+              <a:t> emissions.</a:t>
+            </a:r>
+          </a:p>
+          <a:p>
+            <a:pPr lvl="1"/>
+            <a:r>
+              <a:rPr lang="en-US" dirty="0"/>
+              <a:t>(e.g. geographic location, weather patterns, population size) </a:t>
+            </a:r>
+          </a:p>
+          <a:p>
+            <a:pPr lvl="1"/>
+            <a:endParaRPr lang="en-US" baseline="30000" dirty="0"/>
+          </a:p>
+          <a:p>
+            <a:r>
+              <a:rPr lang="en-US" dirty="0"/>
+              <a:t>Can we see an effect during a specific timeframe? (e.g. summer months like June, July, August)</a:t>
+            </a:r>
+          </a:p>
+          <a:p>
+            <a:pPr lvl="1"/>
+            <a:r>
+              <a:rPr lang="en-US" dirty="0"/>
+              <a:t>Although it does look like there’s a correlation, the data was not able to accurately depict any significant changes. We are unable to give a conclusive answer due to lack of data.</a:t>
+            </a:r>
+          </a:p>
+          <a:p>
+            <a:endParaRPr lang="en-US" dirty="0"/>
+          </a:p>
+        </p:txBody>
+      </p:sp>
     </p:spTree>
     <p:extLst>
       <p:ext uri="{BB962C8B-B14F-4D97-AF65-F5344CB8AC3E}">
-        <p14:creationId xmlns:p14="http://schemas.microsoft.com/office/powerpoint/2010/main" val="748454066"/>
+        <p14:creationId xmlns:p14="http://schemas.microsoft.com/office/powerpoint/2010/main" val="2557698723"/>
       </p:ext>
     </p:extLst>
   </p:cSld>
@@ -8088,98 +8113,6 @@
           <p:cNvPr id="2" name="Title 1">
             <a:extLst>
               <a:ext uri="{FF2B5EF4-FFF2-40B4-BE49-F238E27FC236}">
-                <a16:creationId xmlns:a16="http://schemas.microsoft.com/office/drawing/2014/main" id="{97248CF5-1831-462A-B3D7-EBA6E960664B}"/>
-              </a:ext>
-            </a:extLst>
-          </p:cNvPr>
-          <p:cNvSpPr>
-            <a:spLocks noGrp="1"/>
-          </p:cNvSpPr>
-          <p:nvPr>
-            <p:ph type="title"/>
-          </p:nvPr>
-        </p:nvSpPr>
-        <p:spPr/>
-        <p:txBody>
-          <a:bodyPr/>
-          <a:lstStyle/>
-          <a:p>
-            <a:r>
-              <a:rPr lang="en-US" dirty="0"/>
-              <a:t>Discussion</a:t>
-            </a:r>
-          </a:p>
-        </p:txBody>
-      </p:sp>
-      <p:sp>
-        <p:nvSpPr>
-          <p:cNvPr id="3" name="Content Placeholder 2">
-            <a:extLst>
-              <a:ext uri="{FF2B5EF4-FFF2-40B4-BE49-F238E27FC236}">
-                <a16:creationId xmlns:a16="http://schemas.microsoft.com/office/drawing/2014/main" id="{EED7B50D-6AA5-441C-9DD3-A2F37BCDA790}"/>
-              </a:ext>
-            </a:extLst>
-          </p:cNvPr>
-          <p:cNvSpPr>
-            <a:spLocks noGrp="1"/>
-          </p:cNvSpPr>
-          <p:nvPr>
-            <p:ph idx="1"/>
-          </p:nvPr>
-        </p:nvSpPr>
-        <p:spPr/>
-        <p:txBody>
-          <a:bodyPr/>
-          <a:lstStyle/>
-          <a:p>
-            <a:r>
-              <a:rPr lang="en-US" dirty="0"/>
-              <a:t>* Discuss your findings. Did you find what you expected to find? If not, why not? What inferences or general conclusions can you draw from your analysis?</a:t>
-            </a:r>
-          </a:p>
-          <a:p>
-            <a:endParaRPr lang="en-US" dirty="0"/>
-          </a:p>
-          <a:p>
-            <a:endParaRPr lang="en-US" dirty="0"/>
-          </a:p>
-        </p:txBody>
-      </p:sp>
-    </p:spTree>
-    <p:extLst>
-      <p:ext uri="{BB962C8B-B14F-4D97-AF65-F5344CB8AC3E}">
-        <p14:creationId xmlns:p14="http://schemas.microsoft.com/office/powerpoint/2010/main" val="2073487855"/>
-      </p:ext>
-    </p:extLst>
-  </p:cSld>
-  <p:clrMapOvr>
-    <a:masterClrMapping/>
-  </p:clrMapOvr>
-</p:sld>
-</file>
-
-<file path=ppt/slides/slide13.xml><?xml version="1.0" encoding="utf-8"?>
-<p:sld xmlns:a="http://schemas.openxmlformats.org/drawingml/2006/main" xmlns:r="http://schemas.openxmlformats.org/officeDocument/2006/relationships" xmlns:p="http://schemas.openxmlformats.org/presentationml/2006/main">
-  <p:cSld>
-    <p:spTree>
-      <p:nvGrpSpPr>
-        <p:cNvPr id="1" name=""/>
-        <p:cNvGrpSpPr/>
-        <p:nvPr/>
-      </p:nvGrpSpPr>
-      <p:grpSpPr>
-        <a:xfrm>
-          <a:off x="0" y="0"/>
-          <a:ext cx="0" cy="0"/>
-          <a:chOff x="0" y="0"/>
-          <a:chExt cx="0" cy="0"/>
-        </a:xfrm>
-      </p:grpSpPr>
-      <p:sp>
-        <p:nvSpPr>
-          <p:cNvPr id="2" name="Title 1">
-            <a:extLst>
-              <a:ext uri="{FF2B5EF4-FFF2-40B4-BE49-F238E27FC236}">
                 <a16:creationId xmlns:a16="http://schemas.microsoft.com/office/drawing/2014/main" id="{C83672AA-12CB-4A35-B30E-294360B02FDA}"/>
               </a:ext>
             </a:extLst>
@@ -8286,6 +8219,14 @@
             <a:r>
               <a:rPr lang="en-US" dirty="0"/>
               <a:t> like a weather </a:t>
+            </a:r>
+            <a:r>
+              <a:rPr lang="en-US" dirty="0" err="1"/>
+              <a:t>api</a:t>
+            </a:r>
+            <a:r>
+              <a:rPr lang="en-US" dirty="0"/>
+              <a:t> or the google map </a:t>
             </a:r>
             <a:r>
               <a:rPr lang="en-US" dirty="0" err="1"/>
@@ -8359,7 +8300,7 @@
 </p:sld>
 </file>
 
-<file path=ppt/slides/slide14.xml><?xml version="1.0" encoding="utf-8"?>
+<file path=ppt/slides/slide13.xml><?xml version="1.0" encoding="utf-8"?>
 <p:sld xmlns:a="http://schemas.openxmlformats.org/drawingml/2006/main" xmlns:r="http://schemas.openxmlformats.org/officeDocument/2006/relationships" xmlns:p="http://schemas.openxmlformats.org/presentationml/2006/main">
   <p:cSld>
     <p:spTree>
@@ -8526,7 +8467,7 @@
         <p:spPr/>
         <p:txBody>
           <a:bodyPr>
-            <a:normAutofit fontScale="77500" lnSpcReduction="20000"/>
+            <a:normAutofit/>
           </a:bodyPr>
           <a:lstStyle/>
           <a:p>
@@ -8557,42 +8498,10 @@
             </a:r>
           </a:p>
           <a:p>
-            <a:pPr lvl="1"/>
-            <a:r>
-              <a:rPr lang="en-US" dirty="0"/>
-              <a:t>The data doesn’t show a significant increase in temperature in a small time frame. Changes could be due to other external factors. More data is required.</a:t>
-            </a:r>
-          </a:p>
-          <a:p>
             <a:r>
               <a:rPr lang="en-US" dirty="0"/>
               <a:t>Certain states have higher emissions than others. Is there a larger increase in temperature in certain areas?</a:t>
             </a:r>
-          </a:p>
-          <a:p>
-            <a:pPr lvl="1"/>
-            <a:r>
-              <a:rPr lang="en-US" dirty="0"/>
-              <a:t>Data is inconclusive because other factors may have came into play. Change was too small to attribute it to be mainly Co</a:t>
-            </a:r>
-            <a:r>
-              <a:rPr lang="en-US" baseline="-25000" dirty="0"/>
-              <a:t>2</a:t>
-            </a:r>
-            <a:r>
-              <a:rPr lang="en-US" dirty="0"/>
-              <a:t> emissions.</a:t>
-            </a:r>
-          </a:p>
-          <a:p>
-            <a:pPr lvl="1"/>
-            <a:r>
-              <a:rPr lang="en-US" dirty="0"/>
-              <a:t>(e.g. geographic location, weather patterns, population size) </a:t>
-            </a:r>
-          </a:p>
-          <a:p>
-            <a:pPr lvl="1"/>
             <a:endParaRPr lang="en-US" baseline="30000" dirty="0"/>
           </a:p>
           <a:p>
@@ -8602,13 +8511,9 @@
             </a:r>
           </a:p>
           <a:p>
-            <a:pPr lvl="1"/>
-            <a:r>
-              <a:rPr lang="en-US" dirty="0"/>
-              <a:t>Although it does look like there’s a correlation, the data was not able to accurately depict any significant changes. We are unable to give a conclusive answer due to lack of data.</a:t>
-            </a:r>
-          </a:p>
-          <a:p>
+            <a:pPr marL="0" indent="0">
+              <a:buNone/>
+            </a:pPr>
             <a:endParaRPr lang="en-US" dirty="0"/>
           </a:p>
           <a:p>
@@ -9044,109 +8949,6 @@
           <p:cNvPr id="2" name="Title 1">
             <a:extLst>
               <a:ext uri="{FF2B5EF4-FFF2-40B4-BE49-F238E27FC236}">
-                <a16:creationId xmlns:a16="http://schemas.microsoft.com/office/drawing/2014/main" id="{07C3B131-A933-4D0E-927F-F9E0705CE9E3}"/>
-              </a:ext>
-            </a:extLst>
-          </p:cNvPr>
-          <p:cNvSpPr>
-            <a:spLocks noGrp="1"/>
-          </p:cNvSpPr>
-          <p:nvPr>
-            <p:ph type="title"/>
-          </p:nvPr>
-        </p:nvSpPr>
-        <p:spPr/>
-        <p:txBody>
-          <a:bodyPr/>
-          <a:lstStyle/>
-          <a:p>
-            <a:r>
-              <a:rPr lang="en-US" dirty="0"/>
-              <a:t>Data Analysis</a:t>
-            </a:r>
-          </a:p>
-        </p:txBody>
-      </p:sp>
-      <p:sp>
-        <p:nvSpPr>
-          <p:cNvPr id="3" name="Content Placeholder 2">
-            <a:extLst>
-              <a:ext uri="{FF2B5EF4-FFF2-40B4-BE49-F238E27FC236}">
-                <a16:creationId xmlns:a16="http://schemas.microsoft.com/office/drawing/2014/main" id="{0E14555E-C5CA-4CB8-9F73-8AFF9BEC9D15}"/>
-              </a:ext>
-            </a:extLst>
-          </p:cNvPr>
-          <p:cNvSpPr>
-            <a:spLocks noGrp="1"/>
-          </p:cNvSpPr>
-          <p:nvPr>
-            <p:ph idx="1"/>
-          </p:nvPr>
-        </p:nvSpPr>
-        <p:spPr/>
-        <p:txBody>
-          <a:bodyPr/>
-          <a:lstStyle/>
-          <a:p>
-            <a:r>
-              <a:rPr lang="en-US" dirty="0"/>
-              <a:t>* Discuss the steps you took to analyze the data and answer each  question you asked in your proposal </a:t>
-            </a:r>
-          </a:p>
-          <a:p>
-            <a:r>
-              <a:rPr lang="en-US" dirty="0"/>
-              <a:t>  * Present and discuss interesting figures developed during           analysis, ideally with the help of </a:t>
-            </a:r>
-            <a:r>
-              <a:rPr lang="en-US" dirty="0" err="1"/>
-              <a:t>Jupyter</a:t>
-            </a:r>
-            <a:r>
-              <a:rPr lang="en-US" dirty="0"/>
-              <a:t> Notebook</a:t>
-            </a:r>
-          </a:p>
-          <a:p>
-            <a:endParaRPr lang="en-US" dirty="0"/>
-          </a:p>
-        </p:txBody>
-      </p:sp>
-    </p:spTree>
-    <p:extLst>
-      <p:ext uri="{BB962C8B-B14F-4D97-AF65-F5344CB8AC3E}">
-        <p14:creationId xmlns:p14="http://schemas.microsoft.com/office/powerpoint/2010/main" val="619723843"/>
-      </p:ext>
-    </p:extLst>
-  </p:cSld>
-  <p:clrMapOvr>
-    <a:masterClrMapping/>
-  </p:clrMapOvr>
-</p:sld>
-</file>
-
-<file path=ppt/slides/slide7.xml><?xml version="1.0" encoding="utf-8"?>
-<p:sld xmlns:a="http://schemas.openxmlformats.org/drawingml/2006/main" xmlns:r="http://schemas.openxmlformats.org/officeDocument/2006/relationships" xmlns:p="http://schemas.openxmlformats.org/presentationml/2006/main">
-  <p:cSld>
-    <p:spTree>
-      <p:nvGrpSpPr>
-        <p:cNvPr id="1" name=""/>
-        <p:cNvGrpSpPr/>
-        <p:nvPr/>
-      </p:nvGrpSpPr>
-      <p:grpSpPr>
-        <a:xfrm>
-          <a:off x="0" y="0"/>
-          <a:ext cx="0" cy="0"/>
-          <a:chOff x="0" y="0"/>
-          <a:chExt cx="0" cy="0"/>
-        </a:xfrm>
-      </p:grpSpPr>
-      <p:sp>
-        <p:nvSpPr>
-          <p:cNvPr id="2" name="Title 1">
-            <a:extLst>
-              <a:ext uri="{FF2B5EF4-FFF2-40B4-BE49-F238E27FC236}">
                 <a16:creationId xmlns:a16="http://schemas.microsoft.com/office/drawing/2014/main" id="{9531459F-1C71-4998-B8C2-22EDABF9B1E8}"/>
               </a:ext>
             </a:extLst>
@@ -9165,7 +8967,7 @@
           <a:p>
             <a:r>
               <a:rPr lang="en-US" dirty="0"/>
-              <a:t>California – Summer Data </a:t>
+              <a:t>Data Analysis: California – Summer Data </a:t>
             </a:r>
           </a:p>
         </p:txBody>
@@ -9257,7 +9059,7 @@
 </p:sld>
 </file>
 
-<file path=ppt/slides/slide8.xml><?xml version="1.0" encoding="utf-8"?>
+<file path=ppt/slides/slide7.xml><?xml version="1.0" encoding="utf-8"?>
 <p:sld xmlns:a="http://schemas.openxmlformats.org/drawingml/2006/main" xmlns:r="http://schemas.openxmlformats.org/officeDocument/2006/relationships" xmlns:p="http://schemas.openxmlformats.org/presentationml/2006/main">
   <p:cSld>
     <p:spTree>
@@ -9297,7 +9099,7 @@
           <a:p>
             <a:r>
               <a:rPr lang="en-US" dirty="0"/>
-              <a:t>Illinois – Summer Data</a:t>
+              <a:t>Data Analysis: Illinois – Summer Data</a:t>
             </a:r>
           </a:p>
         </p:txBody>
@@ -9386,7 +9188,7 @@
 </p:sld>
 </file>
 
-<file path=ppt/slides/slide9.xml><?xml version="1.0" encoding="utf-8"?>
+<file path=ppt/slides/slide8.xml><?xml version="1.0" encoding="utf-8"?>
 <p:sld xmlns:a="http://schemas.openxmlformats.org/drawingml/2006/main" xmlns:r="http://schemas.openxmlformats.org/officeDocument/2006/relationships" xmlns:p="http://schemas.openxmlformats.org/presentationml/2006/main">
   <p:cSld>
     <p:spTree>
@@ -9426,7 +9228,7 @@
           <a:p>
             <a:r>
               <a:rPr lang="en-US" dirty="0"/>
-              <a:t>New York – Summer Data</a:t>
+              <a:t>Data Analysis: New York – Summer Data</a:t>
             </a:r>
           </a:p>
         </p:txBody>
@@ -9506,6 +9308,135 @@
     <p:extLst>
       <p:ext uri="{BB962C8B-B14F-4D97-AF65-F5344CB8AC3E}">
         <p14:creationId xmlns:p14="http://schemas.microsoft.com/office/powerpoint/2010/main" val="3405111864"/>
+      </p:ext>
+    </p:extLst>
+  </p:cSld>
+  <p:clrMapOvr>
+    <a:masterClrMapping/>
+  </p:clrMapOvr>
+</p:sld>
+</file>
+
+<file path=ppt/slides/slide9.xml><?xml version="1.0" encoding="utf-8"?>
+<p:sld xmlns:a="http://schemas.openxmlformats.org/drawingml/2006/main" xmlns:r="http://schemas.openxmlformats.org/officeDocument/2006/relationships" xmlns:p="http://schemas.openxmlformats.org/presentationml/2006/main">
+  <p:cSld>
+    <p:spTree>
+      <p:nvGrpSpPr>
+        <p:cNvPr id="1" name=""/>
+        <p:cNvGrpSpPr/>
+        <p:nvPr/>
+      </p:nvGrpSpPr>
+      <p:grpSpPr>
+        <a:xfrm>
+          <a:off x="0" y="0"/>
+          <a:ext cx="0" cy="0"/>
+          <a:chOff x="0" y="0"/>
+          <a:chExt cx="0" cy="0"/>
+        </a:xfrm>
+      </p:grpSpPr>
+      <p:sp>
+        <p:nvSpPr>
+          <p:cNvPr id="2" name="Title 1">
+            <a:extLst>
+              <a:ext uri="{FF2B5EF4-FFF2-40B4-BE49-F238E27FC236}">
+                <a16:creationId xmlns:a16="http://schemas.microsoft.com/office/drawing/2014/main" id="{3BD721D7-1024-40DB-BA42-C658BAC2B002}"/>
+              </a:ext>
+            </a:extLst>
+          </p:cNvPr>
+          <p:cNvSpPr>
+            <a:spLocks noGrp="1"/>
+          </p:cNvSpPr>
+          <p:nvPr>
+            <p:ph type="title"/>
+          </p:nvPr>
+        </p:nvSpPr>
+        <p:spPr/>
+        <p:txBody>
+          <a:bodyPr/>
+          <a:lstStyle/>
+          <a:p>
+            <a:r>
+              <a:rPr lang="en-US" dirty="0"/>
+              <a:t>Data Analysis: U.S. Overall</a:t>
+            </a:r>
+          </a:p>
+        </p:txBody>
+      </p:sp>
+      <p:pic>
+        <p:nvPicPr>
+          <p:cNvPr id="5" name="Content Placeholder 4">
+            <a:extLst>
+              <a:ext uri="{FF2B5EF4-FFF2-40B4-BE49-F238E27FC236}">
+                <a16:creationId xmlns:a16="http://schemas.microsoft.com/office/drawing/2014/main" id="{C49FD627-9BFA-41F6-B200-F5FE44C16109}"/>
+              </a:ext>
+            </a:extLst>
+          </p:cNvPr>
+          <p:cNvPicPr>
+            <a:picLocks noGrp="1" noChangeAspect="1"/>
+          </p:cNvPicPr>
+          <p:nvPr>
+            <p:ph idx="1"/>
+          </p:nvPr>
+        </p:nvPicPr>
+        <p:blipFill>
+          <a:blip r:embed="rId2">
+            <a:extLst>
+              <a:ext uri="{28A0092B-C50C-407E-A947-70E740481C1C}">
+                <a14:useLocalDpi xmlns:a14="http://schemas.microsoft.com/office/drawing/2010/main" val="0"/>
+              </a:ext>
+            </a:extLst>
+          </a:blip>
+          <a:stretch>
+            <a:fillRect/>
+          </a:stretch>
+        </p:blipFill>
+        <p:spPr>
+          <a:xfrm>
+            <a:off x="281430" y="2394309"/>
+            <a:ext cx="5398294" cy="3598863"/>
+          </a:xfrm>
+        </p:spPr>
+      </p:pic>
+      <p:pic>
+        <p:nvPicPr>
+          <p:cNvPr id="7" name="Picture 6">
+            <a:extLst>
+              <a:ext uri="{FF2B5EF4-FFF2-40B4-BE49-F238E27FC236}">
+                <a16:creationId xmlns:a16="http://schemas.microsoft.com/office/drawing/2014/main" id="{ADA8976B-D092-41D9-BEC0-CA319DD6F65C}"/>
+              </a:ext>
+            </a:extLst>
+          </p:cNvPr>
+          <p:cNvPicPr>
+            <a:picLocks noChangeAspect="1"/>
+          </p:cNvPicPr>
+          <p:nvPr/>
+        </p:nvPicPr>
+        <p:blipFill>
+          <a:blip r:embed="rId3">
+            <a:extLst>
+              <a:ext uri="{28A0092B-C50C-407E-A947-70E740481C1C}">
+                <a14:useLocalDpi xmlns:a14="http://schemas.microsoft.com/office/drawing/2010/main" val="0"/>
+              </a:ext>
+            </a:extLst>
+          </a:blip>
+          <a:stretch>
+            <a:fillRect/>
+          </a:stretch>
+        </p:blipFill>
+        <p:spPr>
+          <a:xfrm>
+            <a:off x="6234023" y="2394308"/>
+            <a:ext cx="5250611" cy="3598863"/>
+          </a:xfrm>
+          <a:prstGeom prst="rect">
+            <a:avLst/>
+          </a:prstGeom>
+        </p:spPr>
+      </p:pic>
+    </p:spTree>
+    <p:extLst>
+      <p:ext uri="{BB962C8B-B14F-4D97-AF65-F5344CB8AC3E}">
+        <p14:creationId xmlns:p14="http://schemas.microsoft.com/office/powerpoint/2010/main" val="3968540225"/>
       </p:ext>
     </p:extLst>
   </p:cSld>

--- a/CO2emissionsVsTempPP.pptx
+++ b/CO2emissionsVsTempPP.pptx
@@ -14,11 +14,17 @@
     <p:sldId id="265" r:id="rId8"/>
     <p:sldId id="266" r:id="rId9"/>
     <p:sldId id="267" r:id="rId10"/>
-    <p:sldId id="268" r:id="rId11"/>
-    <p:sldId id="269" r:id="rId12"/>
-    <p:sldId id="262" r:id="rId13"/>
-    <p:sldId id="263" r:id="rId14"/>
-    <p:sldId id="264" r:id="rId15"/>
+    <p:sldId id="270" r:id="rId11"/>
+    <p:sldId id="273" r:id="rId12"/>
+    <p:sldId id="271" r:id="rId13"/>
+    <p:sldId id="275" r:id="rId14"/>
+    <p:sldId id="272" r:id="rId15"/>
+    <p:sldId id="276" r:id="rId16"/>
+    <p:sldId id="268" r:id="rId17"/>
+    <p:sldId id="269" r:id="rId18"/>
+    <p:sldId id="262" r:id="rId19"/>
+    <p:sldId id="263" r:id="rId20"/>
+    <p:sldId id="264" r:id="rId21"/>
   </p:sldIdLst>
   <p:sldSz cx="12192000" cy="6858000"/>
   <p:notesSz cx="6858000" cy="9144000"/>
@@ -399,7 +405,7 @@
           <a:p>
             <a:fld id="{9952718B-077F-4DEB-9E97-D229CF2BAA78}" type="datetimeFigureOut">
               <a:rPr lang="en-US" smtClean="0"/>
-              <a:t>4/5/2020</a:t>
+              <a:t>4/7/20</a:t>
             </a:fld>
             <a:endParaRPr lang="en-US"/>
           </a:p>
@@ -813,7 +819,7 @@
           <a:p>
             <a:fld id="{9952718B-077F-4DEB-9E97-D229CF2BAA78}" type="datetimeFigureOut">
               <a:rPr lang="en-US" smtClean="0"/>
-              <a:t>4/5/2020</a:t>
+              <a:t>4/7/20</a:t>
             </a:fld>
             <a:endParaRPr lang="en-US"/>
           </a:p>
@@ -1149,7 +1155,7 @@
           <a:p>
             <a:fld id="{9952718B-077F-4DEB-9E97-D229CF2BAA78}" type="datetimeFigureOut">
               <a:rPr lang="en-US" smtClean="0"/>
-              <a:t>4/5/2020</a:t>
+              <a:t>4/7/20</a:t>
             </a:fld>
             <a:endParaRPr lang="en-US"/>
           </a:p>
@@ -1554,7 +1560,7 @@
           <a:p>
             <a:fld id="{9952718B-077F-4DEB-9E97-D229CF2BAA78}" type="datetimeFigureOut">
               <a:rPr lang="en-US" smtClean="0"/>
-              <a:t>4/5/2020</a:t>
+              <a:t>4/7/20</a:t>
             </a:fld>
             <a:endParaRPr lang="en-US"/>
           </a:p>
@@ -2122,7 +2128,7 @@
           <a:p>
             <a:fld id="{9952718B-077F-4DEB-9E97-D229CF2BAA78}" type="datetimeFigureOut">
               <a:rPr lang="en-US" smtClean="0"/>
-              <a:t>4/5/2020</a:t>
+              <a:t>4/7/20</a:t>
             </a:fld>
             <a:endParaRPr lang="en-US"/>
           </a:p>
@@ -2803,7 +2809,7 @@
           <a:p>
             <a:fld id="{9952718B-077F-4DEB-9E97-D229CF2BAA78}" type="datetimeFigureOut">
               <a:rPr lang="en-US" smtClean="0"/>
-              <a:t>4/5/2020</a:t>
+              <a:t>4/7/20</a:t>
             </a:fld>
             <a:endParaRPr lang="en-US"/>
           </a:p>
@@ -3716,7 +3722,7 @@
           <a:p>
             <a:fld id="{9952718B-077F-4DEB-9E97-D229CF2BAA78}" type="datetimeFigureOut">
               <a:rPr lang="en-US" smtClean="0"/>
-              <a:t>4/5/2020</a:t>
+              <a:t>4/7/20</a:t>
             </a:fld>
             <a:endParaRPr lang="en-US"/>
           </a:p>
@@ -4029,7 +4035,7 @@
           <a:p>
             <a:fld id="{9952718B-077F-4DEB-9E97-D229CF2BAA78}" type="datetimeFigureOut">
               <a:rPr lang="en-US" smtClean="0"/>
-              <a:t>4/5/2020</a:t>
+              <a:t>4/7/20</a:t>
             </a:fld>
             <a:endParaRPr lang="en-US"/>
           </a:p>
@@ -4293,7 +4299,7 @@
           <a:p>
             <a:fld id="{9952718B-077F-4DEB-9E97-D229CF2BAA78}" type="datetimeFigureOut">
               <a:rPr lang="en-US" smtClean="0"/>
-              <a:t>4/5/2020</a:t>
+              <a:t>4/7/20</a:t>
             </a:fld>
             <a:endParaRPr lang="en-US"/>
           </a:p>
@@ -4616,7 +4622,7 @@
           <a:p>
             <a:fld id="{9952718B-077F-4DEB-9E97-D229CF2BAA78}" type="datetimeFigureOut">
               <a:rPr lang="en-US" smtClean="0"/>
-              <a:t>4/5/2020</a:t>
+              <a:t>4/7/20</a:t>
             </a:fld>
             <a:endParaRPr lang="en-US"/>
           </a:p>
@@ -5005,7 +5011,7 @@
           <a:p>
             <a:fld id="{9952718B-077F-4DEB-9E97-D229CF2BAA78}" type="datetimeFigureOut">
               <a:rPr lang="en-US" smtClean="0"/>
-              <a:t>4/5/2020</a:t>
+              <a:t>4/7/20</a:t>
             </a:fld>
             <a:endParaRPr lang="en-US"/>
           </a:p>
@@ -5381,7 +5387,7 @@
           <a:p>
             <a:fld id="{9952718B-077F-4DEB-9E97-D229CF2BAA78}" type="datetimeFigureOut">
               <a:rPr lang="en-US" smtClean="0"/>
-              <a:t>4/5/2020</a:t>
+              <a:t>4/7/20</a:t>
             </a:fld>
             <a:endParaRPr lang="en-US"/>
           </a:p>
@@ -5887,7 +5893,7 @@
           <a:p>
             <a:fld id="{9952718B-077F-4DEB-9E97-D229CF2BAA78}" type="datetimeFigureOut">
               <a:rPr lang="en-US" smtClean="0"/>
-              <a:t>4/5/2020</a:t>
+              <a:t>4/7/20</a:t>
             </a:fld>
             <a:endParaRPr lang="en-US"/>
           </a:p>
@@ -6144,7 +6150,7 @@
           <a:p>
             <a:fld id="{9952718B-077F-4DEB-9E97-D229CF2BAA78}" type="datetimeFigureOut">
               <a:rPr lang="en-US" smtClean="0"/>
-              <a:t>4/5/2020</a:t>
+              <a:t>4/7/20</a:t>
             </a:fld>
             <a:endParaRPr lang="en-US"/>
           </a:p>
@@ -6307,7 +6313,7 @@
           <a:p>
             <a:fld id="{9952718B-077F-4DEB-9E97-D229CF2BAA78}" type="datetimeFigureOut">
               <a:rPr lang="en-US" smtClean="0"/>
-              <a:t>4/5/2020</a:t>
+              <a:t>4/7/20</a:t>
             </a:fld>
             <a:endParaRPr lang="en-US"/>
           </a:p>
@@ -6697,7 +6703,7 @@
           <a:p>
             <a:fld id="{9952718B-077F-4DEB-9E97-D229CF2BAA78}" type="datetimeFigureOut">
               <a:rPr lang="en-US" smtClean="0"/>
-              <a:t>4/5/2020</a:t>
+              <a:t>4/7/20</a:t>
             </a:fld>
             <a:endParaRPr lang="en-US"/>
           </a:p>
@@ -7106,7 +7112,7 @@
           <a:p>
             <a:fld id="{9952718B-077F-4DEB-9E97-D229CF2BAA78}" type="datetimeFigureOut">
               <a:rPr lang="en-US" smtClean="0"/>
-              <a:t>4/5/2020</a:t>
+              <a:t>4/7/20</a:t>
             </a:fld>
             <a:endParaRPr lang="en-US"/>
           </a:p>
@@ -7350,7 +7356,7 @@
           <a:p>
             <a:fld id="{9952718B-077F-4DEB-9E97-D229CF2BAA78}" type="datetimeFigureOut">
               <a:rPr lang="en-US" smtClean="0"/>
-              <a:t>4/5/2020</a:t>
+              <a:t>4/7/20</a:t>
             </a:fld>
             <a:endParaRPr lang="en-US"/>
           </a:p>
@@ -7858,75 +7864,12 @@
           <a:chExt cx="0" cy="0"/>
         </a:xfrm>
       </p:grpSpPr>
-      <p:sp>
-        <p:nvSpPr>
-          <p:cNvPr id="2" name="Title 1">
-            <a:extLst>
-              <a:ext uri="{FF2B5EF4-FFF2-40B4-BE49-F238E27FC236}">
-                <a16:creationId xmlns:a16="http://schemas.microsoft.com/office/drawing/2014/main" id="{3BD721D7-1024-40DB-BA42-C658BAC2B002}"/>
-              </a:ext>
-            </a:extLst>
-          </p:cNvPr>
-          <p:cNvSpPr>
-            <a:spLocks noGrp="1"/>
-          </p:cNvSpPr>
-          <p:nvPr>
-            <p:ph type="title"/>
-          </p:nvPr>
-        </p:nvSpPr>
-        <p:spPr/>
-        <p:txBody>
-          <a:bodyPr/>
-          <a:lstStyle/>
-          <a:p>
-            <a:r>
-              <a:rPr lang="en-US" dirty="0"/>
-              <a:t>U.S. Overall</a:t>
-            </a:r>
-          </a:p>
-        </p:txBody>
-      </p:sp>
       <p:pic>
         <p:nvPicPr>
-          <p:cNvPr id="5" name="Content Placeholder 4">
+          <p:cNvPr id="9" name="Picture 8" descr="A close up of a logo&#10;&#10;Description automatically generated">
             <a:extLst>
               <a:ext uri="{FF2B5EF4-FFF2-40B4-BE49-F238E27FC236}">
-                <a16:creationId xmlns:a16="http://schemas.microsoft.com/office/drawing/2014/main" id="{C49FD627-9BFA-41F6-B200-F5FE44C16109}"/>
-              </a:ext>
-            </a:extLst>
-          </p:cNvPr>
-          <p:cNvPicPr>
-            <a:picLocks noGrp="1" noChangeAspect="1"/>
-          </p:cNvPicPr>
-          <p:nvPr>
-            <p:ph idx="1"/>
-          </p:nvPr>
-        </p:nvPicPr>
-        <p:blipFill>
-          <a:blip r:embed="rId2">
-            <a:extLst>
-              <a:ext uri="{28A0092B-C50C-407E-A947-70E740481C1C}">
-                <a14:useLocalDpi xmlns:a14="http://schemas.microsoft.com/office/drawing/2010/main" val="0"/>
-              </a:ext>
-            </a:extLst>
-          </a:blip>
-          <a:stretch>
-            <a:fillRect/>
-          </a:stretch>
-        </p:blipFill>
-        <p:spPr>
-          <a:xfrm>
-            <a:off x="281430" y="2394309"/>
-            <a:ext cx="5398294" cy="3598863"/>
-          </a:xfrm>
-        </p:spPr>
-      </p:pic>
-      <p:pic>
-        <p:nvPicPr>
-          <p:cNvPr id="7" name="Picture 6">
-            <a:extLst>
-              <a:ext uri="{FF2B5EF4-FFF2-40B4-BE49-F238E27FC236}">
-                <a16:creationId xmlns:a16="http://schemas.microsoft.com/office/drawing/2014/main" id="{ADA8976B-D092-41D9-BEC0-CA319DD6F65C}"/>
+                <a16:creationId xmlns:a16="http://schemas.microsoft.com/office/drawing/2014/main" id="{46618626-67C5-3245-A5E6-469DE53E4B69}"/>
               </a:ext>
             </a:extLst>
           </p:cNvPr>
@@ -7936,7 +7879,7 @@
           <p:nvPr/>
         </p:nvPicPr>
         <p:blipFill>
-          <a:blip r:embed="rId3">
+          <a:blip r:embed="rId2">
             <a:extLst>
               <a:ext uri="{28A0092B-C50C-407E-A947-70E740481C1C}">
                 <a14:useLocalDpi xmlns:a14="http://schemas.microsoft.com/office/drawing/2010/main" val="0"/>
@@ -7949,18 +7892,101 @@
         </p:blipFill>
         <p:spPr>
           <a:xfrm>
-            <a:off x="6234023" y="2394308"/>
-            <a:ext cx="5250611" cy="3598863"/>
+            <a:off x="2037144" y="2164466"/>
+            <a:ext cx="6724892" cy="4282633"/>
           </a:xfrm>
           <a:prstGeom prst="rect">
             <a:avLst/>
           </a:prstGeom>
+        </p:spPr>
+      </p:pic>
+      <p:sp>
+        <p:nvSpPr>
+          <p:cNvPr id="2" name="Title 1">
+            <a:extLst>
+              <a:ext uri="{FF2B5EF4-FFF2-40B4-BE49-F238E27FC236}">
+                <a16:creationId xmlns:a16="http://schemas.microsoft.com/office/drawing/2014/main" id="{9531459F-1C71-4998-B8C2-22EDABF9B1E8}"/>
+              </a:ext>
+            </a:extLst>
+          </p:cNvPr>
+          <p:cNvSpPr>
+            <a:spLocks noGrp="1"/>
+          </p:cNvSpPr>
+          <p:nvPr>
+            <p:ph type="title"/>
+          </p:nvPr>
+        </p:nvSpPr>
+        <p:spPr/>
+        <p:txBody>
+          <a:bodyPr/>
+          <a:lstStyle/>
+          <a:p>
+            <a:r>
+              <a:rPr lang="en-US" dirty="0"/>
+              <a:t>California – </a:t>
+            </a:r>
+            <a:r>
+              <a:rPr lang="en-US" altLang="zh-CN" dirty="0"/>
+              <a:t>Winter</a:t>
+            </a:r>
+            <a:r>
+              <a:rPr lang="en-US" dirty="0"/>
+              <a:t> Data </a:t>
+            </a:r>
+          </a:p>
+        </p:txBody>
+      </p:sp>
+      <p:pic>
+        <p:nvPicPr>
+          <p:cNvPr id="7" name="Content Placeholder 6" descr="A close up of a map&#10;&#10;Description automatically generated">
+            <a:extLst>
+              <a:ext uri="{FF2B5EF4-FFF2-40B4-BE49-F238E27FC236}">
+                <a16:creationId xmlns:a16="http://schemas.microsoft.com/office/drawing/2014/main" id="{C71B7902-14E5-3A44-B9D2-BC7D4BCC1573}"/>
+              </a:ext>
+            </a:extLst>
+          </p:cNvPr>
+          <p:cNvPicPr>
+            <a:picLocks noGrp="1" noChangeAspect="1"/>
+          </p:cNvPicPr>
+          <p:nvPr>
+            <p:ph idx="1"/>
+          </p:nvPr>
+        </p:nvPicPr>
+        <p:blipFill>
+          <a:blip r:embed="rId3">
+            <a:clrChange>
+              <a:clrFrom>
+                <a:srgbClr val="FFFFFF">
+                  <a:alpha val="0"/>
+                </a:srgbClr>
+              </a:clrFrom>
+              <a:clrTo>
+                <a:srgbClr val="FFFFFF">
+                  <a:alpha val="0"/>
+                </a:srgbClr>
+              </a:clrTo>
+            </a:clrChange>
+            <a:extLst>
+              <a:ext uri="{28A0092B-C50C-407E-A947-70E740481C1C}">
+                <a14:useLocalDpi xmlns:a14="http://schemas.microsoft.com/office/drawing/2010/main" val="0"/>
+              </a:ext>
+            </a:extLst>
+          </a:blip>
+          <a:stretch>
+            <a:fillRect/>
+          </a:stretch>
+        </p:blipFill>
+        <p:spPr>
+          <a:xfrm>
+            <a:off x="2260780" y="2322006"/>
+            <a:ext cx="6316554" cy="4020921"/>
+          </a:xfrm>
         </p:spPr>
       </p:pic>
     </p:spTree>
     <p:extLst>
       <p:ext uri="{BB962C8B-B14F-4D97-AF65-F5344CB8AC3E}">
-        <p14:creationId xmlns:p14="http://schemas.microsoft.com/office/powerpoint/2010/main" val="3968540225"/>
+        <p14:creationId xmlns:p14="http://schemas.microsoft.com/office/powerpoint/2010/main" val="2254682478"/>
       </p:ext>
     </p:extLst>
   </p:cSld>
@@ -7987,49 +8013,19 @@
           <a:chExt cx="0" cy="0"/>
         </a:xfrm>
       </p:grpSpPr>
-      <p:sp>
-        <p:nvSpPr>
-          <p:cNvPr id="2" name="Title 1">
-            <a:extLst>
-              <a:ext uri="{FF2B5EF4-FFF2-40B4-BE49-F238E27FC236}">
-                <a16:creationId xmlns:a16="http://schemas.microsoft.com/office/drawing/2014/main" id="{9CE7BC33-3637-4EED-B178-55936859EEA8}"/>
-              </a:ext>
-            </a:extLst>
-          </p:cNvPr>
-          <p:cNvSpPr>
-            <a:spLocks noGrp="1"/>
-          </p:cNvSpPr>
-          <p:nvPr>
-            <p:ph type="title"/>
-          </p:nvPr>
-        </p:nvSpPr>
-        <p:spPr/>
-        <p:txBody>
-          <a:bodyPr/>
-          <a:lstStyle/>
-          <a:p>
-            <a:r>
-              <a:rPr lang="en-US" dirty="0"/>
-              <a:t>U.S. Overall Continued…</a:t>
-            </a:r>
-          </a:p>
-        </p:txBody>
-      </p:sp>
       <p:pic>
         <p:nvPicPr>
-          <p:cNvPr id="4" name="Content Placeholder 3">
+          <p:cNvPr id="12" name="Picture 11" descr="A close up of a logo&#10;&#10;Description automatically generated">
             <a:extLst>
               <a:ext uri="{FF2B5EF4-FFF2-40B4-BE49-F238E27FC236}">
-                <a16:creationId xmlns:a16="http://schemas.microsoft.com/office/drawing/2014/main" id="{3506AA83-CFD2-4032-B65E-577DE324A8EF}"/>
+                <a16:creationId xmlns:a16="http://schemas.microsoft.com/office/drawing/2014/main" id="{D9EF2763-5468-1448-883F-765E3088CF43}"/>
               </a:ext>
             </a:extLst>
           </p:cNvPr>
           <p:cNvPicPr>
-            <a:picLocks noGrp="1" noChangeAspect="1"/>
+            <a:picLocks noChangeAspect="1"/>
           </p:cNvPicPr>
-          <p:nvPr>
-            <p:ph idx="1"/>
-          </p:nvPr>
+          <p:nvPr/>
         </p:nvPicPr>
         <p:blipFill>
           <a:blip r:embed="rId2">
@@ -8045,8 +8041,115 @@
         </p:blipFill>
         <p:spPr>
           <a:xfrm>
-            <a:off x="2733073" y="2336800"/>
-            <a:ext cx="5509829" cy="3598863"/>
+            <a:off x="173620" y="2280213"/>
+            <a:ext cx="11840902" cy="3588152"/>
+          </a:xfrm>
+          <a:prstGeom prst="rect">
+            <a:avLst/>
+          </a:prstGeom>
+        </p:spPr>
+      </p:pic>
+      <p:sp>
+        <p:nvSpPr>
+          <p:cNvPr id="2" name="Title 1">
+            <a:extLst>
+              <a:ext uri="{FF2B5EF4-FFF2-40B4-BE49-F238E27FC236}">
+                <a16:creationId xmlns:a16="http://schemas.microsoft.com/office/drawing/2014/main" id="{9531459F-1C71-4998-B8C2-22EDABF9B1E8}"/>
+              </a:ext>
+            </a:extLst>
+          </p:cNvPr>
+          <p:cNvSpPr>
+            <a:spLocks noGrp="1"/>
+          </p:cNvSpPr>
+          <p:nvPr>
+            <p:ph type="title"/>
+          </p:nvPr>
+        </p:nvSpPr>
+        <p:spPr/>
+        <p:txBody>
+          <a:bodyPr/>
+          <a:lstStyle/>
+          <a:p>
+            <a:r>
+              <a:rPr lang="en-US" dirty="0"/>
+              <a:t>California – </a:t>
+            </a:r>
+            <a:r>
+              <a:rPr lang="en-US" altLang="zh-CN" dirty="0"/>
+              <a:t>Winter</a:t>
+            </a:r>
+            <a:r>
+              <a:rPr lang="en-US" dirty="0"/>
+              <a:t> Data </a:t>
+            </a:r>
+          </a:p>
+        </p:txBody>
+      </p:sp>
+      <p:pic>
+        <p:nvPicPr>
+          <p:cNvPr id="6" name="Content Placeholder 5" descr="A picture containing white, water, group, flying&#10;&#10;Description automatically generated">
+            <a:extLst>
+              <a:ext uri="{FF2B5EF4-FFF2-40B4-BE49-F238E27FC236}">
+                <a16:creationId xmlns:a16="http://schemas.microsoft.com/office/drawing/2014/main" id="{5098C7C4-10CA-4045-B31F-AD3A89B39E7E}"/>
+              </a:ext>
+            </a:extLst>
+          </p:cNvPr>
+          <p:cNvPicPr>
+            <a:picLocks noGrp="1" noChangeAspect="1"/>
+          </p:cNvPicPr>
+          <p:nvPr>
+            <p:ph idx="1"/>
+          </p:nvPr>
+        </p:nvPicPr>
+        <p:blipFill>
+          <a:blip r:embed="rId3">
+            <a:extLst>
+              <a:ext uri="{28A0092B-C50C-407E-A947-70E740481C1C}">
+                <a14:useLocalDpi xmlns:a14="http://schemas.microsoft.com/office/drawing/2010/main" val="0"/>
+              </a:ext>
+            </a:extLst>
+          </a:blip>
+          <a:stretch>
+            <a:fillRect/>
+          </a:stretch>
+        </p:blipFill>
+        <p:spPr>
+          <a:xfrm>
+            <a:off x="349264" y="2381693"/>
+            <a:ext cx="5746736" cy="3359888"/>
+          </a:xfrm>
+        </p:spPr>
+      </p:pic>
+      <p:pic>
+        <p:nvPicPr>
+          <p:cNvPr id="9" name="Picture 8" descr="A picture containing white, sitting, water, table&#10;&#10;Description automatically generated">
+            <a:extLst>
+              <a:ext uri="{FF2B5EF4-FFF2-40B4-BE49-F238E27FC236}">
+                <a16:creationId xmlns:a16="http://schemas.microsoft.com/office/drawing/2014/main" id="{3990F22E-D280-E943-BDE0-80DBB0E3F18E}"/>
+              </a:ext>
+            </a:extLst>
+          </p:cNvPr>
+          <p:cNvPicPr>
+            <a:picLocks noChangeAspect="1"/>
+          </p:cNvPicPr>
+          <p:nvPr/>
+        </p:nvPicPr>
+        <p:blipFill>
+          <a:blip r:embed="rId4">
+            <a:extLst>
+              <a:ext uri="{28A0092B-C50C-407E-A947-70E740481C1C}">
+                <a14:useLocalDpi xmlns:a14="http://schemas.microsoft.com/office/drawing/2010/main" val="0"/>
+              </a:ext>
+            </a:extLst>
+          </a:blip>
+          <a:stretch>
+            <a:fillRect/>
+          </a:stretch>
+        </p:blipFill>
+        <p:spPr>
+          <a:xfrm>
+            <a:off x="6096000" y="2381693"/>
+            <a:ext cx="5746736" cy="3359888"/>
           </a:xfrm>
           <a:prstGeom prst="rect">
             <a:avLst/>
@@ -8056,7 +8159,7 @@
     </p:spTree>
     <p:extLst>
       <p:ext uri="{BB962C8B-B14F-4D97-AF65-F5344CB8AC3E}">
-        <p14:creationId xmlns:p14="http://schemas.microsoft.com/office/powerpoint/2010/main" val="748454066"/>
+        <p14:creationId xmlns:p14="http://schemas.microsoft.com/office/powerpoint/2010/main" val="801191887"/>
       </p:ext>
     </p:extLst>
   </p:cSld>
@@ -8083,12 +8186,48 @@
           <a:chExt cx="0" cy="0"/>
         </a:xfrm>
       </p:grpSpPr>
+      <p:pic>
+        <p:nvPicPr>
+          <p:cNvPr id="26" name="Picture 25" descr="A close up of a logo&#10;&#10;Description automatically generated">
+            <a:extLst>
+              <a:ext uri="{FF2B5EF4-FFF2-40B4-BE49-F238E27FC236}">
+                <a16:creationId xmlns:a16="http://schemas.microsoft.com/office/drawing/2014/main" id="{57AD3F6A-C966-014B-8092-DB82975B924E}"/>
+              </a:ext>
+            </a:extLst>
+          </p:cNvPr>
+          <p:cNvPicPr>
+            <a:picLocks noChangeAspect="1"/>
+          </p:cNvPicPr>
+          <p:nvPr/>
+        </p:nvPicPr>
+        <p:blipFill>
+          <a:blip r:embed="rId2">
+            <a:extLst>
+              <a:ext uri="{28A0092B-C50C-407E-A947-70E740481C1C}">
+                <a14:useLocalDpi xmlns:a14="http://schemas.microsoft.com/office/drawing/2010/main" val="0"/>
+              </a:ext>
+            </a:extLst>
+          </a:blip>
+          <a:stretch>
+            <a:fillRect/>
+          </a:stretch>
+        </p:blipFill>
+        <p:spPr>
+          <a:xfrm>
+            <a:off x="2475648" y="2095019"/>
+            <a:ext cx="6437810" cy="4323538"/>
+          </a:xfrm>
+          <a:prstGeom prst="rect">
+            <a:avLst/>
+          </a:prstGeom>
+        </p:spPr>
+      </p:pic>
       <p:sp>
         <p:nvSpPr>
           <p:cNvPr id="2" name="Title 1">
             <a:extLst>
               <a:ext uri="{FF2B5EF4-FFF2-40B4-BE49-F238E27FC236}">
-                <a16:creationId xmlns:a16="http://schemas.microsoft.com/office/drawing/2014/main" id="{97248CF5-1831-462A-B3D7-EBA6E960664B}"/>
+                <a16:creationId xmlns:a16="http://schemas.microsoft.com/office/drawing/2014/main" id="{D57B4B0D-40EC-414A-A545-7533F6D7BEAE}"/>
               </a:ext>
             </a:extLst>
           </p:cNvPr>
@@ -8105,50 +8244,60 @@
           <a:lstStyle/>
           <a:p>
             <a:r>
-              <a:rPr lang="en-US" dirty="0"/>
-              <a:t>Discussion</a:t>
-            </a:r>
-          </a:p>
-        </p:txBody>
-      </p:sp>
-      <p:sp>
-        <p:nvSpPr>
-          <p:cNvPr id="3" name="Content Placeholder 2">
+              <a:rPr lang="en-US"/>
+              <a:t>Illinois – </a:t>
+            </a:r>
+            <a:r>
+              <a:rPr lang="en-US" altLang="zh-CN"/>
+              <a:t>Winter</a:t>
+            </a:r>
+            <a:r>
+              <a:rPr lang="en-US"/>
+              <a:t> Data</a:t>
+            </a:r>
+            <a:endParaRPr lang="en-US" dirty="0"/>
+          </a:p>
+        </p:txBody>
+      </p:sp>
+      <p:pic>
+        <p:nvPicPr>
+          <p:cNvPr id="9" name="Content Placeholder 8" descr="A close up of a map&#10;&#10;Description automatically generated">
             <a:extLst>
               <a:ext uri="{FF2B5EF4-FFF2-40B4-BE49-F238E27FC236}">
-                <a16:creationId xmlns:a16="http://schemas.microsoft.com/office/drawing/2014/main" id="{EED7B50D-6AA5-441C-9DD3-A2F37BCDA790}"/>
+                <a16:creationId xmlns:a16="http://schemas.microsoft.com/office/drawing/2014/main" id="{DF2C0C79-99D8-5A48-9509-FADDD1E6DA1B}"/>
               </a:ext>
             </a:extLst>
           </p:cNvPr>
-          <p:cNvSpPr>
-            <a:spLocks noGrp="1"/>
-          </p:cNvSpPr>
+          <p:cNvPicPr>
+            <a:picLocks noGrp="1" noChangeAspect="1"/>
+          </p:cNvPicPr>
           <p:nvPr>
             <p:ph idx="1"/>
           </p:nvPr>
-        </p:nvSpPr>
-        <p:spPr/>
-        <p:txBody>
-          <a:bodyPr/>
-          <a:lstStyle/>
-          <a:p>
-            <a:r>
-              <a:rPr lang="en-US" dirty="0"/>
-              <a:t>* Discuss your findings. Did you find what you expected to find? If not, why not? What inferences or general conclusions can you draw from your analysis?</a:t>
-            </a:r>
-          </a:p>
-          <a:p>
-            <a:endParaRPr lang="en-US" dirty="0"/>
-          </a:p>
-          <a:p>
-            <a:endParaRPr lang="en-US" dirty="0"/>
-          </a:p>
-        </p:txBody>
-      </p:sp>
+        </p:nvPicPr>
+        <p:blipFill>
+          <a:blip r:embed="rId3">
+            <a:extLst>
+              <a:ext uri="{28A0092B-C50C-407E-A947-70E740481C1C}">
+                <a14:useLocalDpi xmlns:a14="http://schemas.microsoft.com/office/drawing/2010/main" val="0"/>
+              </a:ext>
+            </a:extLst>
+          </a:blip>
+          <a:stretch>
+            <a:fillRect/>
+          </a:stretch>
+        </p:blipFill>
+        <p:spPr>
+          <a:xfrm>
+            <a:off x="2534473" y="2205738"/>
+            <a:ext cx="6378985" cy="4212819"/>
+          </a:xfrm>
+        </p:spPr>
+      </p:pic>
     </p:spTree>
     <p:extLst>
       <p:ext uri="{BB962C8B-B14F-4D97-AF65-F5344CB8AC3E}">
-        <p14:creationId xmlns:p14="http://schemas.microsoft.com/office/powerpoint/2010/main" val="2073487855"/>
+        <p14:creationId xmlns:p14="http://schemas.microsoft.com/office/powerpoint/2010/main" val="1017383035"/>
       </p:ext>
     </p:extLst>
   </p:cSld>
@@ -8175,12 +8324,48 @@
           <a:chExt cx="0" cy="0"/>
         </a:xfrm>
       </p:grpSpPr>
+      <p:pic>
+        <p:nvPicPr>
+          <p:cNvPr id="11" name="Picture 10" descr="A close up of a logo&#10;&#10;Description automatically generated">
+            <a:extLst>
+              <a:ext uri="{FF2B5EF4-FFF2-40B4-BE49-F238E27FC236}">
+                <a16:creationId xmlns:a16="http://schemas.microsoft.com/office/drawing/2014/main" id="{72FDDCED-D983-BF42-9B15-295B3F0E12D1}"/>
+              </a:ext>
+            </a:extLst>
+          </p:cNvPr>
+          <p:cNvPicPr>
+            <a:picLocks noChangeAspect="1"/>
+          </p:cNvPicPr>
+          <p:nvPr/>
+        </p:nvPicPr>
+        <p:blipFill>
+          <a:blip r:embed="rId2">
+            <a:extLst>
+              <a:ext uri="{28A0092B-C50C-407E-A947-70E740481C1C}">
+                <a14:useLocalDpi xmlns:a14="http://schemas.microsoft.com/office/drawing/2010/main" val="0"/>
+              </a:ext>
+            </a:extLst>
+          </a:blip>
+          <a:stretch>
+            <a:fillRect/>
+          </a:stretch>
+        </p:blipFill>
+        <p:spPr>
+          <a:xfrm>
+            <a:off x="173620" y="2280213"/>
+            <a:ext cx="11840902" cy="3588152"/>
+          </a:xfrm>
+          <a:prstGeom prst="rect">
+            <a:avLst/>
+          </a:prstGeom>
+        </p:spPr>
+      </p:pic>
       <p:sp>
         <p:nvSpPr>
           <p:cNvPr id="2" name="Title 1">
             <a:extLst>
               <a:ext uri="{FF2B5EF4-FFF2-40B4-BE49-F238E27FC236}">
-                <a16:creationId xmlns:a16="http://schemas.microsoft.com/office/drawing/2014/main" id="{C83672AA-12CB-4A35-B30E-294360B02FDA}"/>
+                <a16:creationId xmlns:a16="http://schemas.microsoft.com/office/drawing/2014/main" id="{9531459F-1C71-4998-B8C2-22EDABF9B1E8}"/>
               </a:ext>
             </a:extLst>
           </p:cNvPr>
@@ -8197,159 +8382,100 @@
           <a:lstStyle/>
           <a:p>
             <a:r>
+              <a:rPr lang="en-US" altLang="zh-CN" dirty="0"/>
+              <a:t>Illinois</a:t>
+            </a:r>
+            <a:r>
               <a:rPr lang="en-US" dirty="0"/>
-              <a:t>Post Mortem	</a:t>
-            </a:r>
-          </a:p>
-        </p:txBody>
-      </p:sp>
-      <p:sp>
-        <p:nvSpPr>
-          <p:cNvPr id="3" name="Content Placeholder 2">
+              <a:t> – </a:t>
+            </a:r>
+            <a:r>
+              <a:rPr lang="en-US" altLang="zh-CN" dirty="0"/>
+              <a:t>Winter</a:t>
+            </a:r>
+            <a:r>
+              <a:rPr lang="en-US" dirty="0"/>
+              <a:t> Data </a:t>
+            </a:r>
+          </a:p>
+        </p:txBody>
+      </p:sp>
+      <p:pic>
+        <p:nvPicPr>
+          <p:cNvPr id="4" name="Picture 3" descr="A close up of a white wall&#10;&#10;Description automatically generated">
             <a:extLst>
               <a:ext uri="{FF2B5EF4-FFF2-40B4-BE49-F238E27FC236}">
-                <a16:creationId xmlns:a16="http://schemas.microsoft.com/office/drawing/2014/main" id="{B588E67A-F69E-4E01-B2A5-CEB672C91740}"/>
+                <a16:creationId xmlns:a16="http://schemas.microsoft.com/office/drawing/2014/main" id="{C8F6B924-1E61-DD4B-82E7-C2F187B22FA3}"/>
               </a:ext>
             </a:extLst>
           </p:cNvPr>
-          <p:cNvSpPr>
-            <a:spLocks noGrp="1"/>
-          </p:cNvSpPr>
-          <p:nvPr>
-            <p:ph idx="1"/>
-          </p:nvPr>
-        </p:nvSpPr>
-        <p:spPr/>
-        <p:txBody>
-          <a:bodyPr>
-            <a:normAutofit fontScale="70000" lnSpcReduction="20000"/>
-          </a:bodyPr>
-          <a:lstStyle/>
-          <a:p>
-            <a:r>
-              <a:rPr lang="en-US" dirty="0"/>
-              <a:t>  * Discuss any difficulties that arose, and how you dealt with them</a:t>
-            </a:r>
-          </a:p>
-          <a:p>
-            <a:pPr lvl="1"/>
-            <a:r>
-              <a:rPr lang="en-US" dirty="0"/>
-              <a:t>Large datasets required a lot more time to sort through and clean.</a:t>
-            </a:r>
-          </a:p>
-          <a:p>
-            <a:pPr lvl="1"/>
-            <a:r>
-              <a:rPr lang="en-US" dirty="0"/>
-              <a:t>Some datasets were not large enough to create an accurate representation.</a:t>
-            </a:r>
-          </a:p>
-          <a:p>
-            <a:pPr lvl="1"/>
-            <a:r>
-              <a:rPr lang="en-US" dirty="0"/>
-              <a:t>Collaborating with groupmates using a new unfamiliar system. (e.g. </a:t>
-            </a:r>
-            <a:r>
-              <a:rPr lang="en-US" dirty="0" err="1"/>
-              <a:t>github</a:t>
-            </a:r>
-            <a:r>
-              <a:rPr lang="en-US" dirty="0"/>
-              <a:t>)</a:t>
-            </a:r>
-          </a:p>
-          <a:p>
-            <a:pPr lvl="1"/>
-            <a:r>
-              <a:rPr lang="en-US" dirty="0"/>
-              <a:t>Due to current pandemic, all meetings had to be virtual. Harder to coordinate with teacher and groupmates. </a:t>
-            </a:r>
-          </a:p>
-          <a:p>
-            <a:r>
-              <a:rPr lang="en-US" dirty="0"/>
-              <a:t>  * Discuss any additional questions that came up, but which you didn't have time to answer: What would you research next, if you had two more weeks?</a:t>
-            </a:r>
-          </a:p>
-          <a:p>
-            <a:pPr lvl="1"/>
-            <a:r>
-              <a:rPr lang="en-US" dirty="0"/>
-              <a:t>If we had two more weeks, probably include more datasets. Maybe incorporate an </a:t>
-            </a:r>
-            <a:r>
-              <a:rPr lang="en-US" dirty="0" err="1"/>
-              <a:t>api</a:t>
-            </a:r>
-            <a:r>
-              <a:rPr lang="en-US" dirty="0"/>
-              <a:t> like a weather </a:t>
-            </a:r>
-            <a:r>
-              <a:rPr lang="en-US" dirty="0" err="1"/>
-              <a:t>api</a:t>
-            </a:r>
-            <a:r>
-              <a:rPr lang="en-US" dirty="0"/>
-              <a:t>. </a:t>
-            </a:r>
-          </a:p>
-          <a:p>
-            <a:pPr lvl="1"/>
-            <a:r>
-              <a:rPr lang="en-US" dirty="0"/>
-              <a:t>Additional questions:</a:t>
-            </a:r>
-          </a:p>
-          <a:p>
-            <a:pPr lvl="2"/>
-            <a:r>
-              <a:rPr lang="en-US" dirty="0"/>
-              <a:t>“Does geography play a large factor in temperature changes?”</a:t>
-            </a:r>
-          </a:p>
-          <a:p>
-            <a:pPr lvl="2"/>
-            <a:r>
-              <a:rPr lang="en-US" dirty="0"/>
-              <a:t>“Does population size have an effect on temperature in a region?”</a:t>
-            </a:r>
-          </a:p>
-          <a:p>
-            <a:pPr lvl="2"/>
-            <a:r>
-              <a:rPr lang="en-US" dirty="0"/>
-              <a:t>“Avg CO</a:t>
-            </a:r>
-            <a:r>
-              <a:rPr lang="en-US" baseline="-25000" dirty="0"/>
-              <a:t>2 </a:t>
-            </a:r>
-            <a:r>
-              <a:rPr lang="en-US" dirty="0"/>
-              <a:t>emissions per capita per state (Carbon Footprint)” </a:t>
-            </a:r>
-          </a:p>
-          <a:p>
-            <a:pPr marL="0" indent="0">
-              <a:buNone/>
-            </a:pPr>
-            <a:br>
-              <a:rPr lang="en-US" dirty="0"/>
-            </a:br>
-            <a:endParaRPr lang="en-US" dirty="0"/>
-          </a:p>
-          <a:p>
-            <a:endParaRPr lang="en-US" dirty="0"/>
-          </a:p>
-        </p:txBody>
-      </p:sp>
+          <p:cNvPicPr>
+            <a:picLocks noChangeAspect="1"/>
+          </p:cNvPicPr>
+          <p:nvPr/>
+        </p:nvPicPr>
+        <p:blipFill>
+          <a:blip r:embed="rId3">
+            <a:extLst>
+              <a:ext uri="{28A0092B-C50C-407E-A947-70E740481C1C}">
+                <a14:useLocalDpi xmlns:a14="http://schemas.microsoft.com/office/drawing/2010/main" val="0"/>
+              </a:ext>
+            </a:extLst>
+          </a:blip>
+          <a:stretch>
+            <a:fillRect/>
+          </a:stretch>
+        </p:blipFill>
+        <p:spPr>
+          <a:xfrm>
+            <a:off x="349264" y="2381693"/>
+            <a:ext cx="5619751" cy="3359888"/>
+          </a:xfrm>
+          <a:prstGeom prst="rect">
+            <a:avLst/>
+          </a:prstGeom>
+        </p:spPr>
+      </p:pic>
+      <p:pic>
+        <p:nvPicPr>
+          <p:cNvPr id="10" name="Picture 9" descr="A picture containing white, room, table, sitting&#10;&#10;Description automatically generated">
+            <a:extLst>
+              <a:ext uri="{FF2B5EF4-FFF2-40B4-BE49-F238E27FC236}">
+                <a16:creationId xmlns:a16="http://schemas.microsoft.com/office/drawing/2014/main" id="{04D9A711-2B08-1147-974F-6C7AF1C42527}"/>
+              </a:ext>
+            </a:extLst>
+          </p:cNvPr>
+          <p:cNvPicPr>
+            <a:picLocks noChangeAspect="1"/>
+          </p:cNvPicPr>
+          <p:nvPr/>
+        </p:nvPicPr>
+        <p:blipFill>
+          <a:blip r:embed="rId4">
+            <a:extLst>
+              <a:ext uri="{28A0092B-C50C-407E-A947-70E740481C1C}">
+                <a14:useLocalDpi xmlns:a14="http://schemas.microsoft.com/office/drawing/2010/main" val="0"/>
+              </a:ext>
+            </a:extLst>
+          </a:blip>
+          <a:stretch>
+            <a:fillRect/>
+          </a:stretch>
+        </p:blipFill>
+        <p:spPr>
+          <a:xfrm>
+            <a:off x="6095999" y="2381693"/>
+            <a:ext cx="5619750" cy="3359888"/>
+          </a:xfrm>
+          <a:prstGeom prst="rect">
+            <a:avLst/>
+          </a:prstGeom>
+        </p:spPr>
+      </p:pic>
     </p:spTree>
     <p:extLst>
       <p:ext uri="{BB962C8B-B14F-4D97-AF65-F5344CB8AC3E}">
-        <p14:creationId xmlns:p14="http://schemas.microsoft.com/office/powerpoint/2010/main" val="3388197764"/>
+        <p14:creationId xmlns:p14="http://schemas.microsoft.com/office/powerpoint/2010/main" val="1811272378"/>
       </p:ext>
     </p:extLst>
   </p:cSld>
@@ -8376,51 +8502,19 @@
           <a:chExt cx="0" cy="0"/>
         </a:xfrm>
       </p:grpSpPr>
-      <p:sp>
-        <p:nvSpPr>
-          <p:cNvPr id="2" name="Title 1">
-            <a:extLst>
-              <a:ext uri="{FF2B5EF4-FFF2-40B4-BE49-F238E27FC236}">
-                <a16:creationId xmlns:a16="http://schemas.microsoft.com/office/drawing/2014/main" id="{A9135A3E-7DD3-4B69-B61F-82AAA5DD4DDE}"/>
-              </a:ext>
-            </a:extLst>
-          </p:cNvPr>
-          <p:cNvSpPr>
-            <a:spLocks noGrp="1"/>
-          </p:cNvSpPr>
-          <p:nvPr>
-            <p:ph type="title"/>
-          </p:nvPr>
-        </p:nvSpPr>
-        <p:spPr/>
-        <p:txBody>
-          <a:bodyPr>
-            <a:normAutofit/>
-          </a:bodyPr>
-          <a:lstStyle/>
-          <a:p>
-            <a:r>
-              <a:rPr lang="en-US" sz="7000" dirty="0"/>
-              <a:t>Questions?</a:t>
-            </a:r>
-          </a:p>
-        </p:txBody>
-      </p:sp>
       <p:pic>
         <p:nvPicPr>
-          <p:cNvPr id="5" name="Content Placeholder 4">
+          <p:cNvPr id="10" name="Picture 9" descr="A close up of a logo&#10;&#10;Description automatically generated">
             <a:extLst>
               <a:ext uri="{FF2B5EF4-FFF2-40B4-BE49-F238E27FC236}">
-                <a16:creationId xmlns:a16="http://schemas.microsoft.com/office/drawing/2014/main" id="{4888FE66-0AC7-4880-818B-38BBFE28A208}"/>
+                <a16:creationId xmlns:a16="http://schemas.microsoft.com/office/drawing/2014/main" id="{3CAF73FC-159C-1E4D-8F16-CEAAAD8E3F18}"/>
               </a:ext>
             </a:extLst>
           </p:cNvPr>
           <p:cNvPicPr>
-            <a:picLocks noGrp="1" noChangeAspect="1"/>
+            <a:picLocks noChangeAspect="1"/>
           </p:cNvPicPr>
-          <p:nvPr>
-            <p:ph idx="1"/>
-          </p:nvPr>
+          <p:nvPr/>
         </p:nvPicPr>
         <p:blipFill>
           <a:blip r:embed="rId2">
@@ -8436,15 +8530,793 @@
         </p:blipFill>
         <p:spPr>
           <a:xfrm>
-            <a:off x="3002693" y="2505909"/>
-            <a:ext cx="5398294" cy="3598863"/>
+            <a:off x="1979271" y="2095018"/>
+            <a:ext cx="6875362" cy="4481701"/>
+          </a:xfrm>
+          <a:prstGeom prst="rect">
+            <a:avLst/>
+          </a:prstGeom>
+        </p:spPr>
+      </p:pic>
+      <p:sp>
+        <p:nvSpPr>
+          <p:cNvPr id="2" name="Title 1">
+            <a:extLst>
+              <a:ext uri="{FF2B5EF4-FFF2-40B4-BE49-F238E27FC236}">
+                <a16:creationId xmlns:a16="http://schemas.microsoft.com/office/drawing/2014/main" id="{3D60B782-3C82-4372-9920-AC67AB1D64FA}"/>
+              </a:ext>
+            </a:extLst>
+          </p:cNvPr>
+          <p:cNvSpPr>
+            <a:spLocks noGrp="1"/>
+          </p:cNvSpPr>
+          <p:nvPr>
+            <p:ph type="title"/>
+          </p:nvPr>
+        </p:nvSpPr>
+        <p:spPr/>
+        <p:txBody>
+          <a:bodyPr/>
+          <a:lstStyle/>
+          <a:p>
+            <a:r>
+              <a:rPr lang="en-US" dirty="0"/>
+              <a:t>New York – </a:t>
+            </a:r>
+            <a:r>
+              <a:rPr lang="en-US" altLang="zh-CN" dirty="0"/>
+              <a:t>Winter</a:t>
+            </a:r>
+            <a:r>
+              <a:rPr lang="en-US" dirty="0"/>
+              <a:t> Data</a:t>
+            </a:r>
+          </a:p>
+        </p:txBody>
+      </p:sp>
+      <p:pic>
+        <p:nvPicPr>
+          <p:cNvPr id="8" name="Content Placeholder 7" descr="A close up of a map&#10;&#10;Description automatically generated">
+            <a:extLst>
+              <a:ext uri="{FF2B5EF4-FFF2-40B4-BE49-F238E27FC236}">
+                <a16:creationId xmlns:a16="http://schemas.microsoft.com/office/drawing/2014/main" id="{F0876E0A-2A89-F74D-A5D0-42BD74901F0D}"/>
+              </a:ext>
+            </a:extLst>
+          </p:cNvPr>
+          <p:cNvPicPr>
+            <a:picLocks noGrp="1" noChangeAspect="1"/>
+          </p:cNvPicPr>
+          <p:nvPr>
+            <p:ph idx="1"/>
+          </p:nvPr>
+        </p:nvPicPr>
+        <p:blipFill>
+          <a:blip r:embed="rId3">
+            <a:extLst>
+              <a:ext uri="{28A0092B-C50C-407E-A947-70E740481C1C}">
+                <a14:useLocalDpi xmlns:a14="http://schemas.microsoft.com/office/drawing/2010/main" val="0"/>
+              </a:ext>
+            </a:extLst>
+          </a:blip>
+          <a:stretch>
+            <a:fillRect/>
+          </a:stretch>
+        </p:blipFill>
+        <p:spPr>
+          <a:xfrm>
+            <a:off x="2201799" y="2237152"/>
+            <a:ext cx="6570904" cy="4339567"/>
           </a:xfrm>
         </p:spPr>
       </p:pic>
     </p:spTree>
     <p:extLst>
       <p:ext uri="{BB962C8B-B14F-4D97-AF65-F5344CB8AC3E}">
-        <p14:creationId xmlns:p14="http://schemas.microsoft.com/office/powerpoint/2010/main" val="4011974717"/>
+        <p14:creationId xmlns:p14="http://schemas.microsoft.com/office/powerpoint/2010/main" val="3887018829"/>
+      </p:ext>
+    </p:extLst>
+  </p:cSld>
+  <p:clrMapOvr>
+    <a:masterClrMapping/>
+  </p:clrMapOvr>
+</p:sld>
+</file>
+
+<file path=ppt/slides/slide15.xml><?xml version="1.0" encoding="utf-8"?>
+<p:sld xmlns:a="http://schemas.openxmlformats.org/drawingml/2006/main" xmlns:r="http://schemas.openxmlformats.org/officeDocument/2006/relationships" xmlns:p="http://schemas.openxmlformats.org/presentationml/2006/main">
+  <p:cSld>
+    <p:spTree>
+      <p:nvGrpSpPr>
+        <p:cNvPr id="1" name=""/>
+        <p:cNvGrpSpPr/>
+        <p:nvPr/>
+      </p:nvGrpSpPr>
+      <p:grpSpPr>
+        <a:xfrm>
+          <a:off x="0" y="0"/>
+          <a:ext cx="0" cy="0"/>
+          <a:chOff x="0" y="0"/>
+          <a:chExt cx="0" cy="0"/>
+        </a:xfrm>
+      </p:grpSpPr>
+      <p:pic>
+        <p:nvPicPr>
+          <p:cNvPr id="9" name="Picture 8" descr="A close up of a logo&#10;&#10;Description automatically generated">
+            <a:extLst>
+              <a:ext uri="{FF2B5EF4-FFF2-40B4-BE49-F238E27FC236}">
+                <a16:creationId xmlns:a16="http://schemas.microsoft.com/office/drawing/2014/main" id="{91B716AE-48C0-1B46-BE0B-3494ADBEE84B}"/>
+              </a:ext>
+            </a:extLst>
+          </p:cNvPr>
+          <p:cNvPicPr>
+            <a:picLocks noChangeAspect="1"/>
+          </p:cNvPicPr>
+          <p:nvPr/>
+        </p:nvPicPr>
+        <p:blipFill>
+          <a:blip r:embed="rId2">
+            <a:extLst>
+              <a:ext uri="{28A0092B-C50C-407E-A947-70E740481C1C}">
+                <a14:useLocalDpi xmlns:a14="http://schemas.microsoft.com/office/drawing/2010/main" val="0"/>
+              </a:ext>
+            </a:extLst>
+          </a:blip>
+          <a:stretch>
+            <a:fillRect/>
+          </a:stretch>
+        </p:blipFill>
+        <p:spPr>
+          <a:xfrm>
+            <a:off x="173620" y="2280213"/>
+            <a:ext cx="11840902" cy="3588152"/>
+          </a:xfrm>
+          <a:prstGeom prst="rect">
+            <a:avLst/>
+          </a:prstGeom>
+        </p:spPr>
+      </p:pic>
+      <p:sp>
+        <p:nvSpPr>
+          <p:cNvPr id="2" name="Title 1">
+            <a:extLst>
+              <a:ext uri="{FF2B5EF4-FFF2-40B4-BE49-F238E27FC236}">
+                <a16:creationId xmlns:a16="http://schemas.microsoft.com/office/drawing/2014/main" id="{9531459F-1C71-4998-B8C2-22EDABF9B1E8}"/>
+              </a:ext>
+            </a:extLst>
+          </p:cNvPr>
+          <p:cNvSpPr>
+            <a:spLocks noGrp="1"/>
+          </p:cNvSpPr>
+          <p:nvPr>
+            <p:ph type="title"/>
+          </p:nvPr>
+        </p:nvSpPr>
+        <p:spPr/>
+        <p:txBody>
+          <a:bodyPr/>
+          <a:lstStyle/>
+          <a:p>
+            <a:r>
+              <a:rPr lang="en-US" altLang="zh-CN" dirty="0"/>
+              <a:t>New</a:t>
+            </a:r>
+            <a:r>
+              <a:rPr lang="zh-CN" altLang="en-US" dirty="0"/>
+              <a:t> </a:t>
+            </a:r>
+            <a:r>
+              <a:rPr lang="en-US" altLang="zh-CN" dirty="0"/>
+              <a:t>York</a:t>
+            </a:r>
+            <a:r>
+              <a:rPr lang="en-US" dirty="0"/>
+              <a:t> – </a:t>
+            </a:r>
+            <a:r>
+              <a:rPr lang="en-US" altLang="zh-CN" dirty="0"/>
+              <a:t>Winter</a:t>
+            </a:r>
+            <a:r>
+              <a:rPr lang="en-US" dirty="0"/>
+              <a:t> Data </a:t>
+            </a:r>
+          </a:p>
+        </p:txBody>
+      </p:sp>
+      <p:pic>
+        <p:nvPicPr>
+          <p:cNvPr id="5" name="Picture 4" descr="A picture containing white, water, flying, red&#10;&#10;Description automatically generated">
+            <a:extLst>
+              <a:ext uri="{FF2B5EF4-FFF2-40B4-BE49-F238E27FC236}">
+                <a16:creationId xmlns:a16="http://schemas.microsoft.com/office/drawing/2014/main" id="{62F8BB3A-B9D1-D849-B141-101CF5143EFE}"/>
+              </a:ext>
+            </a:extLst>
+          </p:cNvPr>
+          <p:cNvPicPr>
+            <a:picLocks noChangeAspect="1"/>
+          </p:cNvPicPr>
+          <p:nvPr/>
+        </p:nvPicPr>
+        <p:blipFill>
+          <a:blip r:embed="rId3">
+            <a:extLst>
+              <a:ext uri="{28A0092B-C50C-407E-A947-70E740481C1C}">
+                <a14:useLocalDpi xmlns:a14="http://schemas.microsoft.com/office/drawing/2010/main" val="0"/>
+              </a:ext>
+            </a:extLst>
+          </a:blip>
+          <a:stretch>
+            <a:fillRect/>
+          </a:stretch>
+        </p:blipFill>
+        <p:spPr>
+          <a:xfrm>
+            <a:off x="412455" y="2381693"/>
+            <a:ext cx="5619750" cy="3359888"/>
+          </a:xfrm>
+          <a:prstGeom prst="rect">
+            <a:avLst/>
+          </a:prstGeom>
+        </p:spPr>
+      </p:pic>
+      <p:pic>
+        <p:nvPicPr>
+          <p:cNvPr id="7" name="Picture 6" descr="A picture containing sitting, white, water, table&#10;&#10;Description automatically generated">
+            <a:extLst>
+              <a:ext uri="{FF2B5EF4-FFF2-40B4-BE49-F238E27FC236}">
+                <a16:creationId xmlns:a16="http://schemas.microsoft.com/office/drawing/2014/main" id="{38B8C40E-860E-D943-8C65-548EBE45D110}"/>
+              </a:ext>
+            </a:extLst>
+          </p:cNvPr>
+          <p:cNvPicPr>
+            <a:picLocks noChangeAspect="1"/>
+          </p:cNvPicPr>
+          <p:nvPr/>
+        </p:nvPicPr>
+        <p:blipFill>
+          <a:blip r:embed="rId4">
+            <a:extLst>
+              <a:ext uri="{28A0092B-C50C-407E-A947-70E740481C1C}">
+                <a14:useLocalDpi xmlns:a14="http://schemas.microsoft.com/office/drawing/2010/main" val="0"/>
+              </a:ext>
+            </a:extLst>
+          </a:blip>
+          <a:stretch>
+            <a:fillRect/>
+          </a:stretch>
+        </p:blipFill>
+        <p:spPr>
+          <a:xfrm>
+            <a:off x="6096000" y="2381693"/>
+            <a:ext cx="5619750" cy="3359888"/>
+          </a:xfrm>
+          <a:prstGeom prst="rect">
+            <a:avLst/>
+          </a:prstGeom>
+        </p:spPr>
+      </p:pic>
+    </p:spTree>
+    <p:extLst>
+      <p:ext uri="{BB962C8B-B14F-4D97-AF65-F5344CB8AC3E}">
+        <p14:creationId xmlns:p14="http://schemas.microsoft.com/office/powerpoint/2010/main" val="3041038432"/>
+      </p:ext>
+    </p:extLst>
+  </p:cSld>
+  <p:clrMapOvr>
+    <a:masterClrMapping/>
+  </p:clrMapOvr>
+</p:sld>
+</file>
+
+<file path=ppt/slides/slide16.xml><?xml version="1.0" encoding="utf-8"?>
+<p:sld xmlns:a="http://schemas.openxmlformats.org/drawingml/2006/main" xmlns:r="http://schemas.openxmlformats.org/officeDocument/2006/relationships" xmlns:p="http://schemas.openxmlformats.org/presentationml/2006/main">
+  <p:cSld>
+    <p:spTree>
+      <p:nvGrpSpPr>
+        <p:cNvPr id="1" name=""/>
+        <p:cNvGrpSpPr/>
+        <p:nvPr/>
+      </p:nvGrpSpPr>
+      <p:grpSpPr>
+        <a:xfrm>
+          <a:off x="0" y="0"/>
+          <a:ext cx="0" cy="0"/>
+          <a:chOff x="0" y="0"/>
+          <a:chExt cx="0" cy="0"/>
+        </a:xfrm>
+      </p:grpSpPr>
+      <p:sp>
+        <p:nvSpPr>
+          <p:cNvPr id="2" name="Title 1">
+            <a:extLst>
+              <a:ext uri="{FF2B5EF4-FFF2-40B4-BE49-F238E27FC236}">
+                <a16:creationId xmlns:a16="http://schemas.microsoft.com/office/drawing/2014/main" id="{3BD721D7-1024-40DB-BA42-C658BAC2B002}"/>
+              </a:ext>
+            </a:extLst>
+          </p:cNvPr>
+          <p:cNvSpPr>
+            <a:spLocks noGrp="1"/>
+          </p:cNvSpPr>
+          <p:nvPr>
+            <p:ph type="title"/>
+          </p:nvPr>
+        </p:nvSpPr>
+        <p:spPr/>
+        <p:txBody>
+          <a:bodyPr/>
+          <a:lstStyle/>
+          <a:p>
+            <a:r>
+              <a:rPr lang="en-US" dirty="0"/>
+              <a:t>U.S. Overall</a:t>
+            </a:r>
+          </a:p>
+        </p:txBody>
+      </p:sp>
+      <p:pic>
+        <p:nvPicPr>
+          <p:cNvPr id="5" name="Content Placeholder 4">
+            <a:extLst>
+              <a:ext uri="{FF2B5EF4-FFF2-40B4-BE49-F238E27FC236}">
+                <a16:creationId xmlns:a16="http://schemas.microsoft.com/office/drawing/2014/main" id="{C49FD627-9BFA-41F6-B200-F5FE44C16109}"/>
+              </a:ext>
+            </a:extLst>
+          </p:cNvPr>
+          <p:cNvPicPr>
+            <a:picLocks noGrp="1" noChangeAspect="1"/>
+          </p:cNvPicPr>
+          <p:nvPr>
+            <p:ph idx="1"/>
+          </p:nvPr>
+        </p:nvPicPr>
+        <p:blipFill>
+          <a:blip r:embed="rId2">
+            <a:extLst>
+              <a:ext uri="{28A0092B-C50C-407E-A947-70E740481C1C}">
+                <a14:useLocalDpi xmlns:a14="http://schemas.microsoft.com/office/drawing/2010/main" val="0"/>
+              </a:ext>
+            </a:extLst>
+          </a:blip>
+          <a:stretch>
+            <a:fillRect/>
+          </a:stretch>
+        </p:blipFill>
+        <p:spPr>
+          <a:xfrm>
+            <a:off x="281430" y="2394309"/>
+            <a:ext cx="5398294" cy="3598863"/>
+          </a:xfrm>
+        </p:spPr>
+      </p:pic>
+      <p:pic>
+        <p:nvPicPr>
+          <p:cNvPr id="7" name="Picture 6">
+            <a:extLst>
+              <a:ext uri="{FF2B5EF4-FFF2-40B4-BE49-F238E27FC236}">
+                <a16:creationId xmlns:a16="http://schemas.microsoft.com/office/drawing/2014/main" id="{ADA8976B-D092-41D9-BEC0-CA319DD6F65C}"/>
+              </a:ext>
+            </a:extLst>
+          </p:cNvPr>
+          <p:cNvPicPr>
+            <a:picLocks noChangeAspect="1"/>
+          </p:cNvPicPr>
+          <p:nvPr/>
+        </p:nvPicPr>
+        <p:blipFill>
+          <a:blip r:embed="rId3">
+            <a:extLst>
+              <a:ext uri="{28A0092B-C50C-407E-A947-70E740481C1C}">
+                <a14:useLocalDpi xmlns:a14="http://schemas.microsoft.com/office/drawing/2010/main" val="0"/>
+              </a:ext>
+            </a:extLst>
+          </a:blip>
+          <a:stretch>
+            <a:fillRect/>
+          </a:stretch>
+        </p:blipFill>
+        <p:spPr>
+          <a:xfrm>
+            <a:off x="6234023" y="2394308"/>
+            <a:ext cx="5250611" cy="3598863"/>
+          </a:xfrm>
+          <a:prstGeom prst="rect">
+            <a:avLst/>
+          </a:prstGeom>
+        </p:spPr>
+      </p:pic>
+    </p:spTree>
+    <p:extLst>
+      <p:ext uri="{BB962C8B-B14F-4D97-AF65-F5344CB8AC3E}">
+        <p14:creationId xmlns:p14="http://schemas.microsoft.com/office/powerpoint/2010/main" val="3968540225"/>
+      </p:ext>
+    </p:extLst>
+  </p:cSld>
+  <p:clrMapOvr>
+    <a:masterClrMapping/>
+  </p:clrMapOvr>
+</p:sld>
+</file>
+
+<file path=ppt/slides/slide17.xml><?xml version="1.0" encoding="utf-8"?>
+<p:sld xmlns:a="http://schemas.openxmlformats.org/drawingml/2006/main" xmlns:r="http://schemas.openxmlformats.org/officeDocument/2006/relationships" xmlns:p="http://schemas.openxmlformats.org/presentationml/2006/main">
+  <p:cSld>
+    <p:spTree>
+      <p:nvGrpSpPr>
+        <p:cNvPr id="1" name=""/>
+        <p:cNvGrpSpPr/>
+        <p:nvPr/>
+      </p:nvGrpSpPr>
+      <p:grpSpPr>
+        <a:xfrm>
+          <a:off x="0" y="0"/>
+          <a:ext cx="0" cy="0"/>
+          <a:chOff x="0" y="0"/>
+          <a:chExt cx="0" cy="0"/>
+        </a:xfrm>
+      </p:grpSpPr>
+      <p:sp>
+        <p:nvSpPr>
+          <p:cNvPr id="2" name="Title 1">
+            <a:extLst>
+              <a:ext uri="{FF2B5EF4-FFF2-40B4-BE49-F238E27FC236}">
+                <a16:creationId xmlns:a16="http://schemas.microsoft.com/office/drawing/2014/main" id="{9CE7BC33-3637-4EED-B178-55936859EEA8}"/>
+              </a:ext>
+            </a:extLst>
+          </p:cNvPr>
+          <p:cNvSpPr>
+            <a:spLocks noGrp="1"/>
+          </p:cNvSpPr>
+          <p:nvPr>
+            <p:ph type="title"/>
+          </p:nvPr>
+        </p:nvSpPr>
+        <p:spPr/>
+        <p:txBody>
+          <a:bodyPr/>
+          <a:lstStyle/>
+          <a:p>
+            <a:r>
+              <a:rPr lang="en-US" dirty="0"/>
+              <a:t>U.S. Overall Continued…</a:t>
+            </a:r>
+          </a:p>
+        </p:txBody>
+      </p:sp>
+      <p:pic>
+        <p:nvPicPr>
+          <p:cNvPr id="4" name="Content Placeholder 3">
+            <a:extLst>
+              <a:ext uri="{FF2B5EF4-FFF2-40B4-BE49-F238E27FC236}">
+                <a16:creationId xmlns:a16="http://schemas.microsoft.com/office/drawing/2014/main" id="{3506AA83-CFD2-4032-B65E-577DE324A8EF}"/>
+              </a:ext>
+            </a:extLst>
+          </p:cNvPr>
+          <p:cNvPicPr>
+            <a:picLocks noGrp="1" noChangeAspect="1"/>
+          </p:cNvPicPr>
+          <p:nvPr>
+            <p:ph idx="1"/>
+          </p:nvPr>
+        </p:nvPicPr>
+        <p:blipFill>
+          <a:blip r:embed="rId2">
+            <a:extLst>
+              <a:ext uri="{28A0092B-C50C-407E-A947-70E740481C1C}">
+                <a14:useLocalDpi xmlns:a14="http://schemas.microsoft.com/office/drawing/2010/main" val="0"/>
+              </a:ext>
+            </a:extLst>
+          </a:blip>
+          <a:stretch>
+            <a:fillRect/>
+          </a:stretch>
+        </p:blipFill>
+        <p:spPr>
+          <a:xfrm>
+            <a:off x="2733073" y="2336800"/>
+            <a:ext cx="5509829" cy="3598863"/>
+          </a:xfrm>
+          <a:prstGeom prst="rect">
+            <a:avLst/>
+          </a:prstGeom>
+        </p:spPr>
+      </p:pic>
+    </p:spTree>
+    <p:extLst>
+      <p:ext uri="{BB962C8B-B14F-4D97-AF65-F5344CB8AC3E}">
+        <p14:creationId xmlns:p14="http://schemas.microsoft.com/office/powerpoint/2010/main" val="748454066"/>
+      </p:ext>
+    </p:extLst>
+  </p:cSld>
+  <p:clrMapOvr>
+    <a:masterClrMapping/>
+  </p:clrMapOvr>
+</p:sld>
+</file>
+
+<file path=ppt/slides/slide18.xml><?xml version="1.0" encoding="utf-8"?>
+<p:sld xmlns:a="http://schemas.openxmlformats.org/drawingml/2006/main" xmlns:r="http://schemas.openxmlformats.org/officeDocument/2006/relationships" xmlns:p="http://schemas.openxmlformats.org/presentationml/2006/main">
+  <p:cSld>
+    <p:spTree>
+      <p:nvGrpSpPr>
+        <p:cNvPr id="1" name=""/>
+        <p:cNvGrpSpPr/>
+        <p:nvPr/>
+      </p:nvGrpSpPr>
+      <p:grpSpPr>
+        <a:xfrm>
+          <a:off x="0" y="0"/>
+          <a:ext cx="0" cy="0"/>
+          <a:chOff x="0" y="0"/>
+          <a:chExt cx="0" cy="0"/>
+        </a:xfrm>
+      </p:grpSpPr>
+      <p:sp>
+        <p:nvSpPr>
+          <p:cNvPr id="2" name="Title 1">
+            <a:extLst>
+              <a:ext uri="{FF2B5EF4-FFF2-40B4-BE49-F238E27FC236}">
+                <a16:creationId xmlns:a16="http://schemas.microsoft.com/office/drawing/2014/main" id="{97248CF5-1831-462A-B3D7-EBA6E960664B}"/>
+              </a:ext>
+            </a:extLst>
+          </p:cNvPr>
+          <p:cNvSpPr>
+            <a:spLocks noGrp="1"/>
+          </p:cNvSpPr>
+          <p:nvPr>
+            <p:ph type="title"/>
+          </p:nvPr>
+        </p:nvSpPr>
+        <p:spPr/>
+        <p:txBody>
+          <a:bodyPr/>
+          <a:lstStyle/>
+          <a:p>
+            <a:r>
+              <a:rPr lang="en-US" dirty="0"/>
+              <a:t>Discussion</a:t>
+            </a:r>
+          </a:p>
+        </p:txBody>
+      </p:sp>
+      <p:sp>
+        <p:nvSpPr>
+          <p:cNvPr id="3" name="Content Placeholder 2">
+            <a:extLst>
+              <a:ext uri="{FF2B5EF4-FFF2-40B4-BE49-F238E27FC236}">
+                <a16:creationId xmlns:a16="http://schemas.microsoft.com/office/drawing/2014/main" id="{EED7B50D-6AA5-441C-9DD3-A2F37BCDA790}"/>
+              </a:ext>
+            </a:extLst>
+          </p:cNvPr>
+          <p:cNvSpPr>
+            <a:spLocks noGrp="1"/>
+          </p:cNvSpPr>
+          <p:nvPr>
+            <p:ph idx="1"/>
+          </p:nvPr>
+        </p:nvSpPr>
+        <p:spPr/>
+        <p:txBody>
+          <a:bodyPr/>
+          <a:lstStyle/>
+          <a:p>
+            <a:r>
+              <a:rPr lang="en-US" dirty="0"/>
+              <a:t>* Discuss your findings. Did you find what you expected to find? If not, why not? What inferences or general conclusions can you draw from your analysis?</a:t>
+            </a:r>
+          </a:p>
+          <a:p>
+            <a:endParaRPr lang="en-US" dirty="0"/>
+          </a:p>
+          <a:p>
+            <a:endParaRPr lang="en-US" dirty="0"/>
+          </a:p>
+        </p:txBody>
+      </p:sp>
+    </p:spTree>
+    <p:extLst>
+      <p:ext uri="{BB962C8B-B14F-4D97-AF65-F5344CB8AC3E}">
+        <p14:creationId xmlns:p14="http://schemas.microsoft.com/office/powerpoint/2010/main" val="2073487855"/>
+      </p:ext>
+    </p:extLst>
+  </p:cSld>
+  <p:clrMapOvr>
+    <a:masterClrMapping/>
+  </p:clrMapOvr>
+</p:sld>
+</file>
+
+<file path=ppt/slides/slide19.xml><?xml version="1.0" encoding="utf-8"?>
+<p:sld xmlns:a="http://schemas.openxmlformats.org/drawingml/2006/main" xmlns:r="http://schemas.openxmlformats.org/officeDocument/2006/relationships" xmlns:p="http://schemas.openxmlformats.org/presentationml/2006/main">
+  <p:cSld>
+    <p:spTree>
+      <p:nvGrpSpPr>
+        <p:cNvPr id="1" name=""/>
+        <p:cNvGrpSpPr/>
+        <p:nvPr/>
+      </p:nvGrpSpPr>
+      <p:grpSpPr>
+        <a:xfrm>
+          <a:off x="0" y="0"/>
+          <a:ext cx="0" cy="0"/>
+          <a:chOff x="0" y="0"/>
+          <a:chExt cx="0" cy="0"/>
+        </a:xfrm>
+      </p:grpSpPr>
+      <p:sp>
+        <p:nvSpPr>
+          <p:cNvPr id="2" name="Title 1">
+            <a:extLst>
+              <a:ext uri="{FF2B5EF4-FFF2-40B4-BE49-F238E27FC236}">
+                <a16:creationId xmlns:a16="http://schemas.microsoft.com/office/drawing/2014/main" id="{C83672AA-12CB-4A35-B30E-294360B02FDA}"/>
+              </a:ext>
+            </a:extLst>
+          </p:cNvPr>
+          <p:cNvSpPr>
+            <a:spLocks noGrp="1"/>
+          </p:cNvSpPr>
+          <p:nvPr>
+            <p:ph type="title"/>
+          </p:nvPr>
+        </p:nvSpPr>
+        <p:spPr/>
+        <p:txBody>
+          <a:bodyPr/>
+          <a:lstStyle/>
+          <a:p>
+            <a:r>
+              <a:rPr lang="en-US" dirty="0"/>
+              <a:t>Post Mortem	</a:t>
+            </a:r>
+          </a:p>
+        </p:txBody>
+      </p:sp>
+      <p:sp>
+        <p:nvSpPr>
+          <p:cNvPr id="3" name="Content Placeholder 2">
+            <a:extLst>
+              <a:ext uri="{FF2B5EF4-FFF2-40B4-BE49-F238E27FC236}">
+                <a16:creationId xmlns:a16="http://schemas.microsoft.com/office/drawing/2014/main" id="{B588E67A-F69E-4E01-B2A5-CEB672C91740}"/>
+              </a:ext>
+            </a:extLst>
+          </p:cNvPr>
+          <p:cNvSpPr>
+            <a:spLocks noGrp="1"/>
+          </p:cNvSpPr>
+          <p:nvPr>
+            <p:ph idx="1"/>
+          </p:nvPr>
+        </p:nvSpPr>
+        <p:spPr/>
+        <p:txBody>
+          <a:bodyPr>
+            <a:normAutofit fontScale="70000" lnSpcReduction="20000"/>
+          </a:bodyPr>
+          <a:lstStyle/>
+          <a:p>
+            <a:r>
+              <a:rPr lang="en-US" dirty="0"/>
+              <a:t>  * Discuss any difficulties that arose, and how you dealt with them</a:t>
+            </a:r>
+          </a:p>
+          <a:p>
+            <a:pPr lvl="1"/>
+            <a:r>
+              <a:rPr lang="en-US" dirty="0"/>
+              <a:t>Large datasets required a lot more time to sort through and clean.</a:t>
+            </a:r>
+          </a:p>
+          <a:p>
+            <a:pPr lvl="1"/>
+            <a:r>
+              <a:rPr lang="en-US" dirty="0"/>
+              <a:t>Some datasets were not large enough to create an accurate representation.</a:t>
+            </a:r>
+          </a:p>
+          <a:p>
+            <a:pPr lvl="1"/>
+            <a:r>
+              <a:rPr lang="en-US" dirty="0"/>
+              <a:t>Collaborating with groupmates using a new unfamiliar system. (e.g. </a:t>
+            </a:r>
+            <a:r>
+              <a:rPr lang="en-US" dirty="0" err="1"/>
+              <a:t>github</a:t>
+            </a:r>
+            <a:r>
+              <a:rPr lang="en-US" dirty="0"/>
+              <a:t>)</a:t>
+            </a:r>
+          </a:p>
+          <a:p>
+            <a:pPr lvl="1"/>
+            <a:r>
+              <a:rPr lang="en-US" dirty="0"/>
+              <a:t>Due to current pandemic, all meetings had to be virtual. Harder to coordinate with teacher and groupmates. </a:t>
+            </a:r>
+          </a:p>
+          <a:p>
+            <a:r>
+              <a:rPr lang="en-US" dirty="0"/>
+              <a:t>  * Discuss any additional questions that came up, but which you didn't have time to answer: What would you research next, if you had two more weeks?</a:t>
+            </a:r>
+          </a:p>
+          <a:p>
+            <a:pPr lvl="1"/>
+            <a:r>
+              <a:rPr lang="en-US" dirty="0"/>
+              <a:t>If we had two more weeks, probably include more datasets. Maybe incorporate an </a:t>
+            </a:r>
+            <a:r>
+              <a:rPr lang="en-US" dirty="0" err="1"/>
+              <a:t>api</a:t>
+            </a:r>
+            <a:r>
+              <a:rPr lang="en-US" dirty="0"/>
+              <a:t> like a weather </a:t>
+            </a:r>
+            <a:r>
+              <a:rPr lang="en-US" dirty="0" err="1"/>
+              <a:t>api</a:t>
+            </a:r>
+            <a:r>
+              <a:rPr lang="en-US" dirty="0"/>
+              <a:t>. </a:t>
+            </a:r>
+          </a:p>
+          <a:p>
+            <a:pPr lvl="1"/>
+            <a:r>
+              <a:rPr lang="en-US" dirty="0"/>
+              <a:t>Additional questions:</a:t>
+            </a:r>
+          </a:p>
+          <a:p>
+            <a:pPr lvl="2"/>
+            <a:r>
+              <a:rPr lang="en-US" dirty="0"/>
+              <a:t>“Does geography play a large factor in temperature changes?”</a:t>
+            </a:r>
+          </a:p>
+          <a:p>
+            <a:pPr lvl="2"/>
+            <a:r>
+              <a:rPr lang="en-US" dirty="0"/>
+              <a:t>“Does population size have an effect on temperature in a region?”</a:t>
+            </a:r>
+          </a:p>
+          <a:p>
+            <a:pPr lvl="2"/>
+            <a:r>
+              <a:rPr lang="en-US" dirty="0"/>
+              <a:t>“Avg CO</a:t>
+            </a:r>
+            <a:r>
+              <a:rPr lang="en-US" baseline="-25000" dirty="0"/>
+              <a:t>2 </a:t>
+            </a:r>
+            <a:r>
+              <a:rPr lang="en-US" dirty="0"/>
+              <a:t>emissions per capita per state (Carbon Footprint)” </a:t>
+            </a:r>
+          </a:p>
+          <a:p>
+            <a:pPr marL="0" indent="0">
+              <a:buNone/>
+            </a:pPr>
+            <a:br>
+              <a:rPr lang="en-US" dirty="0"/>
+            </a:br>
+            <a:endParaRPr lang="en-US" dirty="0"/>
+          </a:p>
+          <a:p>
+            <a:endParaRPr lang="en-US" dirty="0"/>
+          </a:p>
+        </p:txBody>
+      </p:sp>
+    </p:spTree>
+    <p:extLst>
+      <p:ext uri="{BB962C8B-B14F-4D97-AF65-F5344CB8AC3E}">
+        <p14:creationId xmlns:p14="http://schemas.microsoft.com/office/powerpoint/2010/main" val="3388197764"/>
       </p:ext>
     </p:extLst>
   </p:cSld>
@@ -8623,6 +9495,101 @@
     <p:extLst>
       <p:ext uri="{BB962C8B-B14F-4D97-AF65-F5344CB8AC3E}">
         <p14:creationId xmlns:p14="http://schemas.microsoft.com/office/powerpoint/2010/main" val="2693851674"/>
+      </p:ext>
+    </p:extLst>
+  </p:cSld>
+  <p:clrMapOvr>
+    <a:masterClrMapping/>
+  </p:clrMapOvr>
+</p:sld>
+</file>
+
+<file path=ppt/slides/slide20.xml><?xml version="1.0" encoding="utf-8"?>
+<p:sld xmlns:a="http://schemas.openxmlformats.org/drawingml/2006/main" xmlns:r="http://schemas.openxmlformats.org/officeDocument/2006/relationships" xmlns:p="http://schemas.openxmlformats.org/presentationml/2006/main">
+  <p:cSld>
+    <p:spTree>
+      <p:nvGrpSpPr>
+        <p:cNvPr id="1" name=""/>
+        <p:cNvGrpSpPr/>
+        <p:nvPr/>
+      </p:nvGrpSpPr>
+      <p:grpSpPr>
+        <a:xfrm>
+          <a:off x="0" y="0"/>
+          <a:ext cx="0" cy="0"/>
+          <a:chOff x="0" y="0"/>
+          <a:chExt cx="0" cy="0"/>
+        </a:xfrm>
+      </p:grpSpPr>
+      <p:sp>
+        <p:nvSpPr>
+          <p:cNvPr id="2" name="Title 1">
+            <a:extLst>
+              <a:ext uri="{FF2B5EF4-FFF2-40B4-BE49-F238E27FC236}">
+                <a16:creationId xmlns:a16="http://schemas.microsoft.com/office/drawing/2014/main" id="{A9135A3E-7DD3-4B69-B61F-82AAA5DD4DDE}"/>
+              </a:ext>
+            </a:extLst>
+          </p:cNvPr>
+          <p:cNvSpPr>
+            <a:spLocks noGrp="1"/>
+          </p:cNvSpPr>
+          <p:nvPr>
+            <p:ph type="title"/>
+          </p:nvPr>
+        </p:nvSpPr>
+        <p:spPr/>
+        <p:txBody>
+          <a:bodyPr>
+            <a:normAutofit/>
+          </a:bodyPr>
+          <a:lstStyle/>
+          <a:p>
+            <a:r>
+              <a:rPr lang="en-US" sz="7000" dirty="0"/>
+              <a:t>Questions?</a:t>
+            </a:r>
+          </a:p>
+        </p:txBody>
+      </p:sp>
+      <p:pic>
+        <p:nvPicPr>
+          <p:cNvPr id="5" name="Content Placeholder 4">
+            <a:extLst>
+              <a:ext uri="{FF2B5EF4-FFF2-40B4-BE49-F238E27FC236}">
+                <a16:creationId xmlns:a16="http://schemas.microsoft.com/office/drawing/2014/main" id="{4888FE66-0AC7-4880-818B-38BBFE28A208}"/>
+              </a:ext>
+            </a:extLst>
+          </p:cNvPr>
+          <p:cNvPicPr>
+            <a:picLocks noGrp="1" noChangeAspect="1"/>
+          </p:cNvPicPr>
+          <p:nvPr>
+            <p:ph idx="1"/>
+          </p:nvPr>
+        </p:nvPicPr>
+        <p:blipFill>
+          <a:blip r:embed="rId2">
+            <a:extLst>
+              <a:ext uri="{28A0092B-C50C-407E-A947-70E740481C1C}">
+                <a14:useLocalDpi xmlns:a14="http://schemas.microsoft.com/office/drawing/2010/main" val="0"/>
+              </a:ext>
+            </a:extLst>
+          </a:blip>
+          <a:stretch>
+            <a:fillRect/>
+          </a:stretch>
+        </p:blipFill>
+        <p:spPr>
+          <a:xfrm>
+            <a:off x="3002693" y="2505909"/>
+            <a:ext cx="5398294" cy="3598863"/>
+          </a:xfrm>
+        </p:spPr>
+      </p:pic>
+    </p:spTree>
+    <p:extLst>
+      <p:ext uri="{BB962C8B-B14F-4D97-AF65-F5344CB8AC3E}">
+        <p14:creationId xmlns:p14="http://schemas.microsoft.com/office/powerpoint/2010/main" val="4011974717"/>
       </p:ext>
     </p:extLst>
   </p:cSld>

--- a/CO2emissionsVsTempPP.pptx
+++ b/CO2emissionsVsTempPP.pptx
@@ -10,10 +10,20 @@
     <p:sldId id="258" r:id="rId4"/>
     <p:sldId id="259" r:id="rId5"/>
     <p:sldId id="260" r:id="rId6"/>
-    <p:sldId id="261" r:id="rId7"/>
-    <p:sldId id="262" r:id="rId8"/>
-    <p:sldId id="263" r:id="rId9"/>
-    <p:sldId id="264" r:id="rId10"/>
+    <p:sldId id="265" r:id="rId7"/>
+    <p:sldId id="266" r:id="rId8"/>
+    <p:sldId id="267" r:id="rId9"/>
+    <p:sldId id="272" r:id="rId10"/>
+    <p:sldId id="273" r:id="rId11"/>
+    <p:sldId id="274" r:id="rId12"/>
+    <p:sldId id="275" r:id="rId13"/>
+    <p:sldId id="276" r:id="rId14"/>
+    <p:sldId id="277" r:id="rId15"/>
+    <p:sldId id="268" r:id="rId16"/>
+    <p:sldId id="269" r:id="rId17"/>
+    <p:sldId id="270" r:id="rId18"/>
+    <p:sldId id="263" r:id="rId19"/>
+    <p:sldId id="264" r:id="rId20"/>
   </p:sldIdLst>
   <p:sldSz cx="12192000" cy="6858000"/>
   <p:notesSz cx="6858000" cy="9144000"/>
@@ -112,6 +122,11 @@
       </a:defRPr>
     </a:lvl9pPr>
   </p:defaultTextStyle>
+  <p:extLst>
+    <p:ext uri="{EFAFB233-063F-42B5-8137-9DF3F51BA10A}">
+      <p15:sldGuideLst xmlns:p15="http://schemas.microsoft.com/office/powerpoint/2012/main"/>
+    </p:ext>
+  </p:extLst>
 </p:presentation>
 </file>
 
@@ -389,7 +404,7 @@
           <a:p>
             <a:fld id="{9952718B-077F-4DEB-9E97-D229CF2BAA78}" type="datetimeFigureOut">
               <a:rPr lang="en-US" smtClean="0"/>
-              <a:t>4/4/2020</a:t>
+              <a:t>4/7/2020</a:t>
             </a:fld>
             <a:endParaRPr lang="en-US"/>
           </a:p>
@@ -803,7 +818,7 @@
           <a:p>
             <a:fld id="{9952718B-077F-4DEB-9E97-D229CF2BAA78}" type="datetimeFigureOut">
               <a:rPr lang="en-US" smtClean="0"/>
-              <a:t>4/4/2020</a:t>
+              <a:t>4/7/2020</a:t>
             </a:fld>
             <a:endParaRPr lang="en-US"/>
           </a:p>
@@ -1139,7 +1154,7 @@
           <a:p>
             <a:fld id="{9952718B-077F-4DEB-9E97-D229CF2BAA78}" type="datetimeFigureOut">
               <a:rPr lang="en-US" smtClean="0"/>
-              <a:t>4/4/2020</a:t>
+              <a:t>4/7/2020</a:t>
             </a:fld>
             <a:endParaRPr lang="en-US"/>
           </a:p>
@@ -1544,7 +1559,7 @@
           <a:p>
             <a:fld id="{9952718B-077F-4DEB-9E97-D229CF2BAA78}" type="datetimeFigureOut">
               <a:rPr lang="en-US" smtClean="0"/>
-              <a:t>4/4/2020</a:t>
+              <a:t>4/7/2020</a:t>
             </a:fld>
             <a:endParaRPr lang="en-US"/>
           </a:p>
@@ -2112,7 +2127,7 @@
           <a:p>
             <a:fld id="{9952718B-077F-4DEB-9E97-D229CF2BAA78}" type="datetimeFigureOut">
               <a:rPr lang="en-US" smtClean="0"/>
-              <a:t>4/4/2020</a:t>
+              <a:t>4/7/2020</a:t>
             </a:fld>
             <a:endParaRPr lang="en-US"/>
           </a:p>
@@ -2793,7 +2808,7 @@
           <a:p>
             <a:fld id="{9952718B-077F-4DEB-9E97-D229CF2BAA78}" type="datetimeFigureOut">
               <a:rPr lang="en-US" smtClean="0"/>
-              <a:t>4/4/2020</a:t>
+              <a:t>4/7/2020</a:t>
             </a:fld>
             <a:endParaRPr lang="en-US"/>
           </a:p>
@@ -3706,7 +3721,7 @@
           <a:p>
             <a:fld id="{9952718B-077F-4DEB-9E97-D229CF2BAA78}" type="datetimeFigureOut">
               <a:rPr lang="en-US" smtClean="0"/>
-              <a:t>4/4/2020</a:t>
+              <a:t>4/7/2020</a:t>
             </a:fld>
             <a:endParaRPr lang="en-US"/>
           </a:p>
@@ -4019,7 +4034,7 @@
           <a:p>
             <a:fld id="{9952718B-077F-4DEB-9E97-D229CF2BAA78}" type="datetimeFigureOut">
               <a:rPr lang="en-US" smtClean="0"/>
-              <a:t>4/4/2020</a:t>
+              <a:t>4/7/2020</a:t>
             </a:fld>
             <a:endParaRPr lang="en-US"/>
           </a:p>
@@ -4283,7 +4298,7 @@
           <a:p>
             <a:fld id="{9952718B-077F-4DEB-9E97-D229CF2BAA78}" type="datetimeFigureOut">
               <a:rPr lang="en-US" smtClean="0"/>
-              <a:t>4/4/2020</a:t>
+              <a:t>4/7/2020</a:t>
             </a:fld>
             <a:endParaRPr lang="en-US"/>
           </a:p>
@@ -4606,7 +4621,7 @@
           <a:p>
             <a:fld id="{9952718B-077F-4DEB-9E97-D229CF2BAA78}" type="datetimeFigureOut">
               <a:rPr lang="en-US" smtClean="0"/>
-              <a:t>4/4/2020</a:t>
+              <a:t>4/7/2020</a:t>
             </a:fld>
             <a:endParaRPr lang="en-US"/>
           </a:p>
@@ -4995,7 +5010,7 @@
           <a:p>
             <a:fld id="{9952718B-077F-4DEB-9E97-D229CF2BAA78}" type="datetimeFigureOut">
               <a:rPr lang="en-US" smtClean="0"/>
-              <a:t>4/4/2020</a:t>
+              <a:t>4/7/2020</a:t>
             </a:fld>
             <a:endParaRPr lang="en-US"/>
           </a:p>
@@ -5371,7 +5386,7 @@
           <a:p>
             <a:fld id="{9952718B-077F-4DEB-9E97-D229CF2BAA78}" type="datetimeFigureOut">
               <a:rPr lang="en-US" smtClean="0"/>
-              <a:t>4/4/2020</a:t>
+              <a:t>4/7/2020</a:t>
             </a:fld>
             <a:endParaRPr lang="en-US"/>
           </a:p>
@@ -5877,7 +5892,7 @@
           <a:p>
             <a:fld id="{9952718B-077F-4DEB-9E97-D229CF2BAA78}" type="datetimeFigureOut">
               <a:rPr lang="en-US" smtClean="0"/>
-              <a:t>4/4/2020</a:t>
+              <a:t>4/7/2020</a:t>
             </a:fld>
             <a:endParaRPr lang="en-US"/>
           </a:p>
@@ -6134,7 +6149,7 @@
           <a:p>
             <a:fld id="{9952718B-077F-4DEB-9E97-D229CF2BAA78}" type="datetimeFigureOut">
               <a:rPr lang="en-US" smtClean="0"/>
-              <a:t>4/4/2020</a:t>
+              <a:t>4/7/2020</a:t>
             </a:fld>
             <a:endParaRPr lang="en-US"/>
           </a:p>
@@ -6297,7 +6312,7 @@
           <a:p>
             <a:fld id="{9952718B-077F-4DEB-9E97-D229CF2BAA78}" type="datetimeFigureOut">
               <a:rPr lang="en-US" smtClean="0"/>
-              <a:t>4/4/2020</a:t>
+              <a:t>4/7/2020</a:t>
             </a:fld>
             <a:endParaRPr lang="en-US"/>
           </a:p>
@@ -6687,7 +6702,7 @@
           <a:p>
             <a:fld id="{9952718B-077F-4DEB-9E97-D229CF2BAA78}" type="datetimeFigureOut">
               <a:rPr lang="en-US" smtClean="0"/>
-              <a:t>4/4/2020</a:t>
+              <a:t>4/7/2020</a:t>
             </a:fld>
             <a:endParaRPr lang="en-US"/>
           </a:p>
@@ -7096,7 +7111,7 @@
           <a:p>
             <a:fld id="{9952718B-077F-4DEB-9E97-D229CF2BAA78}" type="datetimeFigureOut">
               <a:rPr lang="en-US" smtClean="0"/>
-              <a:t>4/4/2020</a:t>
+              <a:t>4/7/2020</a:t>
             </a:fld>
             <a:endParaRPr lang="en-US"/>
           </a:p>
@@ -7340,7 +7355,7 @@
           <a:p>
             <a:fld id="{9952718B-077F-4DEB-9E97-D229CF2BAA78}" type="datetimeFigureOut">
               <a:rPr lang="en-US" smtClean="0"/>
-              <a:t>4/4/2020</a:t>
+              <a:t>4/7/2020</a:t>
             </a:fld>
             <a:endParaRPr lang="en-US"/>
           </a:p>
@@ -7831,6 +7846,1506 @@
 </p:sld>
 </file>
 
+<file path=ppt/slides/slide10.xml><?xml version="1.0" encoding="utf-8"?>
+<p:sld xmlns:a="http://schemas.openxmlformats.org/drawingml/2006/main" xmlns:r="http://schemas.openxmlformats.org/officeDocument/2006/relationships" xmlns:p="http://schemas.openxmlformats.org/presentationml/2006/main">
+  <p:cSld>
+    <p:spTree>
+      <p:nvGrpSpPr>
+        <p:cNvPr id="1" name=""/>
+        <p:cNvGrpSpPr/>
+        <p:nvPr/>
+      </p:nvGrpSpPr>
+      <p:grpSpPr>
+        <a:xfrm>
+          <a:off x="0" y="0"/>
+          <a:ext cx="0" cy="0"/>
+          <a:chOff x="0" y="0"/>
+          <a:chExt cx="0" cy="0"/>
+        </a:xfrm>
+      </p:grpSpPr>
+      <p:pic>
+        <p:nvPicPr>
+          <p:cNvPr id="12" name="Picture 11" descr="A close up of a logo&#10;&#10;Description automatically generated">
+            <a:extLst>
+              <a:ext uri="{FF2B5EF4-FFF2-40B4-BE49-F238E27FC236}">
+                <a16:creationId xmlns:a16="http://schemas.microsoft.com/office/drawing/2014/main" id="{D9EF2763-5468-1448-883F-765E3088CF43}"/>
+              </a:ext>
+            </a:extLst>
+          </p:cNvPr>
+          <p:cNvPicPr>
+            <a:picLocks noChangeAspect="1"/>
+          </p:cNvPicPr>
+          <p:nvPr/>
+        </p:nvPicPr>
+        <p:blipFill>
+          <a:blip r:embed="rId2">
+            <a:extLst>
+              <a:ext uri="{28A0092B-C50C-407E-A947-70E740481C1C}">
+                <a14:useLocalDpi xmlns:a14="http://schemas.microsoft.com/office/drawing/2010/main" val="0"/>
+              </a:ext>
+            </a:extLst>
+          </a:blip>
+          <a:stretch>
+            <a:fillRect/>
+          </a:stretch>
+        </p:blipFill>
+        <p:spPr>
+          <a:xfrm>
+            <a:off x="173620" y="2280213"/>
+            <a:ext cx="11840902" cy="3588152"/>
+          </a:xfrm>
+          <a:prstGeom prst="rect">
+            <a:avLst/>
+          </a:prstGeom>
+        </p:spPr>
+      </p:pic>
+      <p:sp>
+        <p:nvSpPr>
+          <p:cNvPr id="2" name="Title 1">
+            <a:extLst>
+              <a:ext uri="{FF2B5EF4-FFF2-40B4-BE49-F238E27FC236}">
+                <a16:creationId xmlns:a16="http://schemas.microsoft.com/office/drawing/2014/main" id="{9531459F-1C71-4998-B8C2-22EDABF9B1E8}"/>
+              </a:ext>
+            </a:extLst>
+          </p:cNvPr>
+          <p:cNvSpPr>
+            <a:spLocks noGrp="1"/>
+          </p:cNvSpPr>
+          <p:nvPr>
+            <p:ph type="title"/>
+          </p:nvPr>
+        </p:nvSpPr>
+        <p:spPr/>
+        <p:txBody>
+          <a:bodyPr/>
+          <a:lstStyle/>
+          <a:p>
+            <a:r>
+              <a:rPr lang="en-US" dirty="0"/>
+              <a:t>California – </a:t>
+            </a:r>
+            <a:r>
+              <a:rPr lang="en-US" altLang="zh-CN" dirty="0"/>
+              <a:t>Winter</a:t>
+            </a:r>
+            <a:r>
+              <a:rPr lang="en-US" dirty="0"/>
+              <a:t> Data </a:t>
+            </a:r>
+          </a:p>
+        </p:txBody>
+      </p:sp>
+      <p:pic>
+        <p:nvPicPr>
+          <p:cNvPr id="6" name="Content Placeholder 5" descr="A picture containing white, water, group, flying&#10;&#10;Description automatically generated">
+            <a:extLst>
+              <a:ext uri="{FF2B5EF4-FFF2-40B4-BE49-F238E27FC236}">
+                <a16:creationId xmlns:a16="http://schemas.microsoft.com/office/drawing/2014/main" id="{5098C7C4-10CA-4045-B31F-AD3A89B39E7E}"/>
+              </a:ext>
+            </a:extLst>
+          </p:cNvPr>
+          <p:cNvPicPr>
+            <a:picLocks noGrp="1" noChangeAspect="1"/>
+          </p:cNvPicPr>
+          <p:nvPr>
+            <p:ph idx="1"/>
+          </p:nvPr>
+        </p:nvPicPr>
+        <p:blipFill>
+          <a:blip r:embed="rId3">
+            <a:extLst>
+              <a:ext uri="{28A0092B-C50C-407E-A947-70E740481C1C}">
+                <a14:useLocalDpi xmlns:a14="http://schemas.microsoft.com/office/drawing/2010/main" val="0"/>
+              </a:ext>
+            </a:extLst>
+          </a:blip>
+          <a:stretch>
+            <a:fillRect/>
+          </a:stretch>
+        </p:blipFill>
+        <p:spPr>
+          <a:xfrm>
+            <a:off x="349264" y="2381693"/>
+            <a:ext cx="5746736" cy="3359888"/>
+          </a:xfrm>
+        </p:spPr>
+      </p:pic>
+      <p:pic>
+        <p:nvPicPr>
+          <p:cNvPr id="9" name="Picture 8" descr="A picture containing white, sitting, water, table&#10;&#10;Description automatically generated">
+            <a:extLst>
+              <a:ext uri="{FF2B5EF4-FFF2-40B4-BE49-F238E27FC236}">
+                <a16:creationId xmlns:a16="http://schemas.microsoft.com/office/drawing/2014/main" id="{3990F22E-D280-E943-BDE0-80DBB0E3F18E}"/>
+              </a:ext>
+            </a:extLst>
+          </p:cNvPr>
+          <p:cNvPicPr>
+            <a:picLocks noChangeAspect="1"/>
+          </p:cNvPicPr>
+          <p:nvPr/>
+        </p:nvPicPr>
+        <p:blipFill>
+          <a:blip r:embed="rId4">
+            <a:extLst>
+              <a:ext uri="{28A0092B-C50C-407E-A947-70E740481C1C}">
+                <a14:useLocalDpi xmlns:a14="http://schemas.microsoft.com/office/drawing/2010/main" val="0"/>
+              </a:ext>
+            </a:extLst>
+          </a:blip>
+          <a:stretch>
+            <a:fillRect/>
+          </a:stretch>
+        </p:blipFill>
+        <p:spPr>
+          <a:xfrm>
+            <a:off x="6096000" y="2381693"/>
+            <a:ext cx="5746736" cy="3359888"/>
+          </a:xfrm>
+          <a:prstGeom prst="rect">
+            <a:avLst/>
+          </a:prstGeom>
+        </p:spPr>
+      </p:pic>
+    </p:spTree>
+    <p:extLst>
+      <p:ext uri="{BB962C8B-B14F-4D97-AF65-F5344CB8AC3E}">
+        <p14:creationId xmlns:p14="http://schemas.microsoft.com/office/powerpoint/2010/main" val="790379562"/>
+      </p:ext>
+    </p:extLst>
+  </p:cSld>
+  <p:clrMapOvr>
+    <a:masterClrMapping/>
+  </p:clrMapOvr>
+</p:sld>
+</file>
+
+<file path=ppt/slides/slide11.xml><?xml version="1.0" encoding="utf-8"?>
+<p:sld xmlns:a="http://schemas.openxmlformats.org/drawingml/2006/main" xmlns:r="http://schemas.openxmlformats.org/officeDocument/2006/relationships" xmlns:p="http://schemas.openxmlformats.org/presentationml/2006/main">
+  <p:cSld>
+    <p:spTree>
+      <p:nvGrpSpPr>
+        <p:cNvPr id="1" name=""/>
+        <p:cNvGrpSpPr/>
+        <p:nvPr/>
+      </p:nvGrpSpPr>
+      <p:grpSpPr>
+        <a:xfrm>
+          <a:off x="0" y="0"/>
+          <a:ext cx="0" cy="0"/>
+          <a:chOff x="0" y="0"/>
+          <a:chExt cx="0" cy="0"/>
+        </a:xfrm>
+      </p:grpSpPr>
+      <p:pic>
+        <p:nvPicPr>
+          <p:cNvPr id="26" name="Picture 25" descr="A close up of a logo&#10;&#10;Description automatically generated">
+            <a:extLst>
+              <a:ext uri="{FF2B5EF4-FFF2-40B4-BE49-F238E27FC236}">
+                <a16:creationId xmlns:a16="http://schemas.microsoft.com/office/drawing/2014/main" id="{57AD3F6A-C966-014B-8092-DB82975B924E}"/>
+              </a:ext>
+            </a:extLst>
+          </p:cNvPr>
+          <p:cNvPicPr>
+            <a:picLocks noChangeAspect="1"/>
+          </p:cNvPicPr>
+          <p:nvPr/>
+        </p:nvPicPr>
+        <p:blipFill>
+          <a:blip r:embed="rId2">
+            <a:extLst>
+              <a:ext uri="{28A0092B-C50C-407E-A947-70E740481C1C}">
+                <a14:useLocalDpi xmlns:a14="http://schemas.microsoft.com/office/drawing/2010/main" val="0"/>
+              </a:ext>
+            </a:extLst>
+          </a:blip>
+          <a:stretch>
+            <a:fillRect/>
+          </a:stretch>
+        </p:blipFill>
+        <p:spPr>
+          <a:xfrm>
+            <a:off x="2475648" y="2095019"/>
+            <a:ext cx="6437810" cy="4323538"/>
+          </a:xfrm>
+          <a:prstGeom prst="rect">
+            <a:avLst/>
+          </a:prstGeom>
+        </p:spPr>
+      </p:pic>
+      <p:sp>
+        <p:nvSpPr>
+          <p:cNvPr id="2" name="Title 1">
+            <a:extLst>
+              <a:ext uri="{FF2B5EF4-FFF2-40B4-BE49-F238E27FC236}">
+                <a16:creationId xmlns:a16="http://schemas.microsoft.com/office/drawing/2014/main" id="{D57B4B0D-40EC-414A-A545-7533F6D7BEAE}"/>
+              </a:ext>
+            </a:extLst>
+          </p:cNvPr>
+          <p:cNvSpPr>
+            <a:spLocks noGrp="1"/>
+          </p:cNvSpPr>
+          <p:nvPr>
+            <p:ph type="title"/>
+          </p:nvPr>
+        </p:nvSpPr>
+        <p:spPr/>
+        <p:txBody>
+          <a:bodyPr/>
+          <a:lstStyle/>
+          <a:p>
+            <a:r>
+              <a:rPr lang="en-US"/>
+              <a:t>Illinois – </a:t>
+            </a:r>
+            <a:r>
+              <a:rPr lang="en-US" altLang="zh-CN"/>
+              <a:t>Winter</a:t>
+            </a:r>
+            <a:r>
+              <a:rPr lang="en-US"/>
+              <a:t> Data</a:t>
+            </a:r>
+            <a:endParaRPr lang="en-US" dirty="0"/>
+          </a:p>
+        </p:txBody>
+      </p:sp>
+      <p:pic>
+        <p:nvPicPr>
+          <p:cNvPr id="9" name="Content Placeholder 8" descr="A close up of a map&#10;&#10;Description automatically generated">
+            <a:extLst>
+              <a:ext uri="{FF2B5EF4-FFF2-40B4-BE49-F238E27FC236}">
+                <a16:creationId xmlns:a16="http://schemas.microsoft.com/office/drawing/2014/main" id="{DF2C0C79-99D8-5A48-9509-FADDD1E6DA1B}"/>
+              </a:ext>
+            </a:extLst>
+          </p:cNvPr>
+          <p:cNvPicPr>
+            <a:picLocks noGrp="1" noChangeAspect="1"/>
+          </p:cNvPicPr>
+          <p:nvPr>
+            <p:ph idx="1"/>
+          </p:nvPr>
+        </p:nvPicPr>
+        <p:blipFill>
+          <a:blip r:embed="rId3">
+            <a:extLst>
+              <a:ext uri="{28A0092B-C50C-407E-A947-70E740481C1C}">
+                <a14:useLocalDpi xmlns:a14="http://schemas.microsoft.com/office/drawing/2010/main" val="0"/>
+              </a:ext>
+            </a:extLst>
+          </a:blip>
+          <a:stretch>
+            <a:fillRect/>
+          </a:stretch>
+        </p:blipFill>
+        <p:spPr>
+          <a:xfrm>
+            <a:off x="2534473" y="2205738"/>
+            <a:ext cx="6378985" cy="4212819"/>
+          </a:xfrm>
+        </p:spPr>
+      </p:pic>
+    </p:spTree>
+    <p:extLst>
+      <p:ext uri="{BB962C8B-B14F-4D97-AF65-F5344CB8AC3E}">
+        <p14:creationId xmlns:p14="http://schemas.microsoft.com/office/powerpoint/2010/main" val="730572069"/>
+      </p:ext>
+    </p:extLst>
+  </p:cSld>
+  <p:clrMapOvr>
+    <a:masterClrMapping/>
+  </p:clrMapOvr>
+</p:sld>
+</file>
+
+<file path=ppt/slides/slide12.xml><?xml version="1.0" encoding="utf-8"?>
+<p:sld xmlns:a="http://schemas.openxmlformats.org/drawingml/2006/main" xmlns:r="http://schemas.openxmlformats.org/officeDocument/2006/relationships" xmlns:p="http://schemas.openxmlformats.org/presentationml/2006/main">
+  <p:cSld>
+    <p:spTree>
+      <p:nvGrpSpPr>
+        <p:cNvPr id="1" name=""/>
+        <p:cNvGrpSpPr/>
+        <p:nvPr/>
+      </p:nvGrpSpPr>
+      <p:grpSpPr>
+        <a:xfrm>
+          <a:off x="0" y="0"/>
+          <a:ext cx="0" cy="0"/>
+          <a:chOff x="0" y="0"/>
+          <a:chExt cx="0" cy="0"/>
+        </a:xfrm>
+      </p:grpSpPr>
+      <p:pic>
+        <p:nvPicPr>
+          <p:cNvPr id="11" name="Picture 10" descr="A close up of a logo&#10;&#10;Description automatically generated">
+            <a:extLst>
+              <a:ext uri="{FF2B5EF4-FFF2-40B4-BE49-F238E27FC236}">
+                <a16:creationId xmlns:a16="http://schemas.microsoft.com/office/drawing/2014/main" id="{72FDDCED-D983-BF42-9B15-295B3F0E12D1}"/>
+              </a:ext>
+            </a:extLst>
+          </p:cNvPr>
+          <p:cNvPicPr>
+            <a:picLocks noChangeAspect="1"/>
+          </p:cNvPicPr>
+          <p:nvPr/>
+        </p:nvPicPr>
+        <p:blipFill>
+          <a:blip r:embed="rId2">
+            <a:extLst>
+              <a:ext uri="{28A0092B-C50C-407E-A947-70E740481C1C}">
+                <a14:useLocalDpi xmlns:a14="http://schemas.microsoft.com/office/drawing/2010/main" val="0"/>
+              </a:ext>
+            </a:extLst>
+          </a:blip>
+          <a:stretch>
+            <a:fillRect/>
+          </a:stretch>
+        </p:blipFill>
+        <p:spPr>
+          <a:xfrm>
+            <a:off x="173620" y="2280213"/>
+            <a:ext cx="11840902" cy="3588152"/>
+          </a:xfrm>
+          <a:prstGeom prst="rect">
+            <a:avLst/>
+          </a:prstGeom>
+        </p:spPr>
+      </p:pic>
+      <p:sp>
+        <p:nvSpPr>
+          <p:cNvPr id="2" name="Title 1">
+            <a:extLst>
+              <a:ext uri="{FF2B5EF4-FFF2-40B4-BE49-F238E27FC236}">
+                <a16:creationId xmlns:a16="http://schemas.microsoft.com/office/drawing/2014/main" id="{9531459F-1C71-4998-B8C2-22EDABF9B1E8}"/>
+              </a:ext>
+            </a:extLst>
+          </p:cNvPr>
+          <p:cNvSpPr>
+            <a:spLocks noGrp="1"/>
+          </p:cNvSpPr>
+          <p:nvPr>
+            <p:ph type="title"/>
+          </p:nvPr>
+        </p:nvSpPr>
+        <p:spPr/>
+        <p:txBody>
+          <a:bodyPr/>
+          <a:lstStyle/>
+          <a:p>
+            <a:r>
+              <a:rPr lang="en-US" altLang="zh-CN" dirty="0"/>
+              <a:t>Illinois</a:t>
+            </a:r>
+            <a:r>
+              <a:rPr lang="en-US" dirty="0"/>
+              <a:t> – </a:t>
+            </a:r>
+            <a:r>
+              <a:rPr lang="en-US" altLang="zh-CN" dirty="0"/>
+              <a:t>Winter</a:t>
+            </a:r>
+            <a:r>
+              <a:rPr lang="en-US" dirty="0"/>
+              <a:t> Data </a:t>
+            </a:r>
+          </a:p>
+        </p:txBody>
+      </p:sp>
+      <p:pic>
+        <p:nvPicPr>
+          <p:cNvPr id="4" name="Picture 3" descr="A close up of a white wall&#10;&#10;Description automatically generated">
+            <a:extLst>
+              <a:ext uri="{FF2B5EF4-FFF2-40B4-BE49-F238E27FC236}">
+                <a16:creationId xmlns:a16="http://schemas.microsoft.com/office/drawing/2014/main" id="{C8F6B924-1E61-DD4B-82E7-C2F187B22FA3}"/>
+              </a:ext>
+            </a:extLst>
+          </p:cNvPr>
+          <p:cNvPicPr>
+            <a:picLocks noChangeAspect="1"/>
+          </p:cNvPicPr>
+          <p:nvPr/>
+        </p:nvPicPr>
+        <p:blipFill>
+          <a:blip r:embed="rId3">
+            <a:extLst>
+              <a:ext uri="{28A0092B-C50C-407E-A947-70E740481C1C}">
+                <a14:useLocalDpi xmlns:a14="http://schemas.microsoft.com/office/drawing/2010/main" val="0"/>
+              </a:ext>
+            </a:extLst>
+          </a:blip>
+          <a:stretch>
+            <a:fillRect/>
+          </a:stretch>
+        </p:blipFill>
+        <p:spPr>
+          <a:xfrm>
+            <a:off x="349264" y="2381693"/>
+            <a:ext cx="5619751" cy="3359888"/>
+          </a:xfrm>
+          <a:prstGeom prst="rect">
+            <a:avLst/>
+          </a:prstGeom>
+        </p:spPr>
+      </p:pic>
+      <p:pic>
+        <p:nvPicPr>
+          <p:cNvPr id="10" name="Picture 9" descr="A picture containing white, room, table, sitting&#10;&#10;Description automatically generated">
+            <a:extLst>
+              <a:ext uri="{FF2B5EF4-FFF2-40B4-BE49-F238E27FC236}">
+                <a16:creationId xmlns:a16="http://schemas.microsoft.com/office/drawing/2014/main" id="{04D9A711-2B08-1147-974F-6C7AF1C42527}"/>
+              </a:ext>
+            </a:extLst>
+          </p:cNvPr>
+          <p:cNvPicPr>
+            <a:picLocks noChangeAspect="1"/>
+          </p:cNvPicPr>
+          <p:nvPr/>
+        </p:nvPicPr>
+        <p:blipFill>
+          <a:blip r:embed="rId4">
+            <a:extLst>
+              <a:ext uri="{28A0092B-C50C-407E-A947-70E740481C1C}">
+                <a14:useLocalDpi xmlns:a14="http://schemas.microsoft.com/office/drawing/2010/main" val="0"/>
+              </a:ext>
+            </a:extLst>
+          </a:blip>
+          <a:stretch>
+            <a:fillRect/>
+          </a:stretch>
+        </p:blipFill>
+        <p:spPr>
+          <a:xfrm>
+            <a:off x="6095999" y="2381693"/>
+            <a:ext cx="5619750" cy="3359888"/>
+          </a:xfrm>
+          <a:prstGeom prst="rect">
+            <a:avLst/>
+          </a:prstGeom>
+        </p:spPr>
+      </p:pic>
+    </p:spTree>
+    <p:extLst>
+      <p:ext uri="{BB962C8B-B14F-4D97-AF65-F5344CB8AC3E}">
+        <p14:creationId xmlns:p14="http://schemas.microsoft.com/office/powerpoint/2010/main" val="2346637811"/>
+      </p:ext>
+    </p:extLst>
+  </p:cSld>
+  <p:clrMapOvr>
+    <a:masterClrMapping/>
+  </p:clrMapOvr>
+</p:sld>
+</file>
+
+<file path=ppt/slides/slide13.xml><?xml version="1.0" encoding="utf-8"?>
+<p:sld xmlns:a="http://schemas.openxmlformats.org/drawingml/2006/main" xmlns:r="http://schemas.openxmlformats.org/officeDocument/2006/relationships" xmlns:p="http://schemas.openxmlformats.org/presentationml/2006/main">
+  <p:cSld>
+    <p:spTree>
+      <p:nvGrpSpPr>
+        <p:cNvPr id="1" name=""/>
+        <p:cNvGrpSpPr/>
+        <p:nvPr/>
+      </p:nvGrpSpPr>
+      <p:grpSpPr>
+        <a:xfrm>
+          <a:off x="0" y="0"/>
+          <a:ext cx="0" cy="0"/>
+          <a:chOff x="0" y="0"/>
+          <a:chExt cx="0" cy="0"/>
+        </a:xfrm>
+      </p:grpSpPr>
+      <p:pic>
+        <p:nvPicPr>
+          <p:cNvPr id="10" name="Picture 9" descr="A close up of a logo&#10;&#10;Description automatically generated">
+            <a:extLst>
+              <a:ext uri="{FF2B5EF4-FFF2-40B4-BE49-F238E27FC236}">
+                <a16:creationId xmlns:a16="http://schemas.microsoft.com/office/drawing/2014/main" id="{3CAF73FC-159C-1E4D-8F16-CEAAAD8E3F18}"/>
+              </a:ext>
+            </a:extLst>
+          </p:cNvPr>
+          <p:cNvPicPr>
+            <a:picLocks noChangeAspect="1"/>
+          </p:cNvPicPr>
+          <p:nvPr/>
+        </p:nvPicPr>
+        <p:blipFill>
+          <a:blip r:embed="rId2">
+            <a:extLst>
+              <a:ext uri="{28A0092B-C50C-407E-A947-70E740481C1C}">
+                <a14:useLocalDpi xmlns:a14="http://schemas.microsoft.com/office/drawing/2010/main" val="0"/>
+              </a:ext>
+            </a:extLst>
+          </a:blip>
+          <a:stretch>
+            <a:fillRect/>
+          </a:stretch>
+        </p:blipFill>
+        <p:spPr>
+          <a:xfrm>
+            <a:off x="1979271" y="2095018"/>
+            <a:ext cx="6875362" cy="4481701"/>
+          </a:xfrm>
+          <a:prstGeom prst="rect">
+            <a:avLst/>
+          </a:prstGeom>
+        </p:spPr>
+      </p:pic>
+      <p:sp>
+        <p:nvSpPr>
+          <p:cNvPr id="2" name="Title 1">
+            <a:extLst>
+              <a:ext uri="{FF2B5EF4-FFF2-40B4-BE49-F238E27FC236}">
+                <a16:creationId xmlns:a16="http://schemas.microsoft.com/office/drawing/2014/main" id="{3D60B782-3C82-4372-9920-AC67AB1D64FA}"/>
+              </a:ext>
+            </a:extLst>
+          </p:cNvPr>
+          <p:cNvSpPr>
+            <a:spLocks noGrp="1"/>
+          </p:cNvSpPr>
+          <p:nvPr>
+            <p:ph type="title"/>
+          </p:nvPr>
+        </p:nvSpPr>
+        <p:spPr/>
+        <p:txBody>
+          <a:bodyPr/>
+          <a:lstStyle/>
+          <a:p>
+            <a:r>
+              <a:rPr lang="en-US" dirty="0"/>
+              <a:t>New York – </a:t>
+            </a:r>
+            <a:r>
+              <a:rPr lang="en-US" altLang="zh-CN" dirty="0"/>
+              <a:t>Winter</a:t>
+            </a:r>
+            <a:r>
+              <a:rPr lang="en-US" dirty="0"/>
+              <a:t> Data</a:t>
+            </a:r>
+          </a:p>
+        </p:txBody>
+      </p:sp>
+      <p:pic>
+        <p:nvPicPr>
+          <p:cNvPr id="8" name="Content Placeholder 7" descr="A close up of a map&#10;&#10;Description automatically generated">
+            <a:extLst>
+              <a:ext uri="{FF2B5EF4-FFF2-40B4-BE49-F238E27FC236}">
+                <a16:creationId xmlns:a16="http://schemas.microsoft.com/office/drawing/2014/main" id="{F0876E0A-2A89-F74D-A5D0-42BD74901F0D}"/>
+              </a:ext>
+            </a:extLst>
+          </p:cNvPr>
+          <p:cNvPicPr>
+            <a:picLocks noGrp="1" noChangeAspect="1"/>
+          </p:cNvPicPr>
+          <p:nvPr>
+            <p:ph idx="1"/>
+          </p:nvPr>
+        </p:nvPicPr>
+        <p:blipFill>
+          <a:blip r:embed="rId3">
+            <a:extLst>
+              <a:ext uri="{28A0092B-C50C-407E-A947-70E740481C1C}">
+                <a14:useLocalDpi xmlns:a14="http://schemas.microsoft.com/office/drawing/2010/main" val="0"/>
+              </a:ext>
+            </a:extLst>
+          </a:blip>
+          <a:stretch>
+            <a:fillRect/>
+          </a:stretch>
+        </p:blipFill>
+        <p:spPr>
+          <a:xfrm>
+            <a:off x="2201799" y="2237152"/>
+            <a:ext cx="6570904" cy="4339567"/>
+          </a:xfrm>
+        </p:spPr>
+      </p:pic>
+    </p:spTree>
+    <p:extLst>
+      <p:ext uri="{BB962C8B-B14F-4D97-AF65-F5344CB8AC3E}">
+        <p14:creationId xmlns:p14="http://schemas.microsoft.com/office/powerpoint/2010/main" val="3069082729"/>
+      </p:ext>
+    </p:extLst>
+  </p:cSld>
+  <p:clrMapOvr>
+    <a:masterClrMapping/>
+  </p:clrMapOvr>
+</p:sld>
+</file>
+
+<file path=ppt/slides/slide14.xml><?xml version="1.0" encoding="utf-8"?>
+<p:sld xmlns:a="http://schemas.openxmlformats.org/drawingml/2006/main" xmlns:r="http://schemas.openxmlformats.org/officeDocument/2006/relationships" xmlns:p="http://schemas.openxmlformats.org/presentationml/2006/main">
+  <p:cSld>
+    <p:spTree>
+      <p:nvGrpSpPr>
+        <p:cNvPr id="1" name=""/>
+        <p:cNvGrpSpPr/>
+        <p:nvPr/>
+      </p:nvGrpSpPr>
+      <p:grpSpPr>
+        <a:xfrm>
+          <a:off x="0" y="0"/>
+          <a:ext cx="0" cy="0"/>
+          <a:chOff x="0" y="0"/>
+          <a:chExt cx="0" cy="0"/>
+        </a:xfrm>
+      </p:grpSpPr>
+      <p:pic>
+        <p:nvPicPr>
+          <p:cNvPr id="9" name="Picture 8" descr="A close up of a logo&#10;&#10;Description automatically generated">
+            <a:extLst>
+              <a:ext uri="{FF2B5EF4-FFF2-40B4-BE49-F238E27FC236}">
+                <a16:creationId xmlns:a16="http://schemas.microsoft.com/office/drawing/2014/main" id="{91B716AE-48C0-1B46-BE0B-3494ADBEE84B}"/>
+              </a:ext>
+            </a:extLst>
+          </p:cNvPr>
+          <p:cNvPicPr>
+            <a:picLocks noChangeAspect="1"/>
+          </p:cNvPicPr>
+          <p:nvPr/>
+        </p:nvPicPr>
+        <p:blipFill>
+          <a:blip r:embed="rId2">
+            <a:extLst>
+              <a:ext uri="{28A0092B-C50C-407E-A947-70E740481C1C}">
+                <a14:useLocalDpi xmlns:a14="http://schemas.microsoft.com/office/drawing/2010/main" val="0"/>
+              </a:ext>
+            </a:extLst>
+          </a:blip>
+          <a:stretch>
+            <a:fillRect/>
+          </a:stretch>
+        </p:blipFill>
+        <p:spPr>
+          <a:xfrm>
+            <a:off x="173620" y="2280213"/>
+            <a:ext cx="11840902" cy="3588152"/>
+          </a:xfrm>
+          <a:prstGeom prst="rect">
+            <a:avLst/>
+          </a:prstGeom>
+        </p:spPr>
+      </p:pic>
+      <p:sp>
+        <p:nvSpPr>
+          <p:cNvPr id="2" name="Title 1">
+            <a:extLst>
+              <a:ext uri="{FF2B5EF4-FFF2-40B4-BE49-F238E27FC236}">
+                <a16:creationId xmlns:a16="http://schemas.microsoft.com/office/drawing/2014/main" id="{9531459F-1C71-4998-B8C2-22EDABF9B1E8}"/>
+              </a:ext>
+            </a:extLst>
+          </p:cNvPr>
+          <p:cNvSpPr>
+            <a:spLocks noGrp="1"/>
+          </p:cNvSpPr>
+          <p:nvPr>
+            <p:ph type="title"/>
+          </p:nvPr>
+        </p:nvSpPr>
+        <p:spPr/>
+        <p:txBody>
+          <a:bodyPr/>
+          <a:lstStyle/>
+          <a:p>
+            <a:r>
+              <a:rPr lang="en-US" altLang="zh-CN" dirty="0"/>
+              <a:t>New</a:t>
+            </a:r>
+            <a:r>
+              <a:rPr lang="zh-CN" altLang="en-US" dirty="0"/>
+              <a:t> </a:t>
+            </a:r>
+            <a:r>
+              <a:rPr lang="en-US" altLang="zh-CN" dirty="0"/>
+              <a:t>York</a:t>
+            </a:r>
+            <a:r>
+              <a:rPr lang="en-US" dirty="0"/>
+              <a:t> – </a:t>
+            </a:r>
+            <a:r>
+              <a:rPr lang="en-US" altLang="zh-CN" dirty="0"/>
+              <a:t>Winter</a:t>
+            </a:r>
+            <a:r>
+              <a:rPr lang="en-US" dirty="0"/>
+              <a:t> Data </a:t>
+            </a:r>
+          </a:p>
+        </p:txBody>
+      </p:sp>
+      <p:pic>
+        <p:nvPicPr>
+          <p:cNvPr id="5" name="Picture 4" descr="A picture containing white, water, flying, red&#10;&#10;Description automatically generated">
+            <a:extLst>
+              <a:ext uri="{FF2B5EF4-FFF2-40B4-BE49-F238E27FC236}">
+                <a16:creationId xmlns:a16="http://schemas.microsoft.com/office/drawing/2014/main" id="{62F8BB3A-B9D1-D849-B141-101CF5143EFE}"/>
+              </a:ext>
+            </a:extLst>
+          </p:cNvPr>
+          <p:cNvPicPr>
+            <a:picLocks noChangeAspect="1"/>
+          </p:cNvPicPr>
+          <p:nvPr/>
+        </p:nvPicPr>
+        <p:blipFill>
+          <a:blip r:embed="rId3">
+            <a:extLst>
+              <a:ext uri="{28A0092B-C50C-407E-A947-70E740481C1C}">
+                <a14:useLocalDpi xmlns:a14="http://schemas.microsoft.com/office/drawing/2010/main" val="0"/>
+              </a:ext>
+            </a:extLst>
+          </a:blip>
+          <a:stretch>
+            <a:fillRect/>
+          </a:stretch>
+        </p:blipFill>
+        <p:spPr>
+          <a:xfrm>
+            <a:off x="412455" y="2381693"/>
+            <a:ext cx="5619750" cy="3359888"/>
+          </a:xfrm>
+          <a:prstGeom prst="rect">
+            <a:avLst/>
+          </a:prstGeom>
+        </p:spPr>
+      </p:pic>
+      <p:pic>
+        <p:nvPicPr>
+          <p:cNvPr id="7" name="Picture 6" descr="A picture containing sitting, white, water, table&#10;&#10;Description automatically generated">
+            <a:extLst>
+              <a:ext uri="{FF2B5EF4-FFF2-40B4-BE49-F238E27FC236}">
+                <a16:creationId xmlns:a16="http://schemas.microsoft.com/office/drawing/2014/main" id="{38B8C40E-860E-D943-8C65-548EBE45D110}"/>
+              </a:ext>
+            </a:extLst>
+          </p:cNvPr>
+          <p:cNvPicPr>
+            <a:picLocks noChangeAspect="1"/>
+          </p:cNvPicPr>
+          <p:nvPr/>
+        </p:nvPicPr>
+        <p:blipFill>
+          <a:blip r:embed="rId4">
+            <a:extLst>
+              <a:ext uri="{28A0092B-C50C-407E-A947-70E740481C1C}">
+                <a14:useLocalDpi xmlns:a14="http://schemas.microsoft.com/office/drawing/2010/main" val="0"/>
+              </a:ext>
+            </a:extLst>
+          </a:blip>
+          <a:stretch>
+            <a:fillRect/>
+          </a:stretch>
+        </p:blipFill>
+        <p:spPr>
+          <a:xfrm>
+            <a:off x="6096000" y="2381693"/>
+            <a:ext cx="5619750" cy="3359888"/>
+          </a:xfrm>
+          <a:prstGeom prst="rect">
+            <a:avLst/>
+          </a:prstGeom>
+        </p:spPr>
+      </p:pic>
+    </p:spTree>
+    <p:extLst>
+      <p:ext uri="{BB962C8B-B14F-4D97-AF65-F5344CB8AC3E}">
+        <p14:creationId xmlns:p14="http://schemas.microsoft.com/office/powerpoint/2010/main" val="1927533258"/>
+      </p:ext>
+    </p:extLst>
+  </p:cSld>
+  <p:clrMapOvr>
+    <a:masterClrMapping/>
+  </p:clrMapOvr>
+</p:sld>
+</file>
+
+<file path=ppt/slides/slide15.xml><?xml version="1.0" encoding="utf-8"?>
+<p:sld xmlns:a="http://schemas.openxmlformats.org/drawingml/2006/main" xmlns:r="http://schemas.openxmlformats.org/officeDocument/2006/relationships" xmlns:p="http://schemas.openxmlformats.org/presentationml/2006/main">
+  <p:cSld>
+    <p:spTree>
+      <p:nvGrpSpPr>
+        <p:cNvPr id="1" name=""/>
+        <p:cNvGrpSpPr/>
+        <p:nvPr/>
+      </p:nvGrpSpPr>
+      <p:grpSpPr>
+        <a:xfrm>
+          <a:off x="0" y="0"/>
+          <a:ext cx="0" cy="0"/>
+          <a:chOff x="0" y="0"/>
+          <a:chExt cx="0" cy="0"/>
+        </a:xfrm>
+      </p:grpSpPr>
+      <p:sp>
+        <p:nvSpPr>
+          <p:cNvPr id="2" name="Title 1">
+            <a:extLst>
+              <a:ext uri="{FF2B5EF4-FFF2-40B4-BE49-F238E27FC236}">
+                <a16:creationId xmlns:a16="http://schemas.microsoft.com/office/drawing/2014/main" id="{3BD721D7-1024-40DB-BA42-C658BAC2B002}"/>
+              </a:ext>
+            </a:extLst>
+          </p:cNvPr>
+          <p:cNvSpPr>
+            <a:spLocks noGrp="1"/>
+          </p:cNvSpPr>
+          <p:nvPr>
+            <p:ph type="title"/>
+          </p:nvPr>
+        </p:nvSpPr>
+        <p:spPr/>
+        <p:txBody>
+          <a:bodyPr/>
+          <a:lstStyle/>
+          <a:p>
+            <a:r>
+              <a:rPr lang="en-US" dirty="0"/>
+              <a:t>Data Analysis: U.S. Overall</a:t>
+            </a:r>
+          </a:p>
+        </p:txBody>
+      </p:sp>
+      <p:pic>
+        <p:nvPicPr>
+          <p:cNvPr id="5" name="Content Placeholder 4">
+            <a:extLst>
+              <a:ext uri="{FF2B5EF4-FFF2-40B4-BE49-F238E27FC236}">
+                <a16:creationId xmlns:a16="http://schemas.microsoft.com/office/drawing/2014/main" id="{C49FD627-9BFA-41F6-B200-F5FE44C16109}"/>
+              </a:ext>
+            </a:extLst>
+          </p:cNvPr>
+          <p:cNvPicPr>
+            <a:picLocks noGrp="1" noChangeAspect="1"/>
+          </p:cNvPicPr>
+          <p:nvPr>
+            <p:ph idx="1"/>
+          </p:nvPr>
+        </p:nvPicPr>
+        <p:blipFill>
+          <a:blip r:embed="rId2">
+            <a:extLst>
+              <a:ext uri="{28A0092B-C50C-407E-A947-70E740481C1C}">
+                <a14:useLocalDpi xmlns:a14="http://schemas.microsoft.com/office/drawing/2010/main" val="0"/>
+              </a:ext>
+            </a:extLst>
+          </a:blip>
+          <a:stretch>
+            <a:fillRect/>
+          </a:stretch>
+        </p:blipFill>
+        <p:spPr>
+          <a:xfrm>
+            <a:off x="281430" y="2394309"/>
+            <a:ext cx="5398294" cy="3598863"/>
+          </a:xfrm>
+        </p:spPr>
+      </p:pic>
+      <p:pic>
+        <p:nvPicPr>
+          <p:cNvPr id="7" name="Picture 6">
+            <a:extLst>
+              <a:ext uri="{FF2B5EF4-FFF2-40B4-BE49-F238E27FC236}">
+                <a16:creationId xmlns:a16="http://schemas.microsoft.com/office/drawing/2014/main" id="{ADA8976B-D092-41D9-BEC0-CA319DD6F65C}"/>
+              </a:ext>
+            </a:extLst>
+          </p:cNvPr>
+          <p:cNvPicPr>
+            <a:picLocks noChangeAspect="1"/>
+          </p:cNvPicPr>
+          <p:nvPr/>
+        </p:nvPicPr>
+        <p:blipFill>
+          <a:blip r:embed="rId3">
+            <a:extLst>
+              <a:ext uri="{28A0092B-C50C-407E-A947-70E740481C1C}">
+                <a14:useLocalDpi xmlns:a14="http://schemas.microsoft.com/office/drawing/2010/main" val="0"/>
+              </a:ext>
+            </a:extLst>
+          </a:blip>
+          <a:stretch>
+            <a:fillRect/>
+          </a:stretch>
+        </p:blipFill>
+        <p:spPr>
+          <a:xfrm>
+            <a:off x="6234023" y="2394308"/>
+            <a:ext cx="5250611" cy="3598863"/>
+          </a:xfrm>
+          <a:prstGeom prst="rect">
+            <a:avLst/>
+          </a:prstGeom>
+        </p:spPr>
+      </p:pic>
+    </p:spTree>
+    <p:extLst>
+      <p:ext uri="{BB962C8B-B14F-4D97-AF65-F5344CB8AC3E}">
+        <p14:creationId xmlns:p14="http://schemas.microsoft.com/office/powerpoint/2010/main" val="3968540225"/>
+      </p:ext>
+    </p:extLst>
+  </p:cSld>
+  <p:clrMapOvr>
+    <a:masterClrMapping/>
+  </p:clrMapOvr>
+</p:sld>
+</file>
+
+<file path=ppt/slides/slide16.xml><?xml version="1.0" encoding="utf-8"?>
+<p:sld xmlns:a="http://schemas.openxmlformats.org/drawingml/2006/main" xmlns:r="http://schemas.openxmlformats.org/officeDocument/2006/relationships" xmlns:p="http://schemas.openxmlformats.org/presentationml/2006/main">
+  <p:cSld>
+    <p:spTree>
+      <p:nvGrpSpPr>
+        <p:cNvPr id="1" name=""/>
+        <p:cNvGrpSpPr/>
+        <p:nvPr/>
+      </p:nvGrpSpPr>
+      <p:grpSpPr>
+        <a:xfrm>
+          <a:off x="0" y="0"/>
+          <a:ext cx="0" cy="0"/>
+          <a:chOff x="0" y="0"/>
+          <a:chExt cx="0" cy="0"/>
+        </a:xfrm>
+      </p:grpSpPr>
+      <p:sp>
+        <p:nvSpPr>
+          <p:cNvPr id="2" name="Title 1">
+            <a:extLst>
+              <a:ext uri="{FF2B5EF4-FFF2-40B4-BE49-F238E27FC236}">
+                <a16:creationId xmlns:a16="http://schemas.microsoft.com/office/drawing/2014/main" id="{9CE7BC33-3637-4EED-B178-55936859EEA8}"/>
+              </a:ext>
+            </a:extLst>
+          </p:cNvPr>
+          <p:cNvSpPr>
+            <a:spLocks noGrp="1"/>
+          </p:cNvSpPr>
+          <p:nvPr>
+            <p:ph type="title"/>
+          </p:nvPr>
+        </p:nvSpPr>
+        <p:spPr/>
+        <p:txBody>
+          <a:bodyPr/>
+          <a:lstStyle/>
+          <a:p>
+            <a:r>
+              <a:rPr lang="en-US" dirty="0"/>
+              <a:t>Data Analysis: U.S. Overall Continued…</a:t>
+            </a:r>
+          </a:p>
+        </p:txBody>
+      </p:sp>
+      <p:pic>
+        <p:nvPicPr>
+          <p:cNvPr id="4" name="Content Placeholder 3">
+            <a:extLst>
+              <a:ext uri="{FF2B5EF4-FFF2-40B4-BE49-F238E27FC236}">
+                <a16:creationId xmlns:a16="http://schemas.microsoft.com/office/drawing/2014/main" id="{3506AA83-CFD2-4032-B65E-577DE324A8EF}"/>
+              </a:ext>
+            </a:extLst>
+          </p:cNvPr>
+          <p:cNvPicPr>
+            <a:picLocks noGrp="1" noChangeAspect="1"/>
+          </p:cNvPicPr>
+          <p:nvPr>
+            <p:ph idx="1"/>
+          </p:nvPr>
+        </p:nvPicPr>
+        <p:blipFill>
+          <a:blip r:embed="rId2">
+            <a:extLst>
+              <a:ext uri="{28A0092B-C50C-407E-A947-70E740481C1C}">
+                <a14:useLocalDpi xmlns:a14="http://schemas.microsoft.com/office/drawing/2010/main" val="0"/>
+              </a:ext>
+            </a:extLst>
+          </a:blip>
+          <a:stretch>
+            <a:fillRect/>
+          </a:stretch>
+        </p:blipFill>
+        <p:spPr>
+          <a:xfrm>
+            <a:off x="2733073" y="2336800"/>
+            <a:ext cx="5509829" cy="3598863"/>
+          </a:xfrm>
+          <a:prstGeom prst="rect">
+            <a:avLst/>
+          </a:prstGeom>
+        </p:spPr>
+      </p:pic>
+    </p:spTree>
+    <p:extLst>
+      <p:ext uri="{BB962C8B-B14F-4D97-AF65-F5344CB8AC3E}">
+        <p14:creationId xmlns:p14="http://schemas.microsoft.com/office/powerpoint/2010/main" val="748454066"/>
+      </p:ext>
+    </p:extLst>
+  </p:cSld>
+  <p:clrMapOvr>
+    <a:masterClrMapping/>
+  </p:clrMapOvr>
+</p:sld>
+</file>
+
+<file path=ppt/slides/slide17.xml><?xml version="1.0" encoding="utf-8"?>
+<p:sld xmlns:a="http://schemas.openxmlformats.org/drawingml/2006/main" xmlns:r="http://schemas.openxmlformats.org/officeDocument/2006/relationships" xmlns:p="http://schemas.openxmlformats.org/presentationml/2006/main">
+  <p:cSld>
+    <p:spTree>
+      <p:nvGrpSpPr>
+        <p:cNvPr id="1" name=""/>
+        <p:cNvGrpSpPr/>
+        <p:nvPr/>
+      </p:nvGrpSpPr>
+      <p:grpSpPr>
+        <a:xfrm>
+          <a:off x="0" y="0"/>
+          <a:ext cx="0" cy="0"/>
+          <a:chOff x="0" y="0"/>
+          <a:chExt cx="0" cy="0"/>
+        </a:xfrm>
+      </p:grpSpPr>
+      <p:sp>
+        <p:nvSpPr>
+          <p:cNvPr id="2" name="Title 1">
+            <a:extLst>
+              <a:ext uri="{FF2B5EF4-FFF2-40B4-BE49-F238E27FC236}">
+                <a16:creationId xmlns:a16="http://schemas.microsoft.com/office/drawing/2014/main" id="{0C1698C3-E30F-45E8-9C40-B97AC2653027}"/>
+              </a:ext>
+            </a:extLst>
+          </p:cNvPr>
+          <p:cNvSpPr>
+            <a:spLocks noGrp="1"/>
+          </p:cNvSpPr>
+          <p:nvPr>
+            <p:ph type="title"/>
+          </p:nvPr>
+        </p:nvSpPr>
+        <p:spPr/>
+        <p:txBody>
+          <a:bodyPr/>
+          <a:lstStyle/>
+          <a:p>
+            <a:r>
+              <a:rPr lang="en-US" dirty="0"/>
+              <a:t>Discussion</a:t>
+            </a:r>
+          </a:p>
+        </p:txBody>
+      </p:sp>
+      <p:sp>
+        <p:nvSpPr>
+          <p:cNvPr id="3" name="Content Placeholder 2">
+            <a:extLst>
+              <a:ext uri="{FF2B5EF4-FFF2-40B4-BE49-F238E27FC236}">
+                <a16:creationId xmlns:a16="http://schemas.microsoft.com/office/drawing/2014/main" id="{787ED5F0-EC4D-4055-A0C5-11E1DB80EA07}"/>
+              </a:ext>
+            </a:extLst>
+          </p:cNvPr>
+          <p:cNvSpPr>
+            <a:spLocks noGrp="1"/>
+          </p:cNvSpPr>
+          <p:nvPr>
+            <p:ph idx="1"/>
+          </p:nvPr>
+        </p:nvSpPr>
+        <p:spPr/>
+        <p:txBody>
+          <a:bodyPr>
+            <a:normAutofit fontScale="92500" lnSpcReduction="20000"/>
+          </a:bodyPr>
+          <a:lstStyle/>
+          <a:p>
+            <a:r>
+              <a:rPr lang="en-US" dirty="0"/>
+              <a:t>Does CO</a:t>
+            </a:r>
+            <a:r>
+              <a:rPr lang="en-US" baseline="-25000" dirty="0"/>
+              <a:t>2</a:t>
+            </a:r>
+            <a:r>
+              <a:rPr lang="en-US" baseline="30000" dirty="0"/>
+              <a:t> </a:t>
+            </a:r>
+            <a:r>
+              <a:rPr lang="en-US" dirty="0"/>
+              <a:t>emissions have an immediate effect on temperature?</a:t>
+            </a:r>
+          </a:p>
+          <a:p>
+            <a:pPr lvl="1"/>
+            <a:r>
+              <a:rPr lang="en-US" dirty="0"/>
+              <a:t>The data doesn’t show a significant increase in temperature in a small time frame. Changes could be due to other external factors. More data is required.</a:t>
+            </a:r>
+          </a:p>
+          <a:p>
+            <a:r>
+              <a:rPr lang="en-US" dirty="0"/>
+              <a:t>Certain states have higher emissions than others. Is there a larger increase in temperature in certain areas?</a:t>
+            </a:r>
+          </a:p>
+          <a:p>
+            <a:pPr lvl="1"/>
+            <a:r>
+              <a:rPr lang="en-US" dirty="0"/>
+              <a:t>Data is inconclusive because other factors may have came into play. Change was too small to attribute it to be mainly Co</a:t>
+            </a:r>
+            <a:r>
+              <a:rPr lang="en-US" baseline="-25000" dirty="0"/>
+              <a:t>2</a:t>
+            </a:r>
+            <a:r>
+              <a:rPr lang="en-US" dirty="0"/>
+              <a:t> emissions.</a:t>
+            </a:r>
+          </a:p>
+          <a:p>
+            <a:pPr lvl="1"/>
+            <a:r>
+              <a:rPr lang="en-US" dirty="0"/>
+              <a:t>(e.g. geographic location, weather patterns, population size) </a:t>
+            </a:r>
+          </a:p>
+          <a:p>
+            <a:pPr lvl="1"/>
+            <a:endParaRPr lang="en-US" baseline="30000" dirty="0"/>
+          </a:p>
+          <a:p>
+            <a:r>
+              <a:rPr lang="en-US" dirty="0"/>
+              <a:t>Can we see an effect during a specific timeframe? (e.g. summer months like June, July, August)</a:t>
+            </a:r>
+          </a:p>
+          <a:p>
+            <a:pPr lvl="1"/>
+            <a:r>
+              <a:rPr lang="en-US" dirty="0"/>
+              <a:t>Although it does look like there’s a correlation, the data was not able to accurately depict any significant changes. We are unable to give a conclusive answer due to lack of data.</a:t>
+            </a:r>
+          </a:p>
+          <a:p>
+            <a:endParaRPr lang="en-US" dirty="0"/>
+          </a:p>
+        </p:txBody>
+      </p:sp>
+    </p:spTree>
+    <p:extLst>
+      <p:ext uri="{BB962C8B-B14F-4D97-AF65-F5344CB8AC3E}">
+        <p14:creationId xmlns:p14="http://schemas.microsoft.com/office/powerpoint/2010/main" val="2557698723"/>
+      </p:ext>
+    </p:extLst>
+  </p:cSld>
+  <p:clrMapOvr>
+    <a:masterClrMapping/>
+  </p:clrMapOvr>
+</p:sld>
+</file>
+
+<file path=ppt/slides/slide18.xml><?xml version="1.0" encoding="utf-8"?>
+<p:sld xmlns:a="http://schemas.openxmlformats.org/drawingml/2006/main" xmlns:r="http://schemas.openxmlformats.org/officeDocument/2006/relationships" xmlns:p="http://schemas.openxmlformats.org/presentationml/2006/main">
+  <p:cSld>
+    <p:spTree>
+      <p:nvGrpSpPr>
+        <p:cNvPr id="1" name=""/>
+        <p:cNvGrpSpPr/>
+        <p:nvPr/>
+      </p:nvGrpSpPr>
+      <p:grpSpPr>
+        <a:xfrm>
+          <a:off x="0" y="0"/>
+          <a:ext cx="0" cy="0"/>
+          <a:chOff x="0" y="0"/>
+          <a:chExt cx="0" cy="0"/>
+        </a:xfrm>
+      </p:grpSpPr>
+      <p:sp>
+        <p:nvSpPr>
+          <p:cNvPr id="2" name="Title 1">
+            <a:extLst>
+              <a:ext uri="{FF2B5EF4-FFF2-40B4-BE49-F238E27FC236}">
+                <a16:creationId xmlns:a16="http://schemas.microsoft.com/office/drawing/2014/main" id="{C83672AA-12CB-4A35-B30E-294360B02FDA}"/>
+              </a:ext>
+            </a:extLst>
+          </p:cNvPr>
+          <p:cNvSpPr>
+            <a:spLocks noGrp="1"/>
+          </p:cNvSpPr>
+          <p:nvPr>
+            <p:ph type="title"/>
+          </p:nvPr>
+        </p:nvSpPr>
+        <p:spPr/>
+        <p:txBody>
+          <a:bodyPr/>
+          <a:lstStyle/>
+          <a:p>
+            <a:r>
+              <a:rPr lang="en-US" dirty="0"/>
+              <a:t>Post Mortem	</a:t>
+            </a:r>
+          </a:p>
+        </p:txBody>
+      </p:sp>
+      <p:sp>
+        <p:nvSpPr>
+          <p:cNvPr id="3" name="Content Placeholder 2">
+            <a:extLst>
+              <a:ext uri="{FF2B5EF4-FFF2-40B4-BE49-F238E27FC236}">
+                <a16:creationId xmlns:a16="http://schemas.microsoft.com/office/drawing/2014/main" id="{B588E67A-F69E-4E01-B2A5-CEB672C91740}"/>
+              </a:ext>
+            </a:extLst>
+          </p:cNvPr>
+          <p:cNvSpPr>
+            <a:spLocks noGrp="1"/>
+          </p:cNvSpPr>
+          <p:nvPr>
+            <p:ph idx="1"/>
+          </p:nvPr>
+        </p:nvSpPr>
+        <p:spPr/>
+        <p:txBody>
+          <a:bodyPr>
+            <a:normAutofit fontScale="70000" lnSpcReduction="20000"/>
+          </a:bodyPr>
+          <a:lstStyle/>
+          <a:p>
+            <a:r>
+              <a:rPr lang="en-US" dirty="0"/>
+              <a:t>  * Discuss any difficulties that arose, and how you dealt with them</a:t>
+            </a:r>
+          </a:p>
+          <a:p>
+            <a:pPr lvl="1"/>
+            <a:r>
+              <a:rPr lang="en-US" dirty="0"/>
+              <a:t>Large datasets required a lot more time to sort through and clean.</a:t>
+            </a:r>
+          </a:p>
+          <a:p>
+            <a:pPr lvl="1"/>
+            <a:r>
+              <a:rPr lang="en-US" dirty="0"/>
+              <a:t>Some datasets were not large enough to create an accurate representation.</a:t>
+            </a:r>
+          </a:p>
+          <a:p>
+            <a:pPr lvl="1"/>
+            <a:r>
+              <a:rPr lang="en-US" dirty="0"/>
+              <a:t>Collaborating with groupmates using a new unfamiliar system. (e.g. </a:t>
+            </a:r>
+            <a:r>
+              <a:rPr lang="en-US" dirty="0" err="1"/>
+              <a:t>github</a:t>
+            </a:r>
+            <a:r>
+              <a:rPr lang="en-US" dirty="0"/>
+              <a:t>)</a:t>
+            </a:r>
+          </a:p>
+          <a:p>
+            <a:pPr lvl="1"/>
+            <a:r>
+              <a:rPr lang="en-US" dirty="0"/>
+              <a:t>Due to current pandemic, all meetings had to be virtual. Harder to coordinate with teacher and groupmates. </a:t>
+            </a:r>
+          </a:p>
+          <a:p>
+            <a:r>
+              <a:rPr lang="en-US" dirty="0"/>
+              <a:t>  * Discuss any additional questions that came up, but which you didn't have time to answer: What would you research next, if you had two more weeks?</a:t>
+            </a:r>
+          </a:p>
+          <a:p>
+            <a:pPr lvl="1"/>
+            <a:r>
+              <a:rPr lang="en-US" dirty="0"/>
+              <a:t>If we had two more weeks, probably include more datasets. Maybe incorporate an </a:t>
+            </a:r>
+            <a:r>
+              <a:rPr lang="en-US" dirty="0" err="1"/>
+              <a:t>api</a:t>
+            </a:r>
+            <a:r>
+              <a:rPr lang="en-US" dirty="0"/>
+              <a:t> like a weather </a:t>
+            </a:r>
+            <a:r>
+              <a:rPr lang="en-US" dirty="0" err="1"/>
+              <a:t>api</a:t>
+            </a:r>
+            <a:r>
+              <a:rPr lang="en-US" dirty="0"/>
+              <a:t> or the google map </a:t>
+            </a:r>
+            <a:r>
+              <a:rPr lang="en-US" dirty="0" err="1"/>
+              <a:t>api</a:t>
+            </a:r>
+            <a:r>
+              <a:rPr lang="en-US" dirty="0"/>
+              <a:t>. </a:t>
+            </a:r>
+          </a:p>
+          <a:p>
+            <a:pPr lvl="1"/>
+            <a:r>
+              <a:rPr lang="en-US" dirty="0"/>
+              <a:t>Additional questions:</a:t>
+            </a:r>
+          </a:p>
+          <a:p>
+            <a:pPr lvl="2"/>
+            <a:r>
+              <a:rPr lang="en-US" dirty="0"/>
+              <a:t>“Does geography play a large factor in temperature changes?”</a:t>
+            </a:r>
+          </a:p>
+          <a:p>
+            <a:pPr lvl="2"/>
+            <a:r>
+              <a:rPr lang="en-US" dirty="0"/>
+              <a:t>“Does population size have an effect on temperature in a region?”</a:t>
+            </a:r>
+          </a:p>
+          <a:p>
+            <a:pPr lvl="2"/>
+            <a:r>
+              <a:rPr lang="en-US" dirty="0"/>
+              <a:t>“Avg CO</a:t>
+            </a:r>
+            <a:r>
+              <a:rPr lang="en-US" baseline="-25000" dirty="0"/>
+              <a:t>2 </a:t>
+            </a:r>
+            <a:r>
+              <a:rPr lang="en-US" dirty="0"/>
+              <a:t>emissions per capita per state (Carbon Footprint)” </a:t>
+            </a:r>
+          </a:p>
+          <a:p>
+            <a:pPr marL="0" indent="0">
+              <a:buNone/>
+            </a:pPr>
+            <a:r>
+              <a:rPr lang="en-US" dirty="0"/>
+              <a:t/>
+            </a:r>
+            <a:br>
+              <a:rPr lang="en-US" dirty="0"/>
+            </a:br>
+            <a:endParaRPr lang="en-US" dirty="0"/>
+          </a:p>
+          <a:p>
+            <a:endParaRPr lang="en-US" dirty="0"/>
+          </a:p>
+        </p:txBody>
+      </p:sp>
+    </p:spTree>
+    <p:extLst>
+      <p:ext uri="{BB962C8B-B14F-4D97-AF65-F5344CB8AC3E}">
+        <p14:creationId xmlns:p14="http://schemas.microsoft.com/office/powerpoint/2010/main" val="3388197764"/>
+      </p:ext>
+    </p:extLst>
+  </p:cSld>
+  <p:clrMapOvr>
+    <a:masterClrMapping/>
+  </p:clrMapOvr>
+</p:sld>
+</file>
+
+<file path=ppt/slides/slide19.xml><?xml version="1.0" encoding="utf-8"?>
+<p:sld xmlns:a="http://schemas.openxmlformats.org/drawingml/2006/main" xmlns:r="http://schemas.openxmlformats.org/officeDocument/2006/relationships" xmlns:p="http://schemas.openxmlformats.org/presentationml/2006/main">
+  <p:cSld>
+    <p:spTree>
+      <p:nvGrpSpPr>
+        <p:cNvPr id="1" name=""/>
+        <p:cNvGrpSpPr/>
+        <p:nvPr/>
+      </p:nvGrpSpPr>
+      <p:grpSpPr>
+        <a:xfrm>
+          <a:off x="0" y="0"/>
+          <a:ext cx="0" cy="0"/>
+          <a:chOff x="0" y="0"/>
+          <a:chExt cx="0" cy="0"/>
+        </a:xfrm>
+      </p:grpSpPr>
+      <p:sp>
+        <p:nvSpPr>
+          <p:cNvPr id="2" name="Title 1">
+            <a:extLst>
+              <a:ext uri="{FF2B5EF4-FFF2-40B4-BE49-F238E27FC236}">
+                <a16:creationId xmlns:a16="http://schemas.microsoft.com/office/drawing/2014/main" id="{A9135A3E-7DD3-4B69-B61F-82AAA5DD4DDE}"/>
+              </a:ext>
+            </a:extLst>
+          </p:cNvPr>
+          <p:cNvSpPr>
+            <a:spLocks noGrp="1"/>
+          </p:cNvSpPr>
+          <p:nvPr>
+            <p:ph type="title"/>
+          </p:nvPr>
+        </p:nvSpPr>
+        <p:spPr/>
+        <p:txBody>
+          <a:bodyPr>
+            <a:normAutofit/>
+          </a:bodyPr>
+          <a:lstStyle/>
+          <a:p>
+            <a:r>
+              <a:rPr lang="en-US" sz="7000" dirty="0"/>
+              <a:t>Questions?</a:t>
+            </a:r>
+          </a:p>
+        </p:txBody>
+      </p:sp>
+      <p:pic>
+        <p:nvPicPr>
+          <p:cNvPr id="5" name="Content Placeholder 4">
+            <a:extLst>
+              <a:ext uri="{FF2B5EF4-FFF2-40B4-BE49-F238E27FC236}">
+                <a16:creationId xmlns:a16="http://schemas.microsoft.com/office/drawing/2014/main" id="{4888FE66-0AC7-4880-818B-38BBFE28A208}"/>
+              </a:ext>
+            </a:extLst>
+          </p:cNvPr>
+          <p:cNvPicPr>
+            <a:picLocks noGrp="1" noChangeAspect="1"/>
+          </p:cNvPicPr>
+          <p:nvPr>
+            <p:ph idx="1"/>
+          </p:nvPr>
+        </p:nvPicPr>
+        <p:blipFill>
+          <a:blip r:embed="rId2" cstate="hqprint">
+            <a:extLst>
+              <a:ext uri="{28A0092B-C50C-407E-A947-70E740481C1C}">
+                <a14:useLocalDpi xmlns:a14="http://schemas.microsoft.com/office/drawing/2010/main" val="0"/>
+              </a:ext>
+            </a:extLst>
+          </a:blip>
+          <a:stretch>
+            <a:fillRect/>
+          </a:stretch>
+        </p:blipFill>
+        <p:spPr>
+          <a:xfrm>
+            <a:off x="3002693" y="2505909"/>
+            <a:ext cx="5398294" cy="3598863"/>
+          </a:xfrm>
+        </p:spPr>
+      </p:pic>
+    </p:spTree>
+    <p:extLst>
+      <p:ext uri="{BB962C8B-B14F-4D97-AF65-F5344CB8AC3E}">
+        <p14:creationId xmlns:p14="http://schemas.microsoft.com/office/powerpoint/2010/main" val="4011974717"/>
+      </p:ext>
+    </p:extLst>
+  </p:cSld>
+  <p:clrMapOvr>
+    <a:masterClrMapping/>
+  </p:clrMapOvr>
+</p:sld>
+</file>
+
 <file path=ppt/slides/slide2.xml><?xml version="1.0" encoding="utf-8"?>
 <p:sld xmlns:a="http://schemas.openxmlformats.org/drawingml/2006/main" xmlns:r="http://schemas.openxmlformats.org/officeDocument/2006/relationships" xmlns:p="http://schemas.openxmlformats.org/presentationml/2006/main">
   <p:cSld>
@@ -7903,7 +9418,7 @@
         <p:spPr/>
         <p:txBody>
           <a:bodyPr>
-            <a:normAutofit fontScale="92500" lnSpcReduction="20000"/>
+            <a:normAutofit/>
           </a:bodyPr>
           <a:lstStyle/>
           <a:p>
@@ -7934,59 +9449,10 @@
             </a:r>
           </a:p>
           <a:p>
-            <a:pPr lvl="1"/>
             <a:r>
               <a:rPr lang="en-US" dirty="0"/>
-              <a:t>The data doesn’t show a significant increase in temperature in a small time frame. Changes could be due to other external factors. More data is required.</a:t>
-            </a:r>
-          </a:p>
-          <a:p>
-            <a:r>
-              <a:rPr lang="en-US" dirty="0"/>
-              <a:t>Is there a correlation between CO</a:t>
-            </a:r>
-            <a:r>
-              <a:rPr lang="en-US" baseline="-25000" dirty="0"/>
-              <a:t>2 </a:t>
-            </a:r>
-            <a:r>
-              <a:rPr lang="en-US" dirty="0"/>
-              <a:t>emissions</a:t>
-            </a:r>
-            <a:r>
-              <a:rPr lang="en-US" baseline="-25000" dirty="0"/>
-              <a:t> </a:t>
-            </a:r>
-            <a:r>
-              <a:rPr lang="en-US" baseline="30000" dirty="0"/>
-              <a:t> </a:t>
-            </a:r>
-            <a:r>
-              <a:rPr lang="en-US" dirty="0"/>
-              <a:t>and the increase in temperature of the U.S.?</a:t>
-            </a:r>
-            <a:r>
-              <a:rPr lang="en-US" baseline="30000" dirty="0"/>
-              <a:t> </a:t>
-            </a:r>
-          </a:p>
-          <a:p>
-            <a:pPr lvl="1"/>
-            <a:r>
-              <a:rPr lang="en-US" dirty="0"/>
-              <a:t>The U.S. has shown a steady increase in temperature as CO</a:t>
-            </a:r>
-            <a:r>
-              <a:rPr lang="en-US" baseline="-25000" dirty="0"/>
-              <a:t>2</a:t>
-            </a:r>
-            <a:r>
-              <a:rPr lang="en-US" dirty="0"/>
-              <a:t> emissions increase.</a:t>
-            </a:r>
-          </a:p>
-          <a:p>
-            <a:pPr lvl="1"/>
+              <a:t>Certain states have higher emissions than others. Is there a larger increase in temperature in certain areas?</a:t>
+            </a:r>
             <a:endParaRPr lang="en-US" baseline="30000" dirty="0"/>
           </a:p>
           <a:p>
@@ -7996,13 +9462,9 @@
             </a:r>
           </a:p>
           <a:p>
-            <a:pPr lvl="1"/>
-            <a:r>
-              <a:rPr lang="en-US" dirty="0"/>
-              <a:t>Although it does look like there’s a correlation, the data was not able to accurately depict any significant changes. We are unable to give a conclusive answer due to lack of data.</a:t>
-            </a:r>
-          </a:p>
-          <a:p>
+            <a:pPr marL="0" indent="0">
+              <a:buNone/>
+            </a:pPr>
             <a:endParaRPr lang="en-US" dirty="0"/>
           </a:p>
           <a:p>
@@ -8189,7 +9651,7 @@
           <a:p>
             <a:r>
               <a:rPr lang="en-US" dirty="0"/>
-              <a:t>Questions/Data</a:t>
+              <a:t>What type of Data is needed?</a:t>
             </a:r>
           </a:p>
         </p:txBody>
@@ -8217,13 +9679,23 @@
           <a:p>
             <a:r>
               <a:rPr lang="en-US" dirty="0"/>
-              <a:t>We required data from emissions each year, the change in temperature over time for the U.S. as a whole and per state. </a:t>
-            </a:r>
+              <a:t>We required data from emissions each year, the change in temperature over time for the U.S. as a whole and per state.</a:t>
+            </a:r>
+          </a:p>
+          <a:p>
+            <a:endParaRPr lang="en-US" dirty="0"/>
           </a:p>
           <a:p>
             <a:r>
               <a:rPr lang="en-US" dirty="0"/>
               <a:t>We pulled our data from reputable sources such as Kaggle, Datahub, EIA.gov (U.S. Energy Information Administration) </a:t>
+            </a:r>
+          </a:p>
+          <a:p>
+            <a:pPr lvl="1"/>
+            <a:r>
+              <a:rPr lang="en-US" dirty="0"/>
+              <a:t>Kaggle (Some datasets were pulled from Nasa, Lawrence Livermore Labs, etc.) </a:t>
             </a:r>
           </a:p>
           <a:p>
@@ -8312,10 +9784,19 @@
         <p:spPr/>
         <p:txBody>
           <a:bodyPr>
-            <a:normAutofit lnSpcReduction="10000"/>
+            <a:normAutofit fontScale="92500" lnSpcReduction="20000"/>
           </a:bodyPr>
           <a:lstStyle/>
           <a:p>
+            <a:pPr marL="0" indent="0">
+              <a:buNone/>
+            </a:pPr>
+            <a:r>
+              <a:rPr lang="en-US" b="1" u="sng" dirty="0"/>
+              <a:t>Cleanup Process</a:t>
+            </a:r>
+          </a:p>
+          <a:p>
             <a:r>
               <a:rPr lang="en-US" dirty="0"/>
               <a:t>Downloaded .csv files and imported into the </a:t>
@@ -8338,6 +9819,21 @@
           <a:p>
             <a:r>
               <a:rPr lang="en-US" dirty="0"/>
+              <a:t>We sorted each dataset and used what was useful to us</a:t>
+            </a:r>
+          </a:p>
+          <a:p>
+            <a:pPr marL="0" indent="0">
+              <a:buNone/>
+            </a:pPr>
+            <a:r>
+              <a:rPr lang="en-US" b="1" u="sng" dirty="0"/>
+              <a:t>Insight</a:t>
+            </a:r>
+          </a:p>
+          <a:p>
+            <a:r>
+              <a:rPr lang="en-US" dirty="0"/>
               <a:t>The U.S. has made a large effort to decrease emissions.</a:t>
             </a:r>
           </a:p>
@@ -8350,14 +9846,23 @@
           <a:p>
             <a:r>
               <a:rPr lang="en-US" dirty="0"/>
-              <a:t>Some datasets were incomplete and required more detailed cleaning. </a:t>
-            </a:r>
-          </a:p>
-          <a:p>
-            <a:r>
-              <a:rPr lang="en-US" dirty="0"/>
-              <a:t>We sorted each dataset and used what was useful to us</a:t>
-            </a:r>
+              <a:t>Some datasets were incomplete and we had to reformulate our question to include the important data in these datasets.</a:t>
+            </a:r>
+          </a:p>
+          <a:p>
+            <a:pPr marL="0" indent="0">
+              <a:buNone/>
+            </a:pPr>
+            <a:endParaRPr lang="en-US" dirty="0"/>
+          </a:p>
+          <a:p>
+            <a:endParaRPr lang="en-US" dirty="0"/>
+          </a:p>
+          <a:p>
+            <a:endParaRPr lang="en-US" dirty="0"/>
+          </a:p>
+          <a:p>
+            <a:endParaRPr lang="en-US" dirty="0"/>
           </a:p>
           <a:p>
             <a:pPr marL="0" indent="0">
@@ -8402,7 +9907,7 @@
           <p:cNvPr id="2" name="Title 1">
             <a:extLst>
               <a:ext uri="{FF2B5EF4-FFF2-40B4-BE49-F238E27FC236}">
-                <a16:creationId xmlns:a16="http://schemas.microsoft.com/office/drawing/2014/main" id="{07C3B131-A933-4D0E-927F-F9E0705CE9E3}"/>
+                <a16:creationId xmlns:a16="http://schemas.microsoft.com/office/drawing/2014/main" id="{9531459F-1C71-4998-B8C2-22EDABF9B1E8}"/>
               </a:ext>
             </a:extLst>
           </p:cNvPr>
@@ -8420,60 +9925,89 @@
           <a:p>
             <a:r>
               <a:rPr lang="en-US" dirty="0"/>
-              <a:t>Data Analysis</a:t>
-            </a:r>
-          </a:p>
-        </p:txBody>
-      </p:sp>
-      <p:sp>
-        <p:nvSpPr>
-          <p:cNvPr id="3" name="Content Placeholder 2">
+              <a:t>Data Analysis: California – Summer Data </a:t>
+            </a:r>
+          </a:p>
+        </p:txBody>
+      </p:sp>
+      <p:pic>
+        <p:nvPicPr>
+          <p:cNvPr id="4" name="Content Placeholder 3">
             <a:extLst>
               <a:ext uri="{FF2B5EF4-FFF2-40B4-BE49-F238E27FC236}">
-                <a16:creationId xmlns:a16="http://schemas.microsoft.com/office/drawing/2014/main" id="{0E14555E-C5CA-4CB8-9F73-8AFF9BEC9D15}"/>
+                <a16:creationId xmlns:a16="http://schemas.microsoft.com/office/drawing/2014/main" id="{4D4F2E59-B293-4411-B4A5-1FA947D6673A}"/>
               </a:ext>
             </a:extLst>
           </p:cNvPr>
-          <p:cNvSpPr>
-            <a:spLocks noGrp="1"/>
-          </p:cNvSpPr>
+          <p:cNvPicPr>
+            <a:picLocks noGrp="1" noChangeAspect="1"/>
+          </p:cNvPicPr>
           <p:nvPr>
             <p:ph idx="1"/>
           </p:nvPr>
-        </p:nvSpPr>
-        <p:spPr/>
-        <p:txBody>
-          <a:bodyPr/>
-          <a:lstStyle/>
-          <a:p>
-            <a:r>
-              <a:rPr lang="en-US" dirty="0"/>
-              <a:t>* Discuss the steps you took to analyze the data and answer each  question you asked in your proposal </a:t>
-            </a:r>
-          </a:p>
-          <a:p>
-            <a:r>
-              <a:rPr lang="en-US" dirty="0"/>
-              <a:t>  * Present and discuss interesting figures developed during           analysis, ideally with the help of </a:t>
-            </a:r>
-            <a:r>
-              <a:rPr lang="en-US" dirty="0" err="1"/>
-              <a:t>Jupyter</a:t>
-            </a:r>
-            <a:r>
-              <a:rPr lang="en-US" dirty="0"/>
-              <a:t> Notebook</a:t>
-            </a:r>
-          </a:p>
-          <a:p>
-            <a:endParaRPr lang="en-US" dirty="0"/>
-          </a:p>
-        </p:txBody>
-      </p:sp>
+        </p:nvPicPr>
+        <p:blipFill>
+          <a:blip r:embed="rId2">
+            <a:extLst>
+              <a:ext uri="{28A0092B-C50C-407E-A947-70E740481C1C}">
+                <a14:useLocalDpi xmlns:a14="http://schemas.microsoft.com/office/drawing/2010/main" val="0"/>
+              </a:ext>
+            </a:extLst>
+          </a:blip>
+          <a:stretch>
+            <a:fillRect/>
+          </a:stretch>
+        </p:blipFill>
+        <p:spPr>
+          <a:xfrm>
+            <a:off x="195167" y="2363638"/>
+            <a:ext cx="5398294" cy="3910641"/>
+          </a:xfrm>
+          <a:prstGeom prst="rect">
+            <a:avLst/>
+          </a:prstGeom>
+        </p:spPr>
+      </p:pic>
+      <p:pic>
+        <p:nvPicPr>
+          <p:cNvPr id="11" name="Picture 10">
+            <a:extLst>
+              <a:ext uri="{FF2B5EF4-FFF2-40B4-BE49-F238E27FC236}">
+                <a16:creationId xmlns:a16="http://schemas.microsoft.com/office/drawing/2014/main" id="{D1F36B5C-BC3B-4961-A99C-7C882D5B9881}"/>
+              </a:ext>
+            </a:extLst>
+          </p:cNvPr>
+          <p:cNvPicPr>
+            <a:picLocks noChangeAspect="1"/>
+          </p:cNvPicPr>
+          <p:nvPr/>
+        </p:nvPicPr>
+        <p:blipFill>
+          <a:blip r:embed="rId3">
+            <a:extLst>
+              <a:ext uri="{28A0092B-C50C-407E-A947-70E740481C1C}">
+                <a14:useLocalDpi xmlns:a14="http://schemas.microsoft.com/office/drawing/2010/main" val="0"/>
+              </a:ext>
+            </a:extLst>
+          </a:blip>
+          <a:stretch>
+            <a:fillRect/>
+          </a:stretch>
+        </p:blipFill>
+        <p:spPr>
+          <a:xfrm>
+            <a:off x="6096000" y="2363638"/>
+            <a:ext cx="5837208" cy="3870296"/>
+          </a:xfrm>
+          <a:prstGeom prst="rect">
+            <a:avLst/>
+          </a:prstGeom>
+        </p:spPr>
+      </p:pic>
     </p:spTree>
     <p:extLst>
       <p:ext uri="{BB962C8B-B14F-4D97-AF65-F5344CB8AC3E}">
-        <p14:creationId xmlns:p14="http://schemas.microsoft.com/office/powerpoint/2010/main" val="619723843"/>
+        <p14:creationId xmlns:p14="http://schemas.microsoft.com/office/powerpoint/2010/main" val="435373875"/>
       </p:ext>
     </p:extLst>
   </p:cSld>
@@ -8505,7 +10039,7 @@
           <p:cNvPr id="2" name="Title 1">
             <a:extLst>
               <a:ext uri="{FF2B5EF4-FFF2-40B4-BE49-F238E27FC236}">
-                <a16:creationId xmlns:a16="http://schemas.microsoft.com/office/drawing/2014/main" id="{97248CF5-1831-462A-B3D7-EBA6E960664B}"/>
+                <a16:creationId xmlns:a16="http://schemas.microsoft.com/office/drawing/2014/main" id="{D57B4B0D-40EC-414A-A545-7533F6D7BEAE}"/>
               </a:ext>
             </a:extLst>
           </p:cNvPr>
@@ -8523,46 +10057,86 @@
           <a:p>
             <a:r>
               <a:rPr lang="en-US" dirty="0"/>
-              <a:t>Discussion</a:t>
-            </a:r>
-          </a:p>
-        </p:txBody>
-      </p:sp>
-      <p:sp>
-        <p:nvSpPr>
-          <p:cNvPr id="3" name="Content Placeholder 2">
+              <a:t>Data Analysis: Illinois – Summer Data</a:t>
+            </a:r>
+          </a:p>
+        </p:txBody>
+      </p:sp>
+      <p:pic>
+        <p:nvPicPr>
+          <p:cNvPr id="5" name="Content Placeholder 4">
             <a:extLst>
               <a:ext uri="{FF2B5EF4-FFF2-40B4-BE49-F238E27FC236}">
-                <a16:creationId xmlns:a16="http://schemas.microsoft.com/office/drawing/2014/main" id="{EED7B50D-6AA5-441C-9DD3-A2F37BCDA790}"/>
+                <a16:creationId xmlns:a16="http://schemas.microsoft.com/office/drawing/2014/main" id="{3D318D68-34CF-463B-84CC-DEB0D37A1028}"/>
               </a:ext>
             </a:extLst>
           </p:cNvPr>
-          <p:cNvSpPr>
-            <a:spLocks noGrp="1"/>
-          </p:cNvSpPr>
+          <p:cNvPicPr>
+            <a:picLocks noGrp="1" noChangeAspect="1"/>
+          </p:cNvPicPr>
           <p:nvPr>
             <p:ph idx="1"/>
           </p:nvPr>
-        </p:nvSpPr>
-        <p:spPr/>
-        <p:txBody>
-          <a:bodyPr/>
-          <a:lstStyle/>
-          <a:p>
-            <a:r>
-              <a:rPr lang="en-US" dirty="0"/>
-              <a:t> * Discuss your findings. Did you find what you expected to find? If not, why not? What inferences or general conclusions can you draw from your analysis?</a:t>
-            </a:r>
-          </a:p>
-          <a:p>
-            <a:endParaRPr lang="en-US" dirty="0"/>
-          </a:p>
-        </p:txBody>
-      </p:sp>
+        </p:nvPicPr>
+        <p:blipFill>
+          <a:blip r:embed="rId2">
+            <a:extLst>
+              <a:ext uri="{28A0092B-C50C-407E-A947-70E740481C1C}">
+                <a14:useLocalDpi xmlns:a14="http://schemas.microsoft.com/office/drawing/2010/main" val="0"/>
+              </a:ext>
+            </a:extLst>
+          </a:blip>
+          <a:stretch>
+            <a:fillRect/>
+          </a:stretch>
+        </p:blipFill>
+        <p:spPr>
+          <a:xfrm>
+            <a:off x="212418" y="2391435"/>
+            <a:ext cx="5398294" cy="3598863"/>
+          </a:xfrm>
+        </p:spPr>
+      </p:pic>
+      <p:pic>
+        <p:nvPicPr>
+          <p:cNvPr id="12" name="Picture 11">
+            <a:extLst>
+              <a:ext uri="{FF2B5EF4-FFF2-40B4-BE49-F238E27FC236}">
+                <a16:creationId xmlns:a16="http://schemas.microsoft.com/office/drawing/2014/main" id="{1E54508D-DDE2-4541-82E1-78C0A7BFA291}"/>
+              </a:ext>
+            </a:extLst>
+          </p:cNvPr>
+          <p:cNvPicPr>
+            <a:picLocks noChangeAspect="1"/>
+          </p:cNvPicPr>
+          <p:nvPr/>
+        </p:nvPicPr>
+        <p:blipFill>
+          <a:blip r:embed="rId3">
+            <a:extLst>
+              <a:ext uri="{28A0092B-C50C-407E-A947-70E740481C1C}">
+                <a14:useLocalDpi xmlns:a14="http://schemas.microsoft.com/office/drawing/2010/main" val="0"/>
+              </a:ext>
+            </a:extLst>
+          </a:blip>
+          <a:stretch>
+            <a:fillRect/>
+          </a:stretch>
+        </p:blipFill>
+        <p:spPr>
+          <a:xfrm>
+            <a:off x="5940724" y="2391434"/>
+            <a:ext cx="5763765" cy="3598863"/>
+          </a:xfrm>
+          <a:prstGeom prst="rect">
+            <a:avLst/>
+          </a:prstGeom>
+        </p:spPr>
+      </p:pic>
     </p:spTree>
     <p:extLst>
       <p:ext uri="{BB962C8B-B14F-4D97-AF65-F5344CB8AC3E}">
-        <p14:creationId xmlns:p14="http://schemas.microsoft.com/office/powerpoint/2010/main" val="2073487855"/>
+        <p14:creationId xmlns:p14="http://schemas.microsoft.com/office/powerpoint/2010/main" val="2295470562"/>
       </p:ext>
     </p:extLst>
   </p:cSld>
@@ -8594,7 +10168,7 @@
           <p:cNvPr id="2" name="Title 1">
             <a:extLst>
               <a:ext uri="{FF2B5EF4-FFF2-40B4-BE49-F238E27FC236}">
-                <a16:creationId xmlns:a16="http://schemas.microsoft.com/office/drawing/2014/main" id="{C83672AA-12CB-4A35-B30E-294360B02FDA}"/>
+                <a16:creationId xmlns:a16="http://schemas.microsoft.com/office/drawing/2014/main" id="{3D60B782-3C82-4372-9920-AC67AB1D64FA}"/>
               </a:ext>
             </a:extLst>
           </p:cNvPr>
@@ -8612,83 +10186,86 @@
           <a:p>
             <a:r>
               <a:rPr lang="en-US" dirty="0"/>
-              <a:t>Post Mortem	</a:t>
-            </a:r>
-          </a:p>
-        </p:txBody>
-      </p:sp>
-      <p:sp>
-        <p:nvSpPr>
-          <p:cNvPr id="3" name="Content Placeholder 2">
+              <a:t>Data Analysis: New York – Summer Data</a:t>
+            </a:r>
+          </a:p>
+        </p:txBody>
+      </p:sp>
+      <p:pic>
+        <p:nvPicPr>
+          <p:cNvPr id="5" name="Content Placeholder 4">
             <a:extLst>
               <a:ext uri="{FF2B5EF4-FFF2-40B4-BE49-F238E27FC236}">
-                <a16:creationId xmlns:a16="http://schemas.microsoft.com/office/drawing/2014/main" id="{B588E67A-F69E-4E01-B2A5-CEB672C91740}"/>
+                <a16:creationId xmlns:a16="http://schemas.microsoft.com/office/drawing/2014/main" id="{A3770F47-B8EC-43A0-A845-9E61063058F6}"/>
               </a:ext>
             </a:extLst>
           </p:cNvPr>
-          <p:cNvSpPr>
-            <a:spLocks noGrp="1"/>
-          </p:cNvSpPr>
+          <p:cNvPicPr>
+            <a:picLocks noGrp="1" noChangeAspect="1"/>
+          </p:cNvPicPr>
           <p:nvPr>
             <p:ph idx="1"/>
           </p:nvPr>
-        </p:nvSpPr>
-        <p:spPr/>
-        <p:txBody>
-          <a:bodyPr/>
-          <a:lstStyle/>
-          <a:p>
-            <a:r>
-              <a:rPr lang="en-US" dirty="0"/>
-              <a:t>  * Discuss any difficulties that arose, and how you dealt with them</a:t>
-            </a:r>
-          </a:p>
-          <a:p>
-            <a:r>
-              <a:rPr lang="en-US" dirty="0"/>
-              <a:t>  * Discuss any additional questions that came up, but which you didn't have time to answer: What would you research next, if you had two more weeks?</a:t>
-            </a:r>
-          </a:p>
-          <a:p>
-            <a:r>
-              <a:rPr lang="en-US" dirty="0"/>
-              <a:t>If we had two more weeks, probably include more datasets. Maybe incorporate an </a:t>
-            </a:r>
-            <a:r>
-              <a:rPr lang="en-US" dirty="0" err="1"/>
-              <a:t>api</a:t>
-            </a:r>
-            <a:r>
-              <a:rPr lang="en-US" dirty="0"/>
-              <a:t> like a weather </a:t>
-            </a:r>
-            <a:r>
-              <a:rPr lang="en-US" dirty="0" err="1"/>
-              <a:t>api</a:t>
-            </a:r>
-            <a:r>
-              <a:rPr lang="en-US" dirty="0"/>
-              <a:t>.  </a:t>
-            </a:r>
-          </a:p>
-          <a:p>
-            <a:pPr marL="0" indent="0">
-              <a:buNone/>
-            </a:pPr>
-            <a:br>
-              <a:rPr lang="en-US" dirty="0"/>
-            </a:br>
-            <a:endParaRPr lang="en-US" dirty="0"/>
-          </a:p>
-          <a:p>
-            <a:endParaRPr lang="en-US" dirty="0"/>
-          </a:p>
-        </p:txBody>
-      </p:sp>
+        </p:nvPicPr>
+        <p:blipFill>
+          <a:blip r:embed="rId2">
+            <a:extLst>
+              <a:ext uri="{28A0092B-C50C-407E-A947-70E740481C1C}">
+                <a14:useLocalDpi xmlns:a14="http://schemas.microsoft.com/office/drawing/2010/main" val="0"/>
+              </a:ext>
+            </a:extLst>
+          </a:blip>
+          <a:stretch>
+            <a:fillRect/>
+          </a:stretch>
+        </p:blipFill>
+        <p:spPr>
+          <a:xfrm>
+            <a:off x="298684" y="2505909"/>
+            <a:ext cx="5398294" cy="3598863"/>
+          </a:xfrm>
+        </p:spPr>
+      </p:pic>
+      <p:pic>
+        <p:nvPicPr>
+          <p:cNvPr id="6" name="Picture 5">
+            <a:extLst>
+              <a:ext uri="{FF2B5EF4-FFF2-40B4-BE49-F238E27FC236}">
+                <a16:creationId xmlns:a16="http://schemas.microsoft.com/office/drawing/2014/main" id="{96EF699F-AE3B-4167-B941-F9879E975497}"/>
+              </a:ext>
+            </a:extLst>
+          </p:cNvPr>
+          <p:cNvPicPr>
+            <a:picLocks noChangeAspect="1"/>
+          </p:cNvPicPr>
+          <p:nvPr/>
+        </p:nvPicPr>
+        <p:blipFill>
+          <a:blip r:embed="rId3">
+            <a:extLst>
+              <a:ext uri="{28A0092B-C50C-407E-A947-70E740481C1C}">
+                <a14:useLocalDpi xmlns:a14="http://schemas.microsoft.com/office/drawing/2010/main" val="0"/>
+              </a:ext>
+            </a:extLst>
+          </a:blip>
+          <a:stretch>
+            <a:fillRect/>
+          </a:stretch>
+        </p:blipFill>
+        <p:spPr>
+          <a:xfrm>
+            <a:off x="6010101" y="2500158"/>
+            <a:ext cx="5883215" cy="3639120"/>
+          </a:xfrm>
+          <a:prstGeom prst="rect">
+            <a:avLst/>
+          </a:prstGeom>
+        </p:spPr>
+      </p:pic>
     </p:spTree>
     <p:extLst>
       <p:ext uri="{BB962C8B-B14F-4D97-AF65-F5344CB8AC3E}">
-        <p14:creationId xmlns:p14="http://schemas.microsoft.com/office/powerpoint/2010/main" val="3388197764"/>
+        <p14:creationId xmlns:p14="http://schemas.microsoft.com/office/powerpoint/2010/main" val="3405111864"/>
       </p:ext>
     </p:extLst>
   </p:cSld>
@@ -8715,51 +10292,19 @@
           <a:chExt cx="0" cy="0"/>
         </a:xfrm>
       </p:grpSpPr>
-      <p:sp>
-        <p:nvSpPr>
-          <p:cNvPr id="2" name="Title 1">
-            <a:extLst>
-              <a:ext uri="{FF2B5EF4-FFF2-40B4-BE49-F238E27FC236}">
-                <a16:creationId xmlns:a16="http://schemas.microsoft.com/office/drawing/2014/main" id="{A9135A3E-7DD3-4B69-B61F-82AAA5DD4DDE}"/>
-              </a:ext>
-            </a:extLst>
-          </p:cNvPr>
-          <p:cNvSpPr>
-            <a:spLocks noGrp="1"/>
-          </p:cNvSpPr>
-          <p:nvPr>
-            <p:ph type="title"/>
-          </p:nvPr>
-        </p:nvSpPr>
-        <p:spPr/>
-        <p:txBody>
-          <a:bodyPr>
-            <a:normAutofit/>
-          </a:bodyPr>
-          <a:lstStyle/>
-          <a:p>
-            <a:r>
-              <a:rPr lang="en-US" sz="7000" dirty="0"/>
-              <a:t>Questions?</a:t>
-            </a:r>
-          </a:p>
-        </p:txBody>
-      </p:sp>
       <p:pic>
         <p:nvPicPr>
-          <p:cNvPr id="5" name="Content Placeholder 4">
+          <p:cNvPr id="9" name="Picture 8" descr="A close up of a logo&#10;&#10;Description automatically generated">
             <a:extLst>
               <a:ext uri="{FF2B5EF4-FFF2-40B4-BE49-F238E27FC236}">
-                <a16:creationId xmlns:a16="http://schemas.microsoft.com/office/drawing/2014/main" id="{4888FE66-0AC7-4880-818B-38BBFE28A208}"/>
+                <a16:creationId xmlns:a16="http://schemas.microsoft.com/office/drawing/2014/main" id="{46618626-67C5-3245-A5E6-469DE53E4B69}"/>
               </a:ext>
             </a:extLst>
           </p:cNvPr>
           <p:cNvPicPr>
-            <a:picLocks noGrp="1" noChangeAspect="1"/>
+            <a:picLocks noChangeAspect="1"/>
           </p:cNvPicPr>
-          <p:nvPr>
-            <p:ph idx="1"/>
-          </p:nvPr>
+          <p:nvPr/>
         </p:nvPicPr>
         <p:blipFill>
           <a:blip r:embed="rId2">
@@ -8775,15 +10320,101 @@
         </p:blipFill>
         <p:spPr>
           <a:xfrm>
-            <a:off x="3002693" y="2505909"/>
-            <a:ext cx="5398294" cy="3598863"/>
+            <a:off x="2037144" y="2164466"/>
+            <a:ext cx="6724892" cy="4282633"/>
+          </a:xfrm>
+          <a:prstGeom prst="rect">
+            <a:avLst/>
+          </a:prstGeom>
+        </p:spPr>
+      </p:pic>
+      <p:sp>
+        <p:nvSpPr>
+          <p:cNvPr id="2" name="Title 1">
+            <a:extLst>
+              <a:ext uri="{FF2B5EF4-FFF2-40B4-BE49-F238E27FC236}">
+                <a16:creationId xmlns:a16="http://schemas.microsoft.com/office/drawing/2014/main" id="{9531459F-1C71-4998-B8C2-22EDABF9B1E8}"/>
+              </a:ext>
+            </a:extLst>
+          </p:cNvPr>
+          <p:cNvSpPr>
+            <a:spLocks noGrp="1"/>
+          </p:cNvSpPr>
+          <p:nvPr>
+            <p:ph type="title"/>
+          </p:nvPr>
+        </p:nvSpPr>
+        <p:spPr/>
+        <p:txBody>
+          <a:bodyPr/>
+          <a:lstStyle/>
+          <a:p>
+            <a:r>
+              <a:rPr lang="en-US" dirty="0"/>
+              <a:t>California – </a:t>
+            </a:r>
+            <a:r>
+              <a:rPr lang="en-US" altLang="zh-CN" dirty="0"/>
+              <a:t>Winter</a:t>
+            </a:r>
+            <a:r>
+              <a:rPr lang="en-US" dirty="0"/>
+              <a:t> Data </a:t>
+            </a:r>
+          </a:p>
+        </p:txBody>
+      </p:sp>
+      <p:pic>
+        <p:nvPicPr>
+          <p:cNvPr id="7" name="Content Placeholder 6" descr="A close up of a map&#10;&#10;Description automatically generated">
+            <a:extLst>
+              <a:ext uri="{FF2B5EF4-FFF2-40B4-BE49-F238E27FC236}">
+                <a16:creationId xmlns:a16="http://schemas.microsoft.com/office/drawing/2014/main" id="{C71B7902-14E5-3A44-B9D2-BC7D4BCC1573}"/>
+              </a:ext>
+            </a:extLst>
+          </p:cNvPr>
+          <p:cNvPicPr>
+            <a:picLocks noGrp="1" noChangeAspect="1"/>
+          </p:cNvPicPr>
+          <p:nvPr>
+            <p:ph idx="1"/>
+          </p:nvPr>
+        </p:nvPicPr>
+        <p:blipFill>
+          <a:blip r:embed="rId3">
+            <a:clrChange>
+              <a:clrFrom>
+                <a:srgbClr val="FFFFFF">
+                  <a:alpha val="0"/>
+                </a:srgbClr>
+              </a:clrFrom>
+              <a:clrTo>
+                <a:srgbClr val="FFFFFF">
+                  <a:alpha val="0"/>
+                </a:srgbClr>
+              </a:clrTo>
+            </a:clrChange>
+            <a:extLst>
+              <a:ext uri="{28A0092B-C50C-407E-A947-70E740481C1C}">
+                <a14:useLocalDpi xmlns:a14="http://schemas.microsoft.com/office/drawing/2010/main" val="0"/>
+              </a:ext>
+            </a:extLst>
+          </a:blip>
+          <a:stretch>
+            <a:fillRect/>
+          </a:stretch>
+        </p:blipFill>
+        <p:spPr>
+          <a:xfrm>
+            <a:off x="2260780" y="2322006"/>
+            <a:ext cx="6316554" cy="4020921"/>
           </a:xfrm>
         </p:spPr>
       </p:pic>
     </p:spTree>
     <p:extLst>
       <p:ext uri="{BB962C8B-B14F-4D97-AF65-F5344CB8AC3E}">
-        <p14:creationId xmlns:p14="http://schemas.microsoft.com/office/powerpoint/2010/main" val="4011974717"/>
+        <p14:creationId xmlns:p14="http://schemas.microsoft.com/office/powerpoint/2010/main" val="119063069"/>
       </p:ext>
     </p:extLst>
   </p:cSld>
